--- a/Working plan/Project plan.pptx
+++ b/Working plan/Project plan.pptx
@@ -7,6 +7,16 @@
   <p:sldIdLst>
     <p:sldId id="264" r:id="rId2"/>
     <p:sldId id="265" r:id="rId3"/>
+    <p:sldId id="266" r:id="rId4"/>
+    <p:sldId id="267" r:id="rId5"/>
+    <p:sldId id="268" r:id="rId6"/>
+    <p:sldId id="270" r:id="rId7"/>
+    <p:sldId id="271" r:id="rId8"/>
+    <p:sldId id="272" r:id="rId9"/>
+    <p:sldId id="273" r:id="rId10"/>
+    <p:sldId id="274" r:id="rId11"/>
+    <p:sldId id="275" r:id="rId12"/>
+    <p:sldId id="276" r:id="rId13"/>
   </p:sldIdLst>
   <p:sldSz cx="12192000" cy="6858000"/>
   <p:notesSz cx="6858000" cy="9144000"/>
@@ -3854,318 +3864,6 @@
       </p:cxnSp>
       <p:sp>
         <p:nvSpPr>
-          <p:cNvPr id="118" name="Rectangle 117">
-            <a:extLst>
-              <a:ext uri="{FF2B5EF4-FFF2-40B4-BE49-F238E27FC236}">
-                <a16:creationId xmlns:a16="http://schemas.microsoft.com/office/drawing/2014/main" id="{862A7C7B-1685-4D73-A7B5-1AD0F8C290EC}"/>
-              </a:ext>
-            </a:extLst>
-          </p:cNvPr>
-          <p:cNvSpPr/>
-          <p:nvPr/>
-        </p:nvSpPr>
-        <p:spPr>
-          <a:xfrm>
-            <a:off x="368909" y="4923552"/>
-            <a:ext cx="434503" cy="1321658"/>
-          </a:xfrm>
-          <a:prstGeom prst="rect">
-            <a:avLst/>
-          </a:prstGeom>
-          <a:gradFill flip="none" rotWithShape="1">
-            <a:gsLst>
-              <a:gs pos="0">
-                <a:schemeClr val="accent1">
-                  <a:lumMod val="50000"/>
-                </a:schemeClr>
-              </a:gs>
-              <a:gs pos="48000">
-                <a:schemeClr val="accent1">
-                  <a:lumMod val="97000"/>
-                  <a:lumOff val="3000"/>
-                </a:schemeClr>
-              </a:gs>
-              <a:gs pos="100000">
-                <a:schemeClr val="accent5">
-                  <a:lumMod val="20000"/>
-                  <a:lumOff val="80000"/>
-                </a:schemeClr>
-              </a:gs>
-            </a:gsLst>
-            <a:lin ang="16200000" scaled="1"/>
-            <a:tileRect/>
-          </a:gradFill>
-          <a:ln>
-            <a:solidFill>
-              <a:schemeClr val="accent5">
-                <a:lumMod val="40000"/>
-                <a:lumOff val="60000"/>
-              </a:schemeClr>
-            </a:solidFill>
-            <a:prstDash val="dash"/>
-            <a:extLst>
-              <a:ext uri="{C807C97D-BFC1-408E-A445-0C87EB9F89A2}">
-                <ask:lineSketchStyleProps xmlns:ask="http://schemas.microsoft.com/office/drawing/2018/sketchyshapes" sd="2033455065">
-                  <a:custGeom>
-                    <a:avLst/>
-                    <a:gdLst>
-                      <a:gd name="connsiteX0" fmla="*/ 0 w 1353498"/>
-                      <a:gd name="connsiteY0" fmla="*/ 0 h 1368466"/>
-                      <a:gd name="connsiteX1" fmla="*/ 410561 w 1353498"/>
-                      <a:gd name="connsiteY1" fmla="*/ 0 h 1368466"/>
-                      <a:gd name="connsiteX2" fmla="*/ 888797 w 1353498"/>
-                      <a:gd name="connsiteY2" fmla="*/ 0 h 1368466"/>
-                      <a:gd name="connsiteX3" fmla="*/ 1353498 w 1353498"/>
-                      <a:gd name="connsiteY3" fmla="*/ 0 h 1368466"/>
-                      <a:gd name="connsiteX4" fmla="*/ 1353498 w 1353498"/>
-                      <a:gd name="connsiteY4" fmla="*/ 483525 h 1368466"/>
-                      <a:gd name="connsiteX5" fmla="*/ 1353498 w 1353498"/>
-                      <a:gd name="connsiteY5" fmla="*/ 939680 h 1368466"/>
-                      <a:gd name="connsiteX6" fmla="*/ 1353498 w 1353498"/>
-                      <a:gd name="connsiteY6" fmla="*/ 1368466 h 1368466"/>
-                      <a:gd name="connsiteX7" fmla="*/ 942937 w 1353498"/>
-                      <a:gd name="connsiteY7" fmla="*/ 1368466 h 1368466"/>
-                      <a:gd name="connsiteX8" fmla="*/ 464701 w 1353498"/>
-                      <a:gd name="connsiteY8" fmla="*/ 1368466 h 1368466"/>
-                      <a:gd name="connsiteX9" fmla="*/ 0 w 1353498"/>
-                      <a:gd name="connsiteY9" fmla="*/ 1368466 h 1368466"/>
-                      <a:gd name="connsiteX10" fmla="*/ 0 w 1353498"/>
-                      <a:gd name="connsiteY10" fmla="*/ 953365 h 1368466"/>
-                      <a:gd name="connsiteX11" fmla="*/ 0 w 1353498"/>
-                      <a:gd name="connsiteY11" fmla="*/ 483525 h 1368466"/>
-                      <a:gd name="connsiteX12" fmla="*/ 0 w 1353498"/>
-                      <a:gd name="connsiteY12" fmla="*/ 0 h 1368466"/>
-                    </a:gdLst>
-                    <a:ahLst/>
-                    <a:cxnLst>
-                      <a:cxn ang="0">
-                        <a:pos x="connsiteX0" y="connsiteY0"/>
-                      </a:cxn>
-                      <a:cxn ang="0">
-                        <a:pos x="connsiteX1" y="connsiteY1"/>
-                      </a:cxn>
-                      <a:cxn ang="0">
-                        <a:pos x="connsiteX2" y="connsiteY2"/>
-                      </a:cxn>
-                      <a:cxn ang="0">
-                        <a:pos x="connsiteX3" y="connsiteY3"/>
-                      </a:cxn>
-                      <a:cxn ang="0">
-                        <a:pos x="connsiteX4" y="connsiteY4"/>
-                      </a:cxn>
-                      <a:cxn ang="0">
-                        <a:pos x="connsiteX5" y="connsiteY5"/>
-                      </a:cxn>
-                      <a:cxn ang="0">
-                        <a:pos x="connsiteX6" y="connsiteY6"/>
-                      </a:cxn>
-                      <a:cxn ang="0">
-                        <a:pos x="connsiteX7" y="connsiteY7"/>
-                      </a:cxn>
-                      <a:cxn ang="0">
-                        <a:pos x="connsiteX8" y="connsiteY8"/>
-                      </a:cxn>
-                      <a:cxn ang="0">
-                        <a:pos x="connsiteX9" y="connsiteY9"/>
-                      </a:cxn>
-                      <a:cxn ang="0">
-                        <a:pos x="connsiteX10" y="connsiteY10"/>
-                      </a:cxn>
-                      <a:cxn ang="0">
-                        <a:pos x="connsiteX11" y="connsiteY11"/>
-                      </a:cxn>
-                      <a:cxn ang="0">
-                        <a:pos x="connsiteX12" y="connsiteY12"/>
-                      </a:cxn>
-                    </a:cxnLst>
-                    <a:rect l="l" t="t" r="r" b="b"/>
-                    <a:pathLst>
-                      <a:path w="1353498" h="1368466" fill="none" extrusionOk="0">
-                        <a:moveTo>
-                          <a:pt x="0" y="0"/>
-                        </a:moveTo>
-                        <a:cubicBezTo>
-                          <a:pt x="195948" y="-16490"/>
-                          <a:pt x="219326" y="29650"/>
-                          <a:pt x="410561" y="0"/>
-                        </a:cubicBezTo>
-                        <a:cubicBezTo>
-                          <a:pt x="601796" y="-29650"/>
-                          <a:pt x="734194" y="38847"/>
-                          <a:pt x="888797" y="0"/>
-                        </a:cubicBezTo>
-                        <a:cubicBezTo>
-                          <a:pt x="1043400" y="-38847"/>
-                          <a:pt x="1185373" y="38214"/>
-                          <a:pt x="1353498" y="0"/>
-                        </a:cubicBezTo>
-                        <a:cubicBezTo>
-                          <a:pt x="1390636" y="234548"/>
-                          <a:pt x="1332203" y="293721"/>
-                          <a:pt x="1353498" y="483525"/>
-                        </a:cubicBezTo>
-                        <a:cubicBezTo>
-                          <a:pt x="1374793" y="673330"/>
-                          <a:pt x="1306807" y="829824"/>
-                          <a:pt x="1353498" y="939680"/>
-                        </a:cubicBezTo>
-                        <a:cubicBezTo>
-                          <a:pt x="1400189" y="1049537"/>
-                          <a:pt x="1334829" y="1276451"/>
-                          <a:pt x="1353498" y="1368466"/>
-                        </a:cubicBezTo>
-                        <a:cubicBezTo>
-                          <a:pt x="1149825" y="1412558"/>
-                          <a:pt x="1074679" y="1354050"/>
-                          <a:pt x="942937" y="1368466"/>
-                        </a:cubicBezTo>
-                        <a:cubicBezTo>
-                          <a:pt x="811195" y="1382882"/>
-                          <a:pt x="563492" y="1351242"/>
-                          <a:pt x="464701" y="1368466"/>
-                        </a:cubicBezTo>
-                        <a:cubicBezTo>
-                          <a:pt x="365910" y="1385690"/>
-                          <a:pt x="111103" y="1338683"/>
-                          <a:pt x="0" y="1368466"/>
-                        </a:cubicBezTo>
-                        <a:cubicBezTo>
-                          <a:pt x="-33036" y="1248870"/>
-                          <a:pt x="34645" y="1100463"/>
-                          <a:pt x="0" y="953365"/>
-                        </a:cubicBezTo>
-                        <a:cubicBezTo>
-                          <a:pt x="-34645" y="806267"/>
-                          <a:pt x="43188" y="653282"/>
-                          <a:pt x="0" y="483525"/>
-                        </a:cubicBezTo>
-                        <a:cubicBezTo>
-                          <a:pt x="-43188" y="313768"/>
-                          <a:pt x="51535" y="214401"/>
-                          <a:pt x="0" y="0"/>
-                        </a:cubicBezTo>
-                        <a:close/>
-                      </a:path>
-                      <a:path w="1353498" h="1368466" stroke="0" extrusionOk="0">
-                        <a:moveTo>
-                          <a:pt x="0" y="0"/>
-                        </a:moveTo>
-                        <a:cubicBezTo>
-                          <a:pt x="224374" y="-41096"/>
-                          <a:pt x="288268" y="42210"/>
-                          <a:pt x="451166" y="0"/>
-                        </a:cubicBezTo>
-                        <a:cubicBezTo>
-                          <a:pt x="614064" y="-42210"/>
-                          <a:pt x="740752" y="37700"/>
-                          <a:pt x="875262" y="0"/>
-                        </a:cubicBezTo>
-                        <a:cubicBezTo>
-                          <a:pt x="1009772" y="-37700"/>
-                          <a:pt x="1234788" y="12242"/>
-                          <a:pt x="1353498" y="0"/>
-                        </a:cubicBezTo>
-                        <a:cubicBezTo>
-                          <a:pt x="1374822" y="174031"/>
-                          <a:pt x="1342229" y="298006"/>
-                          <a:pt x="1353498" y="456155"/>
-                        </a:cubicBezTo>
-                        <a:cubicBezTo>
-                          <a:pt x="1364767" y="614304"/>
-                          <a:pt x="1304128" y="709790"/>
-                          <a:pt x="1353498" y="884941"/>
-                        </a:cubicBezTo>
-                        <a:cubicBezTo>
-                          <a:pt x="1402868" y="1060092"/>
-                          <a:pt x="1326000" y="1160338"/>
-                          <a:pt x="1353498" y="1368466"/>
-                        </a:cubicBezTo>
-                        <a:cubicBezTo>
-                          <a:pt x="1150241" y="1398076"/>
-                          <a:pt x="1046096" y="1367628"/>
-                          <a:pt x="902332" y="1368466"/>
-                        </a:cubicBezTo>
-                        <a:cubicBezTo>
-                          <a:pt x="758568" y="1369304"/>
-                          <a:pt x="649128" y="1366361"/>
-                          <a:pt x="437631" y="1368466"/>
-                        </a:cubicBezTo>
-                        <a:cubicBezTo>
-                          <a:pt x="226134" y="1370571"/>
-                          <a:pt x="150409" y="1321121"/>
-                          <a:pt x="0" y="1368466"/>
-                        </a:cubicBezTo>
-                        <a:cubicBezTo>
-                          <a:pt x="-1400" y="1239338"/>
-                          <a:pt x="11793" y="1144738"/>
-                          <a:pt x="0" y="939680"/>
-                        </a:cubicBezTo>
-                        <a:cubicBezTo>
-                          <a:pt x="-11793" y="734622"/>
-                          <a:pt x="48464" y="672934"/>
-                          <a:pt x="0" y="497209"/>
-                        </a:cubicBezTo>
-                        <a:cubicBezTo>
-                          <a:pt x="-48464" y="321484"/>
-                          <a:pt x="24780" y="205142"/>
-                          <a:pt x="0" y="0"/>
-                        </a:cubicBezTo>
-                        <a:close/>
-                      </a:path>
-                    </a:pathLst>
-                  </a:custGeom>
-                  <ask:type>
-                    <ask:lineSketchNone/>
-                  </ask:type>
-                </ask:lineSketchStyleProps>
-              </a:ext>
-            </a:extLst>
-          </a:ln>
-        </p:spPr>
-        <p:style>
-          <a:lnRef idx="2">
-            <a:schemeClr val="accent1">
-              <a:shade val="50000"/>
-            </a:schemeClr>
-          </a:lnRef>
-          <a:fillRef idx="1">
-            <a:schemeClr val="accent1"/>
-          </a:fillRef>
-          <a:effectRef idx="0">
-            <a:schemeClr val="accent1"/>
-          </a:effectRef>
-          <a:fontRef idx="minor">
-            <a:schemeClr val="lt1"/>
-          </a:fontRef>
-        </p:style>
-        <p:txBody>
-          <a:bodyPr rot="0" spcFirstLastPara="0" vertOverflow="overflow" horzOverflow="overflow" vert="horz" wrap="square" lIns="91440" tIns="45720" rIns="91440" bIns="45720" numCol="1" spcCol="0" rtlCol="0" fromWordArt="0" anchor="ctr" anchorCtr="0" forceAA="0" compatLnSpc="1">
-            <a:prstTxWarp prst="textNoShape">
-              <a:avLst/>
-            </a:prstTxWarp>
-            <a:noAutofit/>
-          </a:bodyPr>
-          <a:lstStyle/>
-          <a:p>
-            <a:pPr algn="ctr"/>
-            <a:r>
-              <a:rPr lang="fr-BE" sz="1200" dirty="0" err="1">
-                <a:solidFill>
-                  <a:schemeClr val="tx1"/>
-                </a:solidFill>
-              </a:rPr>
-              <a:t>Add</a:t>
-            </a:r>
-            <a:endParaRPr lang="en-GB" sz="1200" dirty="0">
-              <a:solidFill>
-                <a:schemeClr val="tx1"/>
-              </a:solidFill>
-            </a:endParaRPr>
-          </a:p>
-        </p:txBody>
-      </p:sp>
-      <p:sp>
-        <p:nvSpPr>
           <p:cNvPr id="121" name="Rectangle 120">
             <a:extLst>
               <a:ext uri="{FF2B5EF4-FFF2-40B4-BE49-F238E27FC236}">
@@ -10140,6 +9838,2156 @@
 </p:sld>
 </file>
 
+<file path=ppt/slides/slide10.xml><?xml version="1.0" encoding="utf-8"?>
+<p:sld xmlns:a="http://schemas.openxmlformats.org/drawingml/2006/main" xmlns:r="http://schemas.openxmlformats.org/officeDocument/2006/relationships" xmlns:p="http://schemas.openxmlformats.org/presentationml/2006/main">
+  <p:cSld>
+    <p:spTree>
+      <p:nvGrpSpPr>
+        <p:cNvPr id="1" name=""/>
+        <p:cNvGrpSpPr/>
+        <p:nvPr/>
+      </p:nvGrpSpPr>
+      <p:grpSpPr>
+        <a:xfrm>
+          <a:off x="0" y="0"/>
+          <a:ext cx="0" cy="0"/>
+          <a:chOff x="0" y="0"/>
+          <a:chExt cx="0" cy="0"/>
+        </a:xfrm>
+      </p:grpSpPr>
+      <p:sp>
+        <p:nvSpPr>
+          <p:cNvPr id="2" name="Rectangle 1">
+            <a:extLst>
+              <a:ext uri="{FF2B5EF4-FFF2-40B4-BE49-F238E27FC236}">
+                <a16:creationId xmlns:a16="http://schemas.microsoft.com/office/drawing/2014/main" id="{7E64C758-C98D-41F0-9515-78741A728945}"/>
+              </a:ext>
+            </a:extLst>
+          </p:cNvPr>
+          <p:cNvSpPr/>
+          <p:nvPr/>
+        </p:nvSpPr>
+        <p:spPr>
+          <a:xfrm>
+            <a:off x="622663" y="748938"/>
+            <a:ext cx="10946674" cy="5730240"/>
+          </a:xfrm>
+          <a:prstGeom prst="rect">
+            <a:avLst/>
+          </a:prstGeom>
+          <a:solidFill>
+            <a:schemeClr val="accent6">
+              <a:lumMod val="20000"/>
+              <a:lumOff val="80000"/>
+            </a:schemeClr>
+          </a:solidFill>
+        </p:spPr>
+        <p:style>
+          <a:lnRef idx="2">
+            <a:schemeClr val="accent1">
+              <a:shade val="50000"/>
+            </a:schemeClr>
+          </a:lnRef>
+          <a:fillRef idx="1">
+            <a:schemeClr val="accent1"/>
+          </a:fillRef>
+          <a:effectRef idx="0">
+            <a:schemeClr val="accent1"/>
+          </a:effectRef>
+          <a:fontRef idx="minor">
+            <a:schemeClr val="lt1"/>
+          </a:fontRef>
+        </p:style>
+        <p:txBody>
+          <a:bodyPr rtlCol="0" anchor="ctr"/>
+          <a:lstStyle/>
+          <a:p>
+            <a:pPr algn="ctr"/>
+            <a:endParaRPr lang="fr-FR" dirty="0"/>
+          </a:p>
+        </p:txBody>
+      </p:sp>
+      <p:sp>
+        <p:nvSpPr>
+          <p:cNvPr id="3" name="Rectangle 2">
+            <a:extLst>
+              <a:ext uri="{FF2B5EF4-FFF2-40B4-BE49-F238E27FC236}">
+                <a16:creationId xmlns:a16="http://schemas.microsoft.com/office/drawing/2014/main" id="{0F0B21E4-FBB5-44C2-8E74-97BB8B9438F6}"/>
+              </a:ext>
+            </a:extLst>
+          </p:cNvPr>
+          <p:cNvSpPr/>
+          <p:nvPr/>
+        </p:nvSpPr>
+        <p:spPr>
+          <a:xfrm>
+            <a:off x="714103" y="888274"/>
+            <a:ext cx="10737668" cy="391886"/>
+          </a:xfrm>
+          <a:prstGeom prst="rect">
+            <a:avLst/>
+          </a:prstGeom>
+        </p:spPr>
+        <p:style>
+          <a:lnRef idx="2">
+            <a:schemeClr val="accent1">
+              <a:shade val="50000"/>
+            </a:schemeClr>
+          </a:lnRef>
+          <a:fillRef idx="1">
+            <a:schemeClr val="accent1"/>
+          </a:fillRef>
+          <a:effectRef idx="0">
+            <a:schemeClr val="accent1"/>
+          </a:effectRef>
+          <a:fontRef idx="minor">
+            <a:schemeClr val="lt1"/>
+          </a:fontRef>
+        </p:style>
+        <p:txBody>
+          <a:bodyPr rtlCol="0" anchor="ctr"/>
+          <a:lstStyle/>
+          <a:p>
+            <a:pPr algn="ctr"/>
+            <a:endParaRPr lang="fr-FR" dirty="0"/>
+          </a:p>
+        </p:txBody>
+      </p:sp>
+      <p:sp>
+        <p:nvSpPr>
+          <p:cNvPr id="5" name="Rectangle 4">
+            <a:extLst>
+              <a:ext uri="{FF2B5EF4-FFF2-40B4-BE49-F238E27FC236}">
+                <a16:creationId xmlns:a16="http://schemas.microsoft.com/office/drawing/2014/main" id="{AB16307F-6937-4D2C-BF36-64D295717153}"/>
+              </a:ext>
+            </a:extLst>
+          </p:cNvPr>
+          <p:cNvSpPr/>
+          <p:nvPr/>
+        </p:nvSpPr>
+        <p:spPr>
+          <a:xfrm>
+            <a:off x="10245634" y="949234"/>
+            <a:ext cx="1018903" cy="269965"/>
+          </a:xfrm>
+          <a:prstGeom prst="rect">
+            <a:avLst/>
+          </a:prstGeom>
+          <a:solidFill>
+            <a:schemeClr val="accent2"/>
+          </a:solidFill>
+        </p:spPr>
+        <p:style>
+          <a:lnRef idx="2">
+            <a:schemeClr val="accent1">
+              <a:shade val="50000"/>
+            </a:schemeClr>
+          </a:lnRef>
+          <a:fillRef idx="1">
+            <a:schemeClr val="accent1"/>
+          </a:fillRef>
+          <a:effectRef idx="0">
+            <a:schemeClr val="accent1"/>
+          </a:effectRef>
+          <a:fontRef idx="minor">
+            <a:schemeClr val="lt1"/>
+          </a:fontRef>
+        </p:style>
+        <p:txBody>
+          <a:bodyPr rtlCol="0" anchor="ctr"/>
+          <a:lstStyle/>
+          <a:p>
+            <a:pPr algn="ctr"/>
+            <a:r>
+              <a:rPr lang="fr-FR" dirty="0"/>
+              <a:t>Log-out</a:t>
+            </a:r>
+          </a:p>
+        </p:txBody>
+      </p:sp>
+      <p:sp>
+        <p:nvSpPr>
+          <p:cNvPr id="7" name="Rectangle 6">
+            <a:extLst>
+              <a:ext uri="{FF2B5EF4-FFF2-40B4-BE49-F238E27FC236}">
+                <a16:creationId xmlns:a16="http://schemas.microsoft.com/office/drawing/2014/main" id="{22434126-0D0B-465F-ABDD-2EEA8355D1C1}"/>
+              </a:ext>
+            </a:extLst>
+          </p:cNvPr>
+          <p:cNvSpPr/>
+          <p:nvPr/>
+        </p:nvSpPr>
+        <p:spPr>
+          <a:xfrm>
+            <a:off x="974680" y="200297"/>
+            <a:ext cx="1838189" cy="252549"/>
+          </a:xfrm>
+          <a:prstGeom prst="rect">
+            <a:avLst/>
+          </a:prstGeom>
+        </p:spPr>
+        <p:style>
+          <a:lnRef idx="2">
+            <a:schemeClr val="accent1">
+              <a:shade val="50000"/>
+            </a:schemeClr>
+          </a:lnRef>
+          <a:fillRef idx="1">
+            <a:schemeClr val="accent1"/>
+          </a:fillRef>
+          <a:effectRef idx="0">
+            <a:schemeClr val="accent1"/>
+          </a:effectRef>
+          <a:fontRef idx="minor">
+            <a:schemeClr val="lt1"/>
+          </a:fontRef>
+        </p:style>
+        <p:txBody>
+          <a:bodyPr rtlCol="0" anchor="ctr"/>
+          <a:lstStyle/>
+          <a:p>
+            <a:pPr algn="ctr"/>
+            <a:r>
+              <a:rPr lang="fr-FR" dirty="0" err="1"/>
+              <a:t>edit-event.hbs</a:t>
+            </a:r>
+            <a:endParaRPr lang="fr-FR" dirty="0"/>
+          </a:p>
+        </p:txBody>
+      </p:sp>
+      <p:sp>
+        <p:nvSpPr>
+          <p:cNvPr id="15" name="Rectangle 14">
+            <a:extLst>
+              <a:ext uri="{FF2B5EF4-FFF2-40B4-BE49-F238E27FC236}">
+                <a16:creationId xmlns:a16="http://schemas.microsoft.com/office/drawing/2014/main" id="{94B30F9A-2801-43EF-8E67-882CB17239C1}"/>
+              </a:ext>
+            </a:extLst>
+          </p:cNvPr>
+          <p:cNvSpPr/>
+          <p:nvPr/>
+        </p:nvSpPr>
+        <p:spPr>
+          <a:xfrm>
+            <a:off x="3300549" y="1540201"/>
+            <a:ext cx="4554582" cy="4801314"/>
+          </a:xfrm>
+          <a:prstGeom prst="rect">
+            <a:avLst/>
+          </a:prstGeom>
+          <a:ln>
+            <a:noFill/>
+          </a:ln>
+        </p:spPr>
+        <p:txBody>
+          <a:bodyPr wrap="square">
+            <a:spAutoFit/>
+          </a:bodyPr>
+          <a:lstStyle/>
+          <a:p>
+            <a:br>
+              <a:rPr lang="fr-FR" dirty="0"/>
+            </a:br>
+            <a:r>
+              <a:rPr lang="fr-FR" u="sng" dirty="0">
+                <a:solidFill>
+                  <a:srgbClr val="000000"/>
+                </a:solidFill>
+                <a:latin typeface="Arial" panose="020B0604020202020204" pitchFamily="34" charset="0"/>
+              </a:rPr>
+              <a:t>Event :</a:t>
+            </a:r>
+          </a:p>
+          <a:p>
+            <a:r>
+              <a:rPr lang="fr-FR" dirty="0" err="1">
+                <a:solidFill>
+                  <a:srgbClr val="000000"/>
+                </a:solidFill>
+                <a:latin typeface="Arial" panose="020B0604020202020204" pitchFamily="34" charset="0"/>
+              </a:rPr>
+              <a:t>Event_name</a:t>
+            </a:r>
+            <a:r>
+              <a:rPr lang="fr-FR" dirty="0">
+                <a:solidFill>
+                  <a:srgbClr val="000000"/>
+                </a:solidFill>
+                <a:latin typeface="Arial" panose="020B0604020202020204" pitchFamily="34" charset="0"/>
+              </a:rPr>
+              <a:t>:</a:t>
+            </a:r>
+            <a:endParaRPr lang="fr-FR" dirty="0"/>
+          </a:p>
+          <a:p>
+            <a:r>
+              <a:rPr lang="fr-FR" dirty="0">
+                <a:solidFill>
+                  <a:srgbClr val="000000"/>
+                </a:solidFill>
+                <a:latin typeface="Arial" panose="020B0604020202020204" pitchFamily="34" charset="0"/>
+              </a:rPr>
+              <a:t>Chef : *user</a:t>
+            </a:r>
+            <a:endParaRPr lang="fr-FR" dirty="0"/>
+          </a:p>
+          <a:p>
+            <a:r>
+              <a:rPr lang="fr-FR" dirty="0">
+                <a:solidFill>
+                  <a:srgbClr val="000000"/>
+                </a:solidFill>
+                <a:latin typeface="Arial" panose="020B0604020202020204" pitchFamily="34" charset="0"/>
+              </a:rPr>
+              <a:t>Menu :{</a:t>
+            </a:r>
+            <a:endParaRPr lang="fr-FR" dirty="0"/>
+          </a:p>
+          <a:p>
+            <a:r>
+              <a:rPr lang="fr-FR" dirty="0">
+                <a:solidFill>
+                  <a:srgbClr val="000000"/>
+                </a:solidFill>
+                <a:latin typeface="Arial" panose="020B0604020202020204" pitchFamily="34" charset="0"/>
+              </a:rPr>
+              <a:t>Starter:</a:t>
+            </a:r>
+            <a:endParaRPr lang="fr-FR" dirty="0"/>
+          </a:p>
+          <a:p>
+            <a:r>
+              <a:rPr lang="fr-FR" dirty="0">
+                <a:solidFill>
+                  <a:srgbClr val="000000"/>
+                </a:solidFill>
+                <a:latin typeface="Arial" panose="020B0604020202020204" pitchFamily="34" charset="0"/>
+              </a:rPr>
+              <a:t>Main:</a:t>
+            </a:r>
+            <a:endParaRPr lang="fr-FR" dirty="0"/>
+          </a:p>
+          <a:p>
+            <a:r>
+              <a:rPr lang="fr-FR" dirty="0">
+                <a:solidFill>
+                  <a:srgbClr val="000000"/>
+                </a:solidFill>
+                <a:latin typeface="Arial" panose="020B0604020202020204" pitchFamily="34" charset="0"/>
+              </a:rPr>
+              <a:t>Dessert:}</a:t>
+            </a:r>
+            <a:endParaRPr lang="fr-FR" dirty="0"/>
+          </a:p>
+          <a:p>
+            <a:r>
+              <a:rPr lang="fr-FR" dirty="0">
+                <a:solidFill>
+                  <a:srgbClr val="000000"/>
+                </a:solidFill>
+                <a:latin typeface="Arial" panose="020B0604020202020204" pitchFamily="34" charset="0"/>
+              </a:rPr>
+              <a:t>Type :[breakfast, </a:t>
+            </a:r>
+            <a:r>
+              <a:rPr lang="fr-FR" dirty="0" err="1">
+                <a:solidFill>
+                  <a:srgbClr val="000000"/>
+                </a:solidFill>
+                <a:latin typeface="Arial" panose="020B0604020202020204" pitchFamily="34" charset="0"/>
+              </a:rPr>
+              <a:t>brunch,lunch</a:t>
+            </a:r>
+            <a:r>
+              <a:rPr lang="fr-FR" dirty="0">
+                <a:solidFill>
+                  <a:srgbClr val="000000"/>
+                </a:solidFill>
+                <a:latin typeface="Arial" panose="020B0604020202020204" pitchFamily="34" charset="0"/>
+              </a:rPr>
+              <a:t>, </a:t>
+            </a:r>
+            <a:r>
+              <a:rPr lang="fr-FR" dirty="0" err="1">
+                <a:solidFill>
+                  <a:srgbClr val="000000"/>
+                </a:solidFill>
+                <a:latin typeface="Arial" panose="020B0604020202020204" pitchFamily="34" charset="0"/>
+              </a:rPr>
+              <a:t>dinner</a:t>
+            </a:r>
+            <a:r>
+              <a:rPr lang="fr-FR" dirty="0">
+                <a:solidFill>
+                  <a:srgbClr val="000000"/>
+                </a:solidFill>
+                <a:latin typeface="Arial" panose="020B0604020202020204" pitchFamily="34" charset="0"/>
+              </a:rPr>
+              <a:t>]</a:t>
+            </a:r>
+            <a:endParaRPr lang="fr-FR" dirty="0"/>
+          </a:p>
+          <a:p>
+            <a:r>
+              <a:rPr lang="fr-FR" dirty="0">
+                <a:solidFill>
+                  <a:srgbClr val="000000"/>
+                </a:solidFill>
+                <a:latin typeface="Arial" panose="020B0604020202020204" pitchFamily="34" charset="0"/>
+              </a:rPr>
+              <a:t>Date:</a:t>
+            </a:r>
+            <a:endParaRPr lang="fr-FR" dirty="0"/>
+          </a:p>
+          <a:p>
+            <a:r>
+              <a:rPr lang="fr-FR" dirty="0">
+                <a:solidFill>
+                  <a:srgbClr val="000000"/>
+                </a:solidFill>
+                <a:latin typeface="Arial" panose="020B0604020202020204" pitchFamily="34" charset="0"/>
+              </a:rPr>
+              <a:t>location:</a:t>
+            </a:r>
+            <a:endParaRPr lang="fr-FR" dirty="0"/>
+          </a:p>
+          <a:p>
+            <a:r>
+              <a:rPr lang="fr-FR" dirty="0" err="1">
+                <a:solidFill>
+                  <a:srgbClr val="000000"/>
+                </a:solidFill>
+                <a:latin typeface="Arial" panose="020B0604020202020204" pitchFamily="34" charset="0"/>
+              </a:rPr>
+              <a:t>MaxPeople</a:t>
+            </a:r>
+            <a:r>
+              <a:rPr lang="fr-FR" dirty="0">
+                <a:solidFill>
+                  <a:srgbClr val="000000"/>
+                </a:solidFill>
+                <a:latin typeface="Arial" panose="020B0604020202020204" pitchFamily="34" charset="0"/>
+              </a:rPr>
+              <a:t>:</a:t>
+            </a:r>
+            <a:endParaRPr lang="fr-FR" dirty="0"/>
+          </a:p>
+          <a:p>
+            <a:r>
+              <a:rPr lang="fr-FR" dirty="0" err="1">
+                <a:solidFill>
+                  <a:srgbClr val="000000"/>
+                </a:solidFill>
+                <a:latin typeface="Arial" panose="020B0604020202020204" pitchFamily="34" charset="0"/>
+              </a:rPr>
+              <a:t>Theme</a:t>
+            </a:r>
+            <a:r>
+              <a:rPr lang="fr-FR" dirty="0">
+                <a:solidFill>
+                  <a:srgbClr val="000000"/>
+                </a:solidFill>
+                <a:latin typeface="Arial" panose="020B0604020202020204" pitchFamily="34" charset="0"/>
+              </a:rPr>
+              <a:t>:</a:t>
+            </a:r>
+            <a:endParaRPr lang="fr-FR" dirty="0"/>
+          </a:p>
+          <a:p>
+            <a:r>
+              <a:rPr lang="fr-FR" dirty="0">
+                <a:solidFill>
+                  <a:srgbClr val="000000"/>
+                </a:solidFill>
+                <a:latin typeface="Arial" panose="020B0604020202020204" pitchFamily="34" charset="0"/>
+              </a:rPr>
+              <a:t>Price:</a:t>
+            </a:r>
+            <a:endParaRPr lang="fr-FR" dirty="0"/>
+          </a:p>
+          <a:p>
+            <a:r>
+              <a:rPr lang="fr-FR" dirty="0">
+                <a:solidFill>
+                  <a:srgbClr val="000000"/>
+                </a:solidFill>
+                <a:latin typeface="Arial" panose="020B0604020202020204" pitchFamily="34" charset="0"/>
+              </a:rPr>
+              <a:t>Restrictions :*tag</a:t>
+            </a:r>
+          </a:p>
+          <a:p>
+            <a:r>
+              <a:rPr lang="fr-FR" dirty="0">
+                <a:solidFill>
+                  <a:srgbClr val="000000"/>
+                </a:solidFill>
+                <a:latin typeface="Arial" panose="020B0604020202020204" pitchFamily="34" charset="0"/>
+              </a:rPr>
+              <a:t>Images :</a:t>
+            </a:r>
+          </a:p>
+          <a:p>
+            <a:r>
+              <a:rPr lang="fr-FR" dirty="0" err="1">
+                <a:solidFill>
+                  <a:srgbClr val="000000"/>
+                </a:solidFill>
+                <a:latin typeface="Arial" panose="020B0604020202020204" pitchFamily="34" charset="0"/>
+              </a:rPr>
+              <a:t>Guests</a:t>
+            </a:r>
+            <a:r>
+              <a:rPr lang="fr-FR" dirty="0">
+                <a:solidFill>
+                  <a:srgbClr val="000000"/>
+                </a:solidFill>
+                <a:latin typeface="Arial" panose="020B0604020202020204" pitchFamily="34" charset="0"/>
+              </a:rPr>
+              <a:t> [</a:t>
+            </a:r>
+            <a:r>
+              <a:rPr lang="fr-FR" dirty="0" err="1">
+                <a:solidFill>
+                  <a:srgbClr val="000000"/>
+                </a:solidFill>
+                <a:latin typeface="Arial" panose="020B0604020202020204" pitchFamily="34" charset="0"/>
+              </a:rPr>
+              <a:t>users</a:t>
+            </a:r>
+            <a:r>
+              <a:rPr lang="fr-FR" dirty="0">
+                <a:solidFill>
+                  <a:srgbClr val="000000"/>
+                </a:solidFill>
+                <a:latin typeface="Arial" panose="020B0604020202020204" pitchFamily="34" charset="0"/>
+              </a:rPr>
+              <a:t> ID,…]</a:t>
+            </a:r>
+            <a:endParaRPr lang="fr-FR" dirty="0"/>
+          </a:p>
+        </p:txBody>
+      </p:sp>
+      <p:sp>
+        <p:nvSpPr>
+          <p:cNvPr id="16" name="Rectangle 15">
+            <a:extLst>
+              <a:ext uri="{FF2B5EF4-FFF2-40B4-BE49-F238E27FC236}">
+                <a16:creationId xmlns:a16="http://schemas.microsoft.com/office/drawing/2014/main" id="{EEF24A88-98BD-4338-8A24-2791945EABA5}"/>
+              </a:ext>
+            </a:extLst>
+          </p:cNvPr>
+          <p:cNvSpPr/>
+          <p:nvPr/>
+        </p:nvSpPr>
+        <p:spPr>
+          <a:xfrm>
+            <a:off x="6548845" y="5934892"/>
+            <a:ext cx="1018903" cy="269965"/>
+          </a:xfrm>
+          <a:prstGeom prst="rect">
+            <a:avLst/>
+          </a:prstGeom>
+          <a:solidFill>
+            <a:schemeClr val="accent2"/>
+          </a:solidFill>
+        </p:spPr>
+        <p:style>
+          <a:lnRef idx="2">
+            <a:schemeClr val="accent1">
+              <a:shade val="50000"/>
+            </a:schemeClr>
+          </a:lnRef>
+          <a:fillRef idx="1">
+            <a:schemeClr val="accent1"/>
+          </a:fillRef>
+          <a:effectRef idx="0">
+            <a:schemeClr val="accent1"/>
+          </a:effectRef>
+          <a:fontRef idx="minor">
+            <a:schemeClr val="lt1"/>
+          </a:fontRef>
+        </p:style>
+        <p:txBody>
+          <a:bodyPr rtlCol="0" anchor="ctr"/>
+          <a:lstStyle/>
+          <a:p>
+            <a:pPr algn="ctr"/>
+            <a:r>
+              <a:rPr lang="fr-FR" dirty="0"/>
+              <a:t>update !</a:t>
+            </a:r>
+          </a:p>
+        </p:txBody>
+      </p:sp>
+      <p:sp>
+        <p:nvSpPr>
+          <p:cNvPr id="8" name="Rectangle 7">
+            <a:extLst>
+              <a:ext uri="{FF2B5EF4-FFF2-40B4-BE49-F238E27FC236}">
+                <a16:creationId xmlns:a16="http://schemas.microsoft.com/office/drawing/2014/main" id="{283FC68F-C423-46CF-9E03-F71BB75CABD0}"/>
+              </a:ext>
+            </a:extLst>
+          </p:cNvPr>
+          <p:cNvSpPr/>
+          <p:nvPr/>
+        </p:nvSpPr>
+        <p:spPr>
+          <a:xfrm>
+            <a:off x="8778241" y="949234"/>
+            <a:ext cx="1349828" cy="269965"/>
+          </a:xfrm>
+          <a:prstGeom prst="rect">
+            <a:avLst/>
+          </a:prstGeom>
+          <a:solidFill>
+            <a:schemeClr val="accent2"/>
+          </a:solidFill>
+        </p:spPr>
+        <p:style>
+          <a:lnRef idx="2">
+            <a:schemeClr val="accent1">
+              <a:shade val="50000"/>
+            </a:schemeClr>
+          </a:lnRef>
+          <a:fillRef idx="1">
+            <a:schemeClr val="accent1"/>
+          </a:fillRef>
+          <a:effectRef idx="0">
+            <a:schemeClr val="accent1"/>
+          </a:effectRef>
+          <a:fontRef idx="minor">
+            <a:schemeClr val="lt1"/>
+          </a:fontRef>
+        </p:style>
+        <p:txBody>
+          <a:bodyPr rtlCol="0" anchor="ctr"/>
+          <a:lstStyle/>
+          <a:p>
+            <a:pPr algn="ctr"/>
+            <a:r>
+              <a:rPr lang="fr-FR" dirty="0" err="1"/>
+              <a:t>My</a:t>
+            </a:r>
+            <a:r>
+              <a:rPr lang="fr-FR" dirty="0"/>
+              <a:t> profile</a:t>
+            </a:r>
+          </a:p>
+        </p:txBody>
+      </p:sp>
+      <p:sp>
+        <p:nvSpPr>
+          <p:cNvPr id="9" name="Rectangle 8">
+            <a:extLst>
+              <a:ext uri="{FF2B5EF4-FFF2-40B4-BE49-F238E27FC236}">
+                <a16:creationId xmlns:a16="http://schemas.microsoft.com/office/drawing/2014/main" id="{F13705FD-48A2-4E07-AD8A-817105840E42}"/>
+              </a:ext>
+            </a:extLst>
+          </p:cNvPr>
+          <p:cNvSpPr/>
+          <p:nvPr/>
+        </p:nvSpPr>
+        <p:spPr>
+          <a:xfrm>
+            <a:off x="7327249" y="949234"/>
+            <a:ext cx="1349828" cy="269965"/>
+          </a:xfrm>
+          <a:prstGeom prst="rect">
+            <a:avLst/>
+          </a:prstGeom>
+          <a:solidFill>
+            <a:schemeClr val="accent2"/>
+          </a:solidFill>
+        </p:spPr>
+        <p:style>
+          <a:lnRef idx="2">
+            <a:schemeClr val="accent1">
+              <a:shade val="50000"/>
+            </a:schemeClr>
+          </a:lnRef>
+          <a:fillRef idx="1">
+            <a:schemeClr val="accent1"/>
+          </a:fillRef>
+          <a:effectRef idx="0">
+            <a:schemeClr val="accent1"/>
+          </a:effectRef>
+          <a:fontRef idx="minor">
+            <a:schemeClr val="lt1"/>
+          </a:fontRef>
+        </p:style>
+        <p:txBody>
+          <a:bodyPr rtlCol="0" anchor="ctr"/>
+          <a:lstStyle/>
+          <a:p>
+            <a:pPr algn="ctr"/>
+            <a:r>
+              <a:rPr lang="fr-FR" dirty="0" err="1"/>
+              <a:t>My</a:t>
+            </a:r>
+            <a:r>
+              <a:rPr lang="fr-FR" dirty="0"/>
+              <a:t> </a:t>
+            </a:r>
+            <a:r>
+              <a:rPr lang="fr-FR" dirty="0" err="1"/>
+              <a:t>events</a:t>
+            </a:r>
+            <a:endParaRPr lang="fr-FR" dirty="0"/>
+          </a:p>
+        </p:txBody>
+      </p:sp>
+      <p:sp>
+        <p:nvSpPr>
+          <p:cNvPr id="10" name="Rectangle 9">
+            <a:extLst>
+              <a:ext uri="{FF2B5EF4-FFF2-40B4-BE49-F238E27FC236}">
+                <a16:creationId xmlns:a16="http://schemas.microsoft.com/office/drawing/2014/main" id="{B57D902F-B8BD-4F02-AAFC-F0DE0EB3393A}"/>
+              </a:ext>
+            </a:extLst>
+          </p:cNvPr>
+          <p:cNvSpPr/>
+          <p:nvPr/>
+        </p:nvSpPr>
+        <p:spPr>
+          <a:xfrm>
+            <a:off x="5050971" y="949233"/>
+            <a:ext cx="2089044" cy="269965"/>
+          </a:xfrm>
+          <a:prstGeom prst="rect">
+            <a:avLst/>
+          </a:prstGeom>
+          <a:solidFill>
+            <a:schemeClr val="accent2"/>
+          </a:solidFill>
+        </p:spPr>
+        <p:style>
+          <a:lnRef idx="2">
+            <a:schemeClr val="accent1">
+              <a:shade val="50000"/>
+            </a:schemeClr>
+          </a:lnRef>
+          <a:fillRef idx="1">
+            <a:schemeClr val="accent1"/>
+          </a:fillRef>
+          <a:effectRef idx="0">
+            <a:schemeClr val="accent1"/>
+          </a:effectRef>
+          <a:fontRef idx="minor">
+            <a:schemeClr val="lt1"/>
+          </a:fontRef>
+        </p:style>
+        <p:txBody>
+          <a:bodyPr rtlCol="0" anchor="ctr"/>
+          <a:lstStyle/>
+          <a:p>
+            <a:pPr algn="ctr"/>
+            <a:r>
+              <a:rPr lang="fr-FR" dirty="0" err="1"/>
+              <a:t>Create</a:t>
+            </a:r>
+            <a:r>
+              <a:rPr lang="fr-FR" dirty="0"/>
+              <a:t> an </a:t>
+            </a:r>
+            <a:r>
+              <a:rPr lang="fr-FR" dirty="0" err="1"/>
+              <a:t>event</a:t>
+            </a:r>
+            <a:endParaRPr lang="fr-FR" dirty="0"/>
+          </a:p>
+        </p:txBody>
+      </p:sp>
+    </p:spTree>
+    <p:extLst>
+      <p:ext uri="{BB962C8B-B14F-4D97-AF65-F5344CB8AC3E}">
+        <p14:creationId xmlns:p14="http://schemas.microsoft.com/office/powerpoint/2010/main" val="1008392318"/>
+      </p:ext>
+    </p:extLst>
+  </p:cSld>
+  <p:clrMapOvr>
+    <a:masterClrMapping/>
+  </p:clrMapOvr>
+</p:sld>
+</file>
+
+<file path=ppt/slides/slide11.xml><?xml version="1.0" encoding="utf-8"?>
+<p:sld xmlns:a="http://schemas.openxmlformats.org/drawingml/2006/main" xmlns:r="http://schemas.openxmlformats.org/officeDocument/2006/relationships" xmlns:p="http://schemas.openxmlformats.org/presentationml/2006/main">
+  <p:cSld>
+    <p:spTree>
+      <p:nvGrpSpPr>
+        <p:cNvPr id="1" name=""/>
+        <p:cNvGrpSpPr/>
+        <p:nvPr/>
+      </p:nvGrpSpPr>
+      <p:grpSpPr>
+        <a:xfrm>
+          <a:off x="0" y="0"/>
+          <a:ext cx="0" cy="0"/>
+          <a:chOff x="0" y="0"/>
+          <a:chExt cx="0" cy="0"/>
+        </a:xfrm>
+      </p:grpSpPr>
+      <p:sp>
+        <p:nvSpPr>
+          <p:cNvPr id="2" name="Rectangle 1">
+            <a:extLst>
+              <a:ext uri="{FF2B5EF4-FFF2-40B4-BE49-F238E27FC236}">
+                <a16:creationId xmlns:a16="http://schemas.microsoft.com/office/drawing/2014/main" id="{7E64C758-C98D-41F0-9515-78741A728945}"/>
+              </a:ext>
+            </a:extLst>
+          </p:cNvPr>
+          <p:cNvSpPr/>
+          <p:nvPr/>
+        </p:nvSpPr>
+        <p:spPr>
+          <a:xfrm>
+            <a:off x="622663" y="748938"/>
+            <a:ext cx="10946674" cy="5730240"/>
+          </a:xfrm>
+          <a:prstGeom prst="rect">
+            <a:avLst/>
+          </a:prstGeom>
+          <a:solidFill>
+            <a:schemeClr val="accent6">
+              <a:lumMod val="20000"/>
+              <a:lumOff val="80000"/>
+            </a:schemeClr>
+          </a:solidFill>
+        </p:spPr>
+        <p:style>
+          <a:lnRef idx="2">
+            <a:schemeClr val="accent1">
+              <a:shade val="50000"/>
+            </a:schemeClr>
+          </a:lnRef>
+          <a:fillRef idx="1">
+            <a:schemeClr val="accent1"/>
+          </a:fillRef>
+          <a:effectRef idx="0">
+            <a:schemeClr val="accent1"/>
+          </a:effectRef>
+          <a:fontRef idx="minor">
+            <a:schemeClr val="lt1"/>
+          </a:fontRef>
+        </p:style>
+        <p:txBody>
+          <a:bodyPr rtlCol="0" anchor="ctr"/>
+          <a:lstStyle/>
+          <a:p>
+            <a:pPr algn="ctr"/>
+            <a:endParaRPr lang="fr-FR" dirty="0"/>
+          </a:p>
+        </p:txBody>
+      </p:sp>
+      <p:sp>
+        <p:nvSpPr>
+          <p:cNvPr id="3" name="Rectangle 2">
+            <a:extLst>
+              <a:ext uri="{FF2B5EF4-FFF2-40B4-BE49-F238E27FC236}">
+                <a16:creationId xmlns:a16="http://schemas.microsoft.com/office/drawing/2014/main" id="{0F0B21E4-FBB5-44C2-8E74-97BB8B9438F6}"/>
+              </a:ext>
+            </a:extLst>
+          </p:cNvPr>
+          <p:cNvSpPr/>
+          <p:nvPr/>
+        </p:nvSpPr>
+        <p:spPr>
+          <a:xfrm>
+            <a:off x="714103" y="888274"/>
+            <a:ext cx="10737668" cy="391886"/>
+          </a:xfrm>
+          <a:prstGeom prst="rect">
+            <a:avLst/>
+          </a:prstGeom>
+        </p:spPr>
+        <p:style>
+          <a:lnRef idx="2">
+            <a:schemeClr val="accent1">
+              <a:shade val="50000"/>
+            </a:schemeClr>
+          </a:lnRef>
+          <a:fillRef idx="1">
+            <a:schemeClr val="accent1"/>
+          </a:fillRef>
+          <a:effectRef idx="0">
+            <a:schemeClr val="accent1"/>
+          </a:effectRef>
+          <a:fontRef idx="minor">
+            <a:schemeClr val="lt1"/>
+          </a:fontRef>
+        </p:style>
+        <p:txBody>
+          <a:bodyPr rtlCol="0" anchor="ctr"/>
+          <a:lstStyle/>
+          <a:p>
+            <a:pPr algn="ctr"/>
+            <a:endParaRPr lang="fr-FR" dirty="0"/>
+          </a:p>
+        </p:txBody>
+      </p:sp>
+      <p:sp>
+        <p:nvSpPr>
+          <p:cNvPr id="5" name="Rectangle 4">
+            <a:extLst>
+              <a:ext uri="{FF2B5EF4-FFF2-40B4-BE49-F238E27FC236}">
+                <a16:creationId xmlns:a16="http://schemas.microsoft.com/office/drawing/2014/main" id="{AB16307F-6937-4D2C-BF36-64D295717153}"/>
+              </a:ext>
+            </a:extLst>
+          </p:cNvPr>
+          <p:cNvSpPr/>
+          <p:nvPr/>
+        </p:nvSpPr>
+        <p:spPr>
+          <a:xfrm>
+            <a:off x="10245634" y="949234"/>
+            <a:ext cx="1018903" cy="269965"/>
+          </a:xfrm>
+          <a:prstGeom prst="rect">
+            <a:avLst/>
+          </a:prstGeom>
+          <a:solidFill>
+            <a:schemeClr val="accent2"/>
+          </a:solidFill>
+        </p:spPr>
+        <p:style>
+          <a:lnRef idx="2">
+            <a:schemeClr val="accent1">
+              <a:shade val="50000"/>
+            </a:schemeClr>
+          </a:lnRef>
+          <a:fillRef idx="1">
+            <a:schemeClr val="accent1"/>
+          </a:fillRef>
+          <a:effectRef idx="0">
+            <a:schemeClr val="accent1"/>
+          </a:effectRef>
+          <a:fontRef idx="minor">
+            <a:schemeClr val="lt1"/>
+          </a:fontRef>
+        </p:style>
+        <p:txBody>
+          <a:bodyPr rtlCol="0" anchor="ctr"/>
+          <a:lstStyle/>
+          <a:p>
+            <a:pPr algn="ctr"/>
+            <a:r>
+              <a:rPr lang="fr-FR" dirty="0"/>
+              <a:t>Log-out</a:t>
+            </a:r>
+          </a:p>
+        </p:txBody>
+      </p:sp>
+      <p:sp>
+        <p:nvSpPr>
+          <p:cNvPr id="7" name="Rectangle 6">
+            <a:extLst>
+              <a:ext uri="{FF2B5EF4-FFF2-40B4-BE49-F238E27FC236}">
+                <a16:creationId xmlns:a16="http://schemas.microsoft.com/office/drawing/2014/main" id="{22434126-0D0B-465F-ABDD-2EEA8355D1C1}"/>
+              </a:ext>
+            </a:extLst>
+          </p:cNvPr>
+          <p:cNvSpPr/>
+          <p:nvPr/>
+        </p:nvSpPr>
+        <p:spPr>
+          <a:xfrm>
+            <a:off x="974680" y="200297"/>
+            <a:ext cx="1838189" cy="252549"/>
+          </a:xfrm>
+          <a:prstGeom prst="rect">
+            <a:avLst/>
+          </a:prstGeom>
+        </p:spPr>
+        <p:style>
+          <a:lnRef idx="2">
+            <a:schemeClr val="accent1">
+              <a:shade val="50000"/>
+            </a:schemeClr>
+          </a:lnRef>
+          <a:fillRef idx="1">
+            <a:schemeClr val="accent1"/>
+          </a:fillRef>
+          <a:effectRef idx="0">
+            <a:schemeClr val="accent1"/>
+          </a:effectRef>
+          <a:fontRef idx="minor">
+            <a:schemeClr val="lt1"/>
+          </a:fontRef>
+        </p:style>
+        <p:txBody>
+          <a:bodyPr rtlCol="0" anchor="ctr"/>
+          <a:lstStyle/>
+          <a:p>
+            <a:pPr algn="ctr"/>
+            <a:r>
+              <a:rPr lang="fr-FR" dirty="0"/>
+              <a:t>Edit-</a:t>
+            </a:r>
+            <a:r>
+              <a:rPr lang="fr-FR" dirty="0" err="1"/>
+              <a:t>profile.hbs</a:t>
+            </a:r>
+            <a:endParaRPr lang="fr-FR" dirty="0"/>
+          </a:p>
+        </p:txBody>
+      </p:sp>
+      <p:sp>
+        <p:nvSpPr>
+          <p:cNvPr id="16" name="Rectangle 15">
+            <a:extLst>
+              <a:ext uri="{FF2B5EF4-FFF2-40B4-BE49-F238E27FC236}">
+                <a16:creationId xmlns:a16="http://schemas.microsoft.com/office/drawing/2014/main" id="{EEF24A88-98BD-4338-8A24-2791945EABA5}"/>
+              </a:ext>
+            </a:extLst>
+          </p:cNvPr>
+          <p:cNvSpPr/>
+          <p:nvPr/>
+        </p:nvSpPr>
+        <p:spPr>
+          <a:xfrm>
+            <a:off x="5029199" y="5194635"/>
+            <a:ext cx="1423853" cy="775091"/>
+          </a:xfrm>
+          <a:prstGeom prst="rect">
+            <a:avLst/>
+          </a:prstGeom>
+          <a:solidFill>
+            <a:schemeClr val="accent2"/>
+          </a:solidFill>
+        </p:spPr>
+        <p:style>
+          <a:lnRef idx="2">
+            <a:schemeClr val="accent1">
+              <a:shade val="50000"/>
+            </a:schemeClr>
+          </a:lnRef>
+          <a:fillRef idx="1">
+            <a:schemeClr val="accent1"/>
+          </a:fillRef>
+          <a:effectRef idx="0">
+            <a:schemeClr val="accent1"/>
+          </a:effectRef>
+          <a:fontRef idx="minor">
+            <a:schemeClr val="lt1"/>
+          </a:fontRef>
+        </p:style>
+        <p:txBody>
+          <a:bodyPr rtlCol="0" anchor="ctr"/>
+          <a:lstStyle/>
+          <a:p>
+            <a:pPr algn="ctr"/>
+            <a:r>
+              <a:rPr lang="fr-FR" dirty="0"/>
+              <a:t>Update </a:t>
+            </a:r>
+            <a:r>
+              <a:rPr lang="fr-FR" dirty="0" err="1"/>
+              <a:t>my</a:t>
+            </a:r>
+            <a:r>
+              <a:rPr lang="fr-FR" dirty="0"/>
+              <a:t> profile !</a:t>
+            </a:r>
+          </a:p>
+        </p:txBody>
+      </p:sp>
+      <p:sp>
+        <p:nvSpPr>
+          <p:cNvPr id="8" name="Rectangle 7">
+            <a:extLst>
+              <a:ext uri="{FF2B5EF4-FFF2-40B4-BE49-F238E27FC236}">
+                <a16:creationId xmlns:a16="http://schemas.microsoft.com/office/drawing/2014/main" id="{3ACE55C1-9896-4762-A462-2EE653355413}"/>
+              </a:ext>
+            </a:extLst>
+          </p:cNvPr>
+          <p:cNvSpPr/>
+          <p:nvPr/>
+        </p:nvSpPr>
+        <p:spPr>
+          <a:xfrm>
+            <a:off x="4397828" y="1859339"/>
+            <a:ext cx="3169920" cy="2585323"/>
+          </a:xfrm>
+          <a:prstGeom prst="rect">
+            <a:avLst/>
+          </a:prstGeom>
+          <a:ln>
+            <a:noFill/>
+          </a:ln>
+        </p:spPr>
+        <p:txBody>
+          <a:bodyPr wrap="square">
+            <a:spAutoFit/>
+          </a:bodyPr>
+          <a:lstStyle/>
+          <a:p>
+            <a:r>
+              <a:rPr lang="fr-FR" u="sng" dirty="0">
+                <a:solidFill>
+                  <a:srgbClr val="000000"/>
+                </a:solidFill>
+                <a:latin typeface="Arial" panose="020B0604020202020204" pitchFamily="34" charset="0"/>
+              </a:rPr>
+              <a:t>User :</a:t>
+            </a:r>
+            <a:endParaRPr lang="fr-FR" dirty="0"/>
+          </a:p>
+          <a:p>
+            <a:r>
+              <a:rPr lang="fr-FR" dirty="0" err="1">
+                <a:solidFill>
+                  <a:srgbClr val="000000"/>
+                </a:solidFill>
+                <a:latin typeface="Arial" panose="020B0604020202020204" pitchFamily="34" charset="0"/>
+              </a:rPr>
+              <a:t>Firstname</a:t>
+            </a:r>
+            <a:r>
+              <a:rPr lang="fr-FR" dirty="0">
+                <a:solidFill>
+                  <a:srgbClr val="000000"/>
+                </a:solidFill>
+                <a:latin typeface="Arial" panose="020B0604020202020204" pitchFamily="34" charset="0"/>
+              </a:rPr>
+              <a:t>:</a:t>
+            </a:r>
+            <a:endParaRPr lang="fr-FR" dirty="0"/>
+          </a:p>
+          <a:p>
+            <a:r>
+              <a:rPr lang="fr-FR" dirty="0">
+                <a:solidFill>
+                  <a:srgbClr val="000000"/>
+                </a:solidFill>
+                <a:latin typeface="Arial" panose="020B0604020202020204" pitchFamily="34" charset="0"/>
+              </a:rPr>
+              <a:t>Last Name:</a:t>
+            </a:r>
+            <a:endParaRPr lang="fr-FR" dirty="0"/>
+          </a:p>
+          <a:p>
+            <a:r>
+              <a:rPr lang="fr-FR" dirty="0">
+                <a:solidFill>
+                  <a:srgbClr val="000000"/>
+                </a:solidFill>
+                <a:latin typeface="Arial" panose="020B0604020202020204" pitchFamily="34" charset="0"/>
+              </a:rPr>
+              <a:t>Email:</a:t>
+            </a:r>
+            <a:endParaRPr lang="fr-FR" dirty="0"/>
+          </a:p>
+          <a:p>
+            <a:r>
+              <a:rPr lang="fr-FR" dirty="0">
+                <a:solidFill>
+                  <a:srgbClr val="000000"/>
+                </a:solidFill>
+                <a:latin typeface="Arial" panose="020B0604020202020204" pitchFamily="34" charset="0"/>
+              </a:rPr>
+              <a:t>Date of </a:t>
+            </a:r>
+            <a:r>
+              <a:rPr lang="fr-FR" dirty="0" err="1">
+                <a:solidFill>
+                  <a:srgbClr val="000000"/>
+                </a:solidFill>
+                <a:latin typeface="Arial" panose="020B0604020202020204" pitchFamily="34" charset="0"/>
+              </a:rPr>
+              <a:t>birth</a:t>
+            </a:r>
+            <a:r>
+              <a:rPr lang="fr-FR" dirty="0">
+                <a:solidFill>
+                  <a:srgbClr val="000000"/>
+                </a:solidFill>
+                <a:latin typeface="Arial" panose="020B0604020202020204" pitchFamily="34" charset="0"/>
+              </a:rPr>
+              <a:t>:</a:t>
+            </a:r>
+            <a:endParaRPr lang="fr-FR" dirty="0"/>
+          </a:p>
+          <a:p>
+            <a:r>
+              <a:rPr lang="fr-FR" dirty="0">
+                <a:solidFill>
+                  <a:srgbClr val="000000"/>
+                </a:solidFill>
+                <a:latin typeface="Arial" panose="020B0604020202020204" pitchFamily="34" charset="0"/>
+              </a:rPr>
+              <a:t>(</a:t>
+            </a:r>
+            <a:r>
+              <a:rPr lang="fr-FR" dirty="0" err="1">
+                <a:solidFill>
+                  <a:srgbClr val="000000"/>
+                </a:solidFill>
+                <a:latin typeface="Arial" panose="020B0604020202020204" pitchFamily="34" charset="0"/>
+              </a:rPr>
+              <a:t>street</a:t>
+            </a:r>
+            <a:r>
+              <a:rPr lang="fr-FR" dirty="0">
+                <a:solidFill>
+                  <a:srgbClr val="000000"/>
+                </a:solidFill>
+                <a:latin typeface="Arial" panose="020B0604020202020204" pitchFamily="34" charset="0"/>
+              </a:rPr>
+              <a:t>)</a:t>
+            </a:r>
+            <a:endParaRPr lang="fr-FR" dirty="0"/>
+          </a:p>
+          <a:p>
+            <a:r>
+              <a:rPr lang="fr-FR" dirty="0">
+                <a:solidFill>
+                  <a:srgbClr val="000000"/>
+                </a:solidFill>
+                <a:latin typeface="Arial" panose="020B0604020202020204" pitchFamily="34" charset="0"/>
+              </a:rPr>
+              <a:t>(city)</a:t>
+            </a:r>
+            <a:endParaRPr lang="fr-FR" dirty="0"/>
+          </a:p>
+          <a:p>
+            <a:r>
+              <a:rPr lang="fr-FR" dirty="0">
+                <a:solidFill>
+                  <a:srgbClr val="000000"/>
+                </a:solidFill>
+                <a:latin typeface="Arial" panose="020B0604020202020204" pitchFamily="34" charset="0"/>
+              </a:rPr>
+              <a:t>Description:</a:t>
+            </a:r>
+            <a:endParaRPr lang="fr-FR" dirty="0"/>
+          </a:p>
+          <a:p>
+            <a:r>
+              <a:rPr lang="fr-FR" dirty="0">
+                <a:solidFill>
+                  <a:srgbClr val="000000"/>
+                </a:solidFill>
+                <a:latin typeface="Arial" panose="020B0604020202020204" pitchFamily="34" charset="0"/>
+              </a:rPr>
+              <a:t>Restrictions : * (tag)</a:t>
+            </a:r>
+            <a:endParaRPr lang="fr-FR" dirty="0"/>
+          </a:p>
+        </p:txBody>
+      </p:sp>
+      <p:sp>
+        <p:nvSpPr>
+          <p:cNvPr id="9" name="Rectangle 8">
+            <a:extLst>
+              <a:ext uri="{FF2B5EF4-FFF2-40B4-BE49-F238E27FC236}">
+                <a16:creationId xmlns:a16="http://schemas.microsoft.com/office/drawing/2014/main" id="{6709CE60-6B0D-48F7-9D5C-0959C136F559}"/>
+              </a:ext>
+            </a:extLst>
+          </p:cNvPr>
+          <p:cNvSpPr/>
+          <p:nvPr/>
+        </p:nvSpPr>
+        <p:spPr>
+          <a:xfrm>
+            <a:off x="8778241" y="949234"/>
+            <a:ext cx="1349828" cy="269965"/>
+          </a:xfrm>
+          <a:prstGeom prst="rect">
+            <a:avLst/>
+          </a:prstGeom>
+          <a:solidFill>
+            <a:schemeClr val="accent2"/>
+          </a:solidFill>
+        </p:spPr>
+        <p:style>
+          <a:lnRef idx="2">
+            <a:schemeClr val="accent1">
+              <a:shade val="50000"/>
+            </a:schemeClr>
+          </a:lnRef>
+          <a:fillRef idx="1">
+            <a:schemeClr val="accent1"/>
+          </a:fillRef>
+          <a:effectRef idx="0">
+            <a:schemeClr val="accent1"/>
+          </a:effectRef>
+          <a:fontRef idx="minor">
+            <a:schemeClr val="lt1"/>
+          </a:fontRef>
+        </p:style>
+        <p:txBody>
+          <a:bodyPr rtlCol="0" anchor="ctr"/>
+          <a:lstStyle/>
+          <a:p>
+            <a:pPr algn="ctr"/>
+            <a:r>
+              <a:rPr lang="fr-FR" dirty="0" err="1"/>
+              <a:t>My</a:t>
+            </a:r>
+            <a:r>
+              <a:rPr lang="fr-FR" dirty="0"/>
+              <a:t> profile</a:t>
+            </a:r>
+          </a:p>
+        </p:txBody>
+      </p:sp>
+      <p:sp>
+        <p:nvSpPr>
+          <p:cNvPr id="10" name="Rectangle 9">
+            <a:extLst>
+              <a:ext uri="{FF2B5EF4-FFF2-40B4-BE49-F238E27FC236}">
+                <a16:creationId xmlns:a16="http://schemas.microsoft.com/office/drawing/2014/main" id="{140CC6C2-8F0E-4129-983D-95C741510EA3}"/>
+              </a:ext>
+            </a:extLst>
+          </p:cNvPr>
+          <p:cNvSpPr/>
+          <p:nvPr/>
+        </p:nvSpPr>
+        <p:spPr>
+          <a:xfrm>
+            <a:off x="7327249" y="949234"/>
+            <a:ext cx="1349828" cy="269965"/>
+          </a:xfrm>
+          <a:prstGeom prst="rect">
+            <a:avLst/>
+          </a:prstGeom>
+          <a:solidFill>
+            <a:schemeClr val="accent2"/>
+          </a:solidFill>
+        </p:spPr>
+        <p:style>
+          <a:lnRef idx="2">
+            <a:schemeClr val="accent1">
+              <a:shade val="50000"/>
+            </a:schemeClr>
+          </a:lnRef>
+          <a:fillRef idx="1">
+            <a:schemeClr val="accent1"/>
+          </a:fillRef>
+          <a:effectRef idx="0">
+            <a:schemeClr val="accent1"/>
+          </a:effectRef>
+          <a:fontRef idx="minor">
+            <a:schemeClr val="lt1"/>
+          </a:fontRef>
+        </p:style>
+        <p:txBody>
+          <a:bodyPr rtlCol="0" anchor="ctr"/>
+          <a:lstStyle/>
+          <a:p>
+            <a:pPr algn="ctr"/>
+            <a:r>
+              <a:rPr lang="fr-FR" dirty="0" err="1"/>
+              <a:t>My</a:t>
+            </a:r>
+            <a:r>
+              <a:rPr lang="fr-FR" dirty="0"/>
+              <a:t> </a:t>
+            </a:r>
+            <a:r>
+              <a:rPr lang="fr-FR" dirty="0" err="1"/>
+              <a:t>events</a:t>
+            </a:r>
+            <a:endParaRPr lang="fr-FR" dirty="0"/>
+          </a:p>
+        </p:txBody>
+      </p:sp>
+      <p:sp>
+        <p:nvSpPr>
+          <p:cNvPr id="11" name="Rectangle 10">
+            <a:extLst>
+              <a:ext uri="{FF2B5EF4-FFF2-40B4-BE49-F238E27FC236}">
+                <a16:creationId xmlns:a16="http://schemas.microsoft.com/office/drawing/2014/main" id="{B2905D5A-51B9-4FD4-9710-170A2C3A3247}"/>
+              </a:ext>
+            </a:extLst>
+          </p:cNvPr>
+          <p:cNvSpPr/>
+          <p:nvPr/>
+        </p:nvSpPr>
+        <p:spPr>
+          <a:xfrm>
+            <a:off x="1343297" y="1859339"/>
+            <a:ext cx="2333897" cy="2669118"/>
+          </a:xfrm>
+          <a:prstGeom prst="rect">
+            <a:avLst/>
+          </a:prstGeom>
+        </p:spPr>
+        <p:style>
+          <a:lnRef idx="2">
+            <a:schemeClr val="accent1">
+              <a:shade val="50000"/>
+            </a:schemeClr>
+          </a:lnRef>
+          <a:fillRef idx="1">
+            <a:schemeClr val="accent1"/>
+          </a:fillRef>
+          <a:effectRef idx="0">
+            <a:schemeClr val="accent1"/>
+          </a:effectRef>
+          <a:fontRef idx="minor">
+            <a:schemeClr val="lt1"/>
+          </a:fontRef>
+        </p:style>
+        <p:txBody>
+          <a:bodyPr rtlCol="0" anchor="ctr"/>
+          <a:lstStyle/>
+          <a:p>
+            <a:pPr algn="ctr"/>
+            <a:r>
+              <a:rPr lang="fr-FR" dirty="0"/>
+              <a:t>User</a:t>
+            </a:r>
+          </a:p>
+          <a:p>
+            <a:pPr algn="ctr"/>
+            <a:endParaRPr lang="fr-FR" dirty="0"/>
+          </a:p>
+        </p:txBody>
+      </p:sp>
+      <p:sp>
+        <p:nvSpPr>
+          <p:cNvPr id="12" name="Rectangle 11">
+            <a:extLst>
+              <a:ext uri="{FF2B5EF4-FFF2-40B4-BE49-F238E27FC236}">
+                <a16:creationId xmlns:a16="http://schemas.microsoft.com/office/drawing/2014/main" id="{DA39A62D-60F2-408B-98D0-C30B469C1E30}"/>
+              </a:ext>
+            </a:extLst>
+          </p:cNvPr>
+          <p:cNvSpPr/>
+          <p:nvPr/>
+        </p:nvSpPr>
+        <p:spPr>
+          <a:xfrm>
+            <a:off x="1343297" y="4504353"/>
+            <a:ext cx="3169920" cy="369332"/>
+          </a:xfrm>
+          <a:prstGeom prst="rect">
+            <a:avLst/>
+          </a:prstGeom>
+          <a:ln>
+            <a:noFill/>
+          </a:ln>
+        </p:spPr>
+        <p:txBody>
+          <a:bodyPr wrap="square">
+            <a:spAutoFit/>
+          </a:bodyPr>
+          <a:lstStyle/>
+          <a:p>
+            <a:r>
+              <a:rPr lang="fr-FR" dirty="0" err="1">
+                <a:solidFill>
+                  <a:srgbClr val="000000"/>
+                </a:solidFill>
+                <a:latin typeface="Arial" panose="020B0604020202020204" pitchFamily="34" charset="0"/>
+              </a:rPr>
+              <a:t>Modify</a:t>
+            </a:r>
+            <a:r>
+              <a:rPr lang="fr-FR" dirty="0">
+                <a:solidFill>
+                  <a:srgbClr val="000000"/>
+                </a:solidFill>
+                <a:latin typeface="Arial" panose="020B0604020202020204" pitchFamily="34" charset="0"/>
+              </a:rPr>
+              <a:t> </a:t>
+            </a:r>
+            <a:r>
+              <a:rPr lang="fr-FR" dirty="0" err="1">
+                <a:solidFill>
+                  <a:srgbClr val="000000"/>
+                </a:solidFill>
+                <a:latin typeface="Arial" panose="020B0604020202020204" pitchFamily="34" charset="0"/>
+              </a:rPr>
+              <a:t>picture</a:t>
+            </a:r>
+            <a:endParaRPr lang="fr-FR" dirty="0"/>
+          </a:p>
+        </p:txBody>
+      </p:sp>
+      <p:sp>
+        <p:nvSpPr>
+          <p:cNvPr id="13" name="Rectangle 12">
+            <a:extLst>
+              <a:ext uri="{FF2B5EF4-FFF2-40B4-BE49-F238E27FC236}">
+                <a16:creationId xmlns:a16="http://schemas.microsoft.com/office/drawing/2014/main" id="{F69F8179-882F-460B-9B3C-44A0871C01D8}"/>
+              </a:ext>
+            </a:extLst>
+          </p:cNvPr>
+          <p:cNvSpPr/>
+          <p:nvPr/>
+        </p:nvSpPr>
+        <p:spPr>
+          <a:xfrm>
+            <a:off x="5050971" y="949233"/>
+            <a:ext cx="2089044" cy="269965"/>
+          </a:xfrm>
+          <a:prstGeom prst="rect">
+            <a:avLst/>
+          </a:prstGeom>
+          <a:solidFill>
+            <a:schemeClr val="accent2"/>
+          </a:solidFill>
+        </p:spPr>
+        <p:style>
+          <a:lnRef idx="2">
+            <a:schemeClr val="accent1">
+              <a:shade val="50000"/>
+            </a:schemeClr>
+          </a:lnRef>
+          <a:fillRef idx="1">
+            <a:schemeClr val="accent1"/>
+          </a:fillRef>
+          <a:effectRef idx="0">
+            <a:schemeClr val="accent1"/>
+          </a:effectRef>
+          <a:fontRef idx="minor">
+            <a:schemeClr val="lt1"/>
+          </a:fontRef>
+        </p:style>
+        <p:txBody>
+          <a:bodyPr rtlCol="0" anchor="ctr"/>
+          <a:lstStyle/>
+          <a:p>
+            <a:pPr algn="ctr"/>
+            <a:r>
+              <a:rPr lang="fr-FR" dirty="0" err="1"/>
+              <a:t>Create</a:t>
+            </a:r>
+            <a:r>
+              <a:rPr lang="fr-FR" dirty="0"/>
+              <a:t> an </a:t>
+            </a:r>
+            <a:r>
+              <a:rPr lang="fr-FR" dirty="0" err="1"/>
+              <a:t>event</a:t>
+            </a:r>
+            <a:endParaRPr lang="fr-FR" dirty="0"/>
+          </a:p>
+        </p:txBody>
+      </p:sp>
+    </p:spTree>
+    <p:extLst>
+      <p:ext uri="{BB962C8B-B14F-4D97-AF65-F5344CB8AC3E}">
+        <p14:creationId xmlns:p14="http://schemas.microsoft.com/office/powerpoint/2010/main" val="2188589416"/>
+      </p:ext>
+    </p:extLst>
+  </p:cSld>
+  <p:clrMapOvr>
+    <a:masterClrMapping/>
+  </p:clrMapOvr>
+</p:sld>
+</file>
+
+<file path=ppt/slides/slide12.xml><?xml version="1.0" encoding="utf-8"?>
+<p:sld xmlns:a="http://schemas.openxmlformats.org/drawingml/2006/main" xmlns:r="http://schemas.openxmlformats.org/officeDocument/2006/relationships" xmlns:p="http://schemas.openxmlformats.org/presentationml/2006/main">
+  <p:cSld>
+    <p:spTree>
+      <p:nvGrpSpPr>
+        <p:cNvPr id="1" name=""/>
+        <p:cNvGrpSpPr/>
+        <p:nvPr/>
+      </p:nvGrpSpPr>
+      <p:grpSpPr>
+        <a:xfrm>
+          <a:off x="0" y="0"/>
+          <a:ext cx="0" cy="0"/>
+          <a:chOff x="0" y="0"/>
+          <a:chExt cx="0" cy="0"/>
+        </a:xfrm>
+      </p:grpSpPr>
+      <p:sp>
+        <p:nvSpPr>
+          <p:cNvPr id="2" name="Rectangle 1">
+            <a:extLst>
+              <a:ext uri="{FF2B5EF4-FFF2-40B4-BE49-F238E27FC236}">
+                <a16:creationId xmlns:a16="http://schemas.microsoft.com/office/drawing/2014/main" id="{7E64C758-C98D-41F0-9515-78741A728945}"/>
+              </a:ext>
+            </a:extLst>
+          </p:cNvPr>
+          <p:cNvSpPr/>
+          <p:nvPr/>
+        </p:nvSpPr>
+        <p:spPr>
+          <a:xfrm>
+            <a:off x="622663" y="748938"/>
+            <a:ext cx="10946674" cy="5730240"/>
+          </a:xfrm>
+          <a:prstGeom prst="rect">
+            <a:avLst/>
+          </a:prstGeom>
+          <a:solidFill>
+            <a:schemeClr val="accent6">
+              <a:lumMod val="20000"/>
+              <a:lumOff val="80000"/>
+            </a:schemeClr>
+          </a:solidFill>
+        </p:spPr>
+        <p:style>
+          <a:lnRef idx="2">
+            <a:schemeClr val="accent1">
+              <a:shade val="50000"/>
+            </a:schemeClr>
+          </a:lnRef>
+          <a:fillRef idx="1">
+            <a:schemeClr val="accent1"/>
+          </a:fillRef>
+          <a:effectRef idx="0">
+            <a:schemeClr val="accent1"/>
+          </a:effectRef>
+          <a:fontRef idx="minor">
+            <a:schemeClr val="lt1"/>
+          </a:fontRef>
+        </p:style>
+        <p:txBody>
+          <a:bodyPr rtlCol="0" anchor="ctr"/>
+          <a:lstStyle/>
+          <a:p>
+            <a:pPr algn="ctr"/>
+            <a:endParaRPr lang="fr-FR" dirty="0"/>
+          </a:p>
+        </p:txBody>
+      </p:sp>
+      <p:sp>
+        <p:nvSpPr>
+          <p:cNvPr id="3" name="Rectangle 2">
+            <a:extLst>
+              <a:ext uri="{FF2B5EF4-FFF2-40B4-BE49-F238E27FC236}">
+                <a16:creationId xmlns:a16="http://schemas.microsoft.com/office/drawing/2014/main" id="{0F0B21E4-FBB5-44C2-8E74-97BB8B9438F6}"/>
+              </a:ext>
+            </a:extLst>
+          </p:cNvPr>
+          <p:cNvSpPr/>
+          <p:nvPr/>
+        </p:nvSpPr>
+        <p:spPr>
+          <a:xfrm>
+            <a:off x="714103" y="888274"/>
+            <a:ext cx="10737668" cy="391886"/>
+          </a:xfrm>
+          <a:prstGeom prst="rect">
+            <a:avLst/>
+          </a:prstGeom>
+        </p:spPr>
+        <p:style>
+          <a:lnRef idx="2">
+            <a:schemeClr val="accent1">
+              <a:shade val="50000"/>
+            </a:schemeClr>
+          </a:lnRef>
+          <a:fillRef idx="1">
+            <a:schemeClr val="accent1"/>
+          </a:fillRef>
+          <a:effectRef idx="0">
+            <a:schemeClr val="accent1"/>
+          </a:effectRef>
+          <a:fontRef idx="minor">
+            <a:schemeClr val="lt1"/>
+          </a:fontRef>
+        </p:style>
+        <p:txBody>
+          <a:bodyPr rtlCol="0" anchor="ctr"/>
+          <a:lstStyle/>
+          <a:p>
+            <a:pPr algn="ctr"/>
+            <a:endParaRPr lang="fr-FR" dirty="0"/>
+          </a:p>
+        </p:txBody>
+      </p:sp>
+      <p:sp>
+        <p:nvSpPr>
+          <p:cNvPr id="5" name="Rectangle 4">
+            <a:extLst>
+              <a:ext uri="{FF2B5EF4-FFF2-40B4-BE49-F238E27FC236}">
+                <a16:creationId xmlns:a16="http://schemas.microsoft.com/office/drawing/2014/main" id="{AB16307F-6937-4D2C-BF36-64D295717153}"/>
+              </a:ext>
+            </a:extLst>
+          </p:cNvPr>
+          <p:cNvSpPr/>
+          <p:nvPr/>
+        </p:nvSpPr>
+        <p:spPr>
+          <a:xfrm>
+            <a:off x="10245634" y="949234"/>
+            <a:ext cx="1018903" cy="269965"/>
+          </a:xfrm>
+          <a:prstGeom prst="rect">
+            <a:avLst/>
+          </a:prstGeom>
+          <a:solidFill>
+            <a:schemeClr val="accent2"/>
+          </a:solidFill>
+        </p:spPr>
+        <p:style>
+          <a:lnRef idx="2">
+            <a:schemeClr val="accent1">
+              <a:shade val="50000"/>
+            </a:schemeClr>
+          </a:lnRef>
+          <a:fillRef idx="1">
+            <a:schemeClr val="accent1"/>
+          </a:fillRef>
+          <a:effectRef idx="0">
+            <a:schemeClr val="accent1"/>
+          </a:effectRef>
+          <a:fontRef idx="minor">
+            <a:schemeClr val="lt1"/>
+          </a:fontRef>
+        </p:style>
+        <p:txBody>
+          <a:bodyPr rtlCol="0" anchor="ctr"/>
+          <a:lstStyle/>
+          <a:p>
+            <a:pPr algn="ctr"/>
+            <a:r>
+              <a:rPr lang="fr-FR" dirty="0"/>
+              <a:t>Log-out</a:t>
+            </a:r>
+          </a:p>
+        </p:txBody>
+      </p:sp>
+      <p:sp>
+        <p:nvSpPr>
+          <p:cNvPr id="7" name="Rectangle 6">
+            <a:extLst>
+              <a:ext uri="{FF2B5EF4-FFF2-40B4-BE49-F238E27FC236}">
+                <a16:creationId xmlns:a16="http://schemas.microsoft.com/office/drawing/2014/main" id="{22434126-0D0B-465F-ABDD-2EEA8355D1C1}"/>
+              </a:ext>
+            </a:extLst>
+          </p:cNvPr>
+          <p:cNvSpPr/>
+          <p:nvPr/>
+        </p:nvSpPr>
+        <p:spPr>
+          <a:xfrm>
+            <a:off x="974680" y="200297"/>
+            <a:ext cx="1838189" cy="252549"/>
+          </a:xfrm>
+          <a:prstGeom prst="rect">
+            <a:avLst/>
+          </a:prstGeom>
+        </p:spPr>
+        <p:style>
+          <a:lnRef idx="2">
+            <a:schemeClr val="accent1">
+              <a:shade val="50000"/>
+            </a:schemeClr>
+          </a:lnRef>
+          <a:fillRef idx="1">
+            <a:schemeClr val="accent1"/>
+          </a:fillRef>
+          <a:effectRef idx="0">
+            <a:schemeClr val="accent1"/>
+          </a:effectRef>
+          <a:fontRef idx="minor">
+            <a:schemeClr val="lt1"/>
+          </a:fontRef>
+        </p:style>
+        <p:txBody>
+          <a:bodyPr rtlCol="0" anchor="ctr"/>
+          <a:lstStyle/>
+          <a:p>
+            <a:pPr algn="ctr"/>
+            <a:r>
+              <a:rPr lang="fr-FR" dirty="0"/>
+              <a:t>One-</a:t>
+            </a:r>
+            <a:r>
+              <a:rPr lang="fr-FR" dirty="0" err="1"/>
+              <a:t>profile.hbs</a:t>
+            </a:r>
+            <a:endParaRPr lang="fr-FR" dirty="0"/>
+          </a:p>
+        </p:txBody>
+      </p:sp>
+      <p:sp>
+        <p:nvSpPr>
+          <p:cNvPr id="8" name="Rectangle 7">
+            <a:extLst>
+              <a:ext uri="{FF2B5EF4-FFF2-40B4-BE49-F238E27FC236}">
+                <a16:creationId xmlns:a16="http://schemas.microsoft.com/office/drawing/2014/main" id="{3ACE55C1-9896-4762-A462-2EE653355413}"/>
+              </a:ext>
+            </a:extLst>
+          </p:cNvPr>
+          <p:cNvSpPr/>
+          <p:nvPr/>
+        </p:nvSpPr>
+        <p:spPr>
+          <a:xfrm>
+            <a:off x="4397828" y="1859339"/>
+            <a:ext cx="4049486" cy="2031325"/>
+          </a:xfrm>
+          <a:prstGeom prst="rect">
+            <a:avLst/>
+          </a:prstGeom>
+          <a:ln>
+            <a:noFill/>
+          </a:ln>
+        </p:spPr>
+        <p:txBody>
+          <a:bodyPr wrap="square">
+            <a:spAutoFit/>
+          </a:bodyPr>
+          <a:lstStyle/>
+          <a:p>
+            <a:r>
+              <a:rPr lang="fr-FR" u="sng" dirty="0">
+                <a:solidFill>
+                  <a:srgbClr val="000000"/>
+                </a:solidFill>
+                <a:latin typeface="Arial" panose="020B0604020202020204" pitchFamily="34" charset="0"/>
+              </a:rPr>
+              <a:t>User :</a:t>
+            </a:r>
+            <a:endParaRPr lang="fr-FR" dirty="0"/>
+          </a:p>
+          <a:p>
+            <a:r>
+              <a:rPr lang="fr-FR" dirty="0" err="1">
+                <a:solidFill>
+                  <a:srgbClr val="000000"/>
+                </a:solidFill>
+                <a:latin typeface="Arial" panose="020B0604020202020204" pitchFamily="34" charset="0"/>
+              </a:rPr>
+              <a:t>Firstname</a:t>
+            </a:r>
+            <a:r>
+              <a:rPr lang="fr-FR" dirty="0">
+                <a:solidFill>
+                  <a:srgbClr val="000000"/>
+                </a:solidFill>
+                <a:latin typeface="Arial" panose="020B0604020202020204" pitchFamily="34" charset="0"/>
+              </a:rPr>
+              <a:t>:</a:t>
+            </a:r>
+            <a:endParaRPr lang="fr-FR" dirty="0"/>
+          </a:p>
+          <a:p>
+            <a:r>
+              <a:rPr lang="fr-FR" dirty="0">
+                <a:solidFill>
+                  <a:srgbClr val="000000"/>
+                </a:solidFill>
+                <a:latin typeface="Arial" panose="020B0604020202020204" pitchFamily="34" charset="0"/>
+              </a:rPr>
+              <a:t>Last Name:</a:t>
+            </a:r>
+            <a:endParaRPr lang="fr-FR" dirty="0"/>
+          </a:p>
+          <a:p>
+            <a:r>
+              <a:rPr lang="fr-FR" dirty="0">
+                <a:solidFill>
+                  <a:srgbClr val="000000"/>
+                </a:solidFill>
+                <a:latin typeface="Arial" panose="020B0604020202020204" pitchFamily="34" charset="0"/>
+              </a:rPr>
+              <a:t>(</a:t>
+            </a:r>
+            <a:r>
+              <a:rPr lang="fr-FR" dirty="0" err="1">
+                <a:solidFill>
+                  <a:srgbClr val="000000"/>
+                </a:solidFill>
+                <a:latin typeface="Arial" panose="020B0604020202020204" pitchFamily="34" charset="0"/>
+              </a:rPr>
+              <a:t>street</a:t>
+            </a:r>
+            <a:r>
+              <a:rPr lang="fr-FR" dirty="0">
+                <a:solidFill>
+                  <a:srgbClr val="000000"/>
+                </a:solidFill>
+                <a:latin typeface="Arial" panose="020B0604020202020204" pitchFamily="34" charset="0"/>
+              </a:rPr>
+              <a:t>)</a:t>
+            </a:r>
+            <a:endParaRPr lang="fr-FR" dirty="0"/>
+          </a:p>
+          <a:p>
+            <a:r>
+              <a:rPr lang="fr-FR" dirty="0">
+                <a:solidFill>
+                  <a:srgbClr val="000000"/>
+                </a:solidFill>
+                <a:latin typeface="Arial" panose="020B0604020202020204" pitchFamily="34" charset="0"/>
+              </a:rPr>
+              <a:t>(city)</a:t>
+            </a:r>
+            <a:endParaRPr lang="fr-FR" dirty="0"/>
+          </a:p>
+          <a:p>
+            <a:r>
+              <a:rPr lang="fr-FR" dirty="0">
+                <a:solidFill>
+                  <a:srgbClr val="000000"/>
+                </a:solidFill>
+                <a:latin typeface="Arial" panose="020B0604020202020204" pitchFamily="34" charset="0"/>
+              </a:rPr>
+              <a:t>About me :</a:t>
+            </a:r>
+            <a:endParaRPr lang="fr-FR" dirty="0"/>
+          </a:p>
+          <a:p>
+            <a:r>
+              <a:rPr lang="fr-FR" dirty="0">
+                <a:solidFill>
+                  <a:srgbClr val="000000"/>
+                </a:solidFill>
+                <a:latin typeface="Arial" panose="020B0604020202020204" pitchFamily="34" charset="0"/>
+              </a:rPr>
+              <a:t>Restrictions : * (tag)</a:t>
+            </a:r>
+            <a:endParaRPr lang="fr-FR" dirty="0"/>
+          </a:p>
+        </p:txBody>
+      </p:sp>
+      <p:sp>
+        <p:nvSpPr>
+          <p:cNvPr id="9" name="Rectangle 8">
+            <a:extLst>
+              <a:ext uri="{FF2B5EF4-FFF2-40B4-BE49-F238E27FC236}">
+                <a16:creationId xmlns:a16="http://schemas.microsoft.com/office/drawing/2014/main" id="{37FB0358-A276-4027-904B-3C97E48F35F2}"/>
+              </a:ext>
+            </a:extLst>
+          </p:cNvPr>
+          <p:cNvSpPr/>
+          <p:nvPr/>
+        </p:nvSpPr>
+        <p:spPr>
+          <a:xfrm>
+            <a:off x="8778241" y="949234"/>
+            <a:ext cx="1349828" cy="269965"/>
+          </a:xfrm>
+          <a:prstGeom prst="rect">
+            <a:avLst/>
+          </a:prstGeom>
+          <a:solidFill>
+            <a:schemeClr val="accent2"/>
+          </a:solidFill>
+        </p:spPr>
+        <p:style>
+          <a:lnRef idx="2">
+            <a:schemeClr val="accent1">
+              <a:shade val="50000"/>
+            </a:schemeClr>
+          </a:lnRef>
+          <a:fillRef idx="1">
+            <a:schemeClr val="accent1"/>
+          </a:fillRef>
+          <a:effectRef idx="0">
+            <a:schemeClr val="accent1"/>
+          </a:effectRef>
+          <a:fontRef idx="minor">
+            <a:schemeClr val="lt1"/>
+          </a:fontRef>
+        </p:style>
+        <p:txBody>
+          <a:bodyPr rtlCol="0" anchor="ctr"/>
+          <a:lstStyle/>
+          <a:p>
+            <a:pPr algn="ctr"/>
+            <a:r>
+              <a:rPr lang="fr-FR" dirty="0" err="1"/>
+              <a:t>My</a:t>
+            </a:r>
+            <a:r>
+              <a:rPr lang="fr-FR" dirty="0"/>
+              <a:t> profile</a:t>
+            </a:r>
+          </a:p>
+        </p:txBody>
+      </p:sp>
+      <p:sp>
+        <p:nvSpPr>
+          <p:cNvPr id="10" name="Rectangle 9">
+            <a:extLst>
+              <a:ext uri="{FF2B5EF4-FFF2-40B4-BE49-F238E27FC236}">
+                <a16:creationId xmlns:a16="http://schemas.microsoft.com/office/drawing/2014/main" id="{FA52B63E-3B68-49FC-A4E3-B7DA638CE5F7}"/>
+              </a:ext>
+            </a:extLst>
+          </p:cNvPr>
+          <p:cNvSpPr/>
+          <p:nvPr/>
+        </p:nvSpPr>
+        <p:spPr>
+          <a:xfrm>
+            <a:off x="7327249" y="949234"/>
+            <a:ext cx="1349828" cy="269965"/>
+          </a:xfrm>
+          <a:prstGeom prst="rect">
+            <a:avLst/>
+          </a:prstGeom>
+          <a:solidFill>
+            <a:schemeClr val="accent2"/>
+          </a:solidFill>
+        </p:spPr>
+        <p:style>
+          <a:lnRef idx="2">
+            <a:schemeClr val="accent1">
+              <a:shade val="50000"/>
+            </a:schemeClr>
+          </a:lnRef>
+          <a:fillRef idx="1">
+            <a:schemeClr val="accent1"/>
+          </a:fillRef>
+          <a:effectRef idx="0">
+            <a:schemeClr val="accent1"/>
+          </a:effectRef>
+          <a:fontRef idx="minor">
+            <a:schemeClr val="lt1"/>
+          </a:fontRef>
+        </p:style>
+        <p:txBody>
+          <a:bodyPr rtlCol="0" anchor="ctr"/>
+          <a:lstStyle/>
+          <a:p>
+            <a:pPr algn="ctr"/>
+            <a:r>
+              <a:rPr lang="fr-FR" dirty="0" err="1"/>
+              <a:t>My</a:t>
+            </a:r>
+            <a:r>
+              <a:rPr lang="fr-FR" dirty="0"/>
+              <a:t> </a:t>
+            </a:r>
+            <a:r>
+              <a:rPr lang="fr-FR" dirty="0" err="1"/>
+              <a:t>events</a:t>
+            </a:r>
+            <a:endParaRPr lang="fr-FR" dirty="0"/>
+          </a:p>
+        </p:txBody>
+      </p:sp>
+      <p:sp>
+        <p:nvSpPr>
+          <p:cNvPr id="11" name="Rectangle 10">
+            <a:extLst>
+              <a:ext uri="{FF2B5EF4-FFF2-40B4-BE49-F238E27FC236}">
+                <a16:creationId xmlns:a16="http://schemas.microsoft.com/office/drawing/2014/main" id="{5A8828CA-1705-4B65-9272-4ACB3D0DD47E}"/>
+              </a:ext>
+            </a:extLst>
+          </p:cNvPr>
+          <p:cNvSpPr/>
+          <p:nvPr/>
+        </p:nvSpPr>
+        <p:spPr>
+          <a:xfrm>
+            <a:off x="1343297" y="1859339"/>
+            <a:ext cx="2333897" cy="2669118"/>
+          </a:xfrm>
+          <a:prstGeom prst="rect">
+            <a:avLst/>
+          </a:prstGeom>
+        </p:spPr>
+        <p:style>
+          <a:lnRef idx="2">
+            <a:schemeClr val="accent1">
+              <a:shade val="50000"/>
+            </a:schemeClr>
+          </a:lnRef>
+          <a:fillRef idx="1">
+            <a:schemeClr val="accent1"/>
+          </a:fillRef>
+          <a:effectRef idx="0">
+            <a:schemeClr val="accent1"/>
+          </a:effectRef>
+          <a:fontRef idx="minor">
+            <a:schemeClr val="lt1"/>
+          </a:fontRef>
+        </p:style>
+        <p:txBody>
+          <a:bodyPr rtlCol="0" anchor="ctr"/>
+          <a:lstStyle/>
+          <a:p>
+            <a:pPr algn="ctr"/>
+            <a:r>
+              <a:rPr lang="fr-FR" dirty="0"/>
+              <a:t>User</a:t>
+            </a:r>
+          </a:p>
+          <a:p>
+            <a:pPr algn="ctr"/>
+            <a:endParaRPr lang="fr-FR" dirty="0"/>
+          </a:p>
+        </p:txBody>
+      </p:sp>
+      <p:sp>
+        <p:nvSpPr>
+          <p:cNvPr id="12" name="Rectangle 11">
+            <a:extLst>
+              <a:ext uri="{FF2B5EF4-FFF2-40B4-BE49-F238E27FC236}">
+                <a16:creationId xmlns:a16="http://schemas.microsoft.com/office/drawing/2014/main" id="{4D169C61-4B9E-45D8-822C-BEC4FBB5EB63}"/>
+              </a:ext>
+            </a:extLst>
+          </p:cNvPr>
+          <p:cNvSpPr/>
+          <p:nvPr/>
+        </p:nvSpPr>
+        <p:spPr>
+          <a:xfrm>
+            <a:off x="5050971" y="949233"/>
+            <a:ext cx="2089044" cy="269965"/>
+          </a:xfrm>
+          <a:prstGeom prst="rect">
+            <a:avLst/>
+          </a:prstGeom>
+          <a:solidFill>
+            <a:schemeClr val="accent2"/>
+          </a:solidFill>
+        </p:spPr>
+        <p:style>
+          <a:lnRef idx="2">
+            <a:schemeClr val="accent1">
+              <a:shade val="50000"/>
+            </a:schemeClr>
+          </a:lnRef>
+          <a:fillRef idx="1">
+            <a:schemeClr val="accent1"/>
+          </a:fillRef>
+          <a:effectRef idx="0">
+            <a:schemeClr val="accent1"/>
+          </a:effectRef>
+          <a:fontRef idx="minor">
+            <a:schemeClr val="lt1"/>
+          </a:fontRef>
+        </p:style>
+        <p:txBody>
+          <a:bodyPr rtlCol="0" anchor="ctr"/>
+          <a:lstStyle/>
+          <a:p>
+            <a:pPr algn="ctr"/>
+            <a:r>
+              <a:rPr lang="fr-FR" dirty="0" err="1"/>
+              <a:t>Create</a:t>
+            </a:r>
+            <a:r>
+              <a:rPr lang="fr-FR" dirty="0"/>
+              <a:t> an </a:t>
+            </a:r>
+            <a:r>
+              <a:rPr lang="fr-FR" dirty="0" err="1"/>
+              <a:t>event</a:t>
+            </a:r>
+            <a:endParaRPr lang="fr-FR" dirty="0"/>
+          </a:p>
+        </p:txBody>
+      </p:sp>
+    </p:spTree>
+    <p:extLst>
+      <p:ext uri="{BB962C8B-B14F-4D97-AF65-F5344CB8AC3E}">
+        <p14:creationId xmlns:p14="http://schemas.microsoft.com/office/powerpoint/2010/main" val="2971006615"/>
+      </p:ext>
+    </p:extLst>
+  </p:cSld>
+  <p:clrMapOvr>
+    <a:masterClrMapping/>
+  </p:clrMapOvr>
+</p:sld>
+</file>
+
 <file path=ppt/slides/slide2.xml><?xml version="1.0" encoding="utf-8"?>
 <p:sld xmlns:a="http://schemas.openxmlformats.org/drawingml/2006/main" xmlns:r="http://schemas.openxmlformats.org/officeDocument/2006/relationships" xmlns:p="http://schemas.openxmlformats.org/presentationml/2006/main">
   <p:cSld>
@@ -10205,7 +12053,7 @@
                 </a:solidFill>
                 <a:latin typeface="Arial" panose="020B0604020202020204" pitchFamily="34" charset="0"/>
               </a:rPr>
-              <a:t>Tag :</a:t>
+              <a:t>Restriction :</a:t>
             </a:r>
             <a:endParaRPr lang="fr-FR" dirty="0"/>
           </a:p>
@@ -10217,20 +12065,11 @@
                 </a:solidFill>
                 <a:latin typeface="Arial" panose="020B0604020202020204" pitchFamily="34" charset="0"/>
               </a:rPr>
-              <a:t>Diet:</a:t>
+              <a:t>label:</a:t>
             </a:r>
             <a:endParaRPr lang="fr-FR" dirty="0"/>
           </a:p>
           <a:p>
-            <a:r>
-              <a:rPr lang="fr-FR" dirty="0">
-                <a:solidFill>
-                  <a:srgbClr val="000000"/>
-                </a:solidFill>
-                <a:latin typeface="Arial" panose="020B0604020202020204" pitchFamily="34" charset="0"/>
-              </a:rPr>
-              <a:t>Allergies:</a:t>
-            </a:r>
             <a:endParaRPr lang="fr-FR" dirty="0"/>
           </a:p>
           <a:p>
@@ -10256,7 +12095,7 @@
         <p:spPr>
           <a:xfrm>
             <a:off x="1114697" y="1066749"/>
-            <a:ext cx="2638697" cy="3416320"/>
+            <a:ext cx="3169920" cy="3139321"/>
           </a:xfrm>
           <a:prstGeom prst="rect">
             <a:avLst/>
@@ -10475,19 +12314,7 @@
                 </a:solidFill>
                 <a:latin typeface="Arial" panose="020B0604020202020204" pitchFamily="34" charset="0"/>
               </a:rPr>
-              <a:t>(Allergies)</a:t>
-            </a:r>
-            <a:endParaRPr lang="fr-FR" dirty="0"/>
-          </a:p>
-          <a:p>
-            <a:r>
-              <a:rPr lang="fr-FR" dirty="0">
-                <a:solidFill>
-                  <a:srgbClr val="000000"/>
-                </a:solidFill>
-                <a:latin typeface="Arial" panose="020B0604020202020204" pitchFamily="34" charset="0"/>
-              </a:rPr>
-              <a:t>Diet : *tag</a:t>
+              <a:t>Restrictions : * label</a:t>
             </a:r>
             <a:endParaRPr lang="fr-FR" dirty="0"/>
           </a:p>
@@ -10508,7 +12335,7 @@
         <p:spPr>
           <a:xfrm>
             <a:off x="5042263" y="1066749"/>
-            <a:ext cx="2708366" cy="4247317"/>
+            <a:ext cx="2708366" cy="5078313"/>
           </a:xfrm>
           <a:prstGeom prst="rect">
             <a:avLst/>
@@ -10540,6 +12367,26 @@
               </a:rPr>
               <a:t>Event :</a:t>
             </a:r>
+          </a:p>
+          <a:p>
+            <a:r>
+              <a:rPr lang="fr-FR" dirty="0" err="1">
+                <a:solidFill>
+                  <a:srgbClr val="000000"/>
+                </a:solidFill>
+                <a:latin typeface="Arial" panose="020B0604020202020204" pitchFamily="34" charset="0"/>
+              </a:rPr>
+              <a:t>Event_name</a:t>
+            </a:r>
+            <a:r>
+              <a:rPr lang="fr-FR" dirty="0">
+                <a:solidFill>
+                  <a:srgbClr val="000000"/>
+                </a:solidFill>
+                <a:latin typeface="Arial" panose="020B0604020202020204" pitchFamily="34" charset="0"/>
+              </a:rPr>
+              <a:t>:</a:t>
+            </a:r>
             <a:endParaRPr lang="fr-FR" dirty="0"/>
           </a:p>
           <a:p>
@@ -10736,9 +12583,131 @@
                 </a:solidFill>
                 <a:latin typeface="Arial" panose="020B0604020202020204" pitchFamily="34" charset="0"/>
               </a:rPr>
-              <a:t>Diet:*tag</a:t>
+              <a:t>Restrictions :*label</a:t>
+            </a:r>
+          </a:p>
+          <a:p>
+            <a:r>
+              <a:rPr lang="fr-FR" dirty="0">
+                <a:solidFill>
+                  <a:srgbClr val="000000"/>
+                </a:solidFill>
+                <a:latin typeface="Arial" panose="020B0604020202020204" pitchFamily="34" charset="0"/>
+              </a:rPr>
+              <a:t>Images :</a:t>
+            </a:r>
+          </a:p>
+          <a:p>
+            <a:r>
+              <a:rPr lang="fr-FR" dirty="0" err="1">
+                <a:solidFill>
+                  <a:srgbClr val="000000"/>
+                </a:solidFill>
+                <a:latin typeface="Arial" panose="020B0604020202020204" pitchFamily="34" charset="0"/>
+              </a:rPr>
+              <a:t>Guests</a:t>
+            </a:r>
+            <a:r>
+              <a:rPr lang="fr-FR" dirty="0">
+                <a:solidFill>
+                  <a:srgbClr val="000000"/>
+                </a:solidFill>
+                <a:latin typeface="Arial" panose="020B0604020202020204" pitchFamily="34" charset="0"/>
+              </a:rPr>
+              <a:t> [</a:t>
+            </a:r>
+            <a:r>
+              <a:rPr lang="fr-FR" dirty="0" err="1">
+                <a:solidFill>
+                  <a:srgbClr val="000000"/>
+                </a:solidFill>
+                <a:latin typeface="Arial" panose="020B0604020202020204" pitchFamily="34" charset="0"/>
+              </a:rPr>
+              <a:t>users</a:t>
+            </a:r>
+            <a:r>
+              <a:rPr lang="fr-FR" dirty="0">
+                <a:solidFill>
+                  <a:srgbClr val="000000"/>
+                </a:solidFill>
+                <a:latin typeface="Arial" panose="020B0604020202020204" pitchFamily="34" charset="0"/>
+              </a:rPr>
+              <a:t> ID,…]</a:t>
             </a:r>
             <a:endParaRPr lang="fr-FR" dirty="0"/>
+          </a:p>
+        </p:txBody>
+      </p:sp>
+      <p:sp>
+        <p:nvSpPr>
+          <p:cNvPr id="5" name="Rectangle 4">
+            <a:extLst>
+              <a:ext uri="{FF2B5EF4-FFF2-40B4-BE49-F238E27FC236}">
+                <a16:creationId xmlns:a16="http://schemas.microsoft.com/office/drawing/2014/main" id="{07FD8FAD-8FA7-4D7B-A9CF-32DEED890717}"/>
+              </a:ext>
+            </a:extLst>
+          </p:cNvPr>
+          <p:cNvSpPr/>
+          <p:nvPr/>
+        </p:nvSpPr>
+        <p:spPr>
+          <a:xfrm>
+            <a:off x="8752114" y="5199018"/>
+            <a:ext cx="2804160" cy="862149"/>
+          </a:xfrm>
+          <a:prstGeom prst="rect">
+            <a:avLst/>
+          </a:prstGeom>
+        </p:spPr>
+        <p:style>
+          <a:lnRef idx="2">
+            <a:schemeClr val="accent1">
+              <a:shade val="50000"/>
+            </a:schemeClr>
+          </a:lnRef>
+          <a:fillRef idx="1">
+            <a:schemeClr val="accent1"/>
+          </a:fillRef>
+          <a:effectRef idx="0">
+            <a:schemeClr val="accent1"/>
+          </a:effectRef>
+          <a:fontRef idx="minor">
+            <a:schemeClr val="lt1"/>
+          </a:fontRef>
+        </p:style>
+        <p:txBody>
+          <a:bodyPr rtlCol="0" anchor="ctr"/>
+          <a:lstStyle/>
+          <a:p>
+            <a:pPr algn="ctr"/>
+            <a:r>
+              <a:rPr lang="fr-FR" dirty="0"/>
+              <a:t>Moment </a:t>
+            </a:r>
+            <a:r>
+              <a:rPr lang="fr-FR" dirty="0" err="1"/>
+              <a:t>js</a:t>
+            </a:r>
+            <a:r>
+              <a:rPr lang="fr-FR" dirty="0"/>
+              <a:t> to formate a date (</a:t>
+            </a:r>
+            <a:r>
+              <a:rPr lang="fr-FR" dirty="0" err="1"/>
+              <a:t>artist</a:t>
+            </a:r>
+            <a:r>
+              <a:rPr lang="fr-FR" dirty="0"/>
+              <a:t> </a:t>
+            </a:r>
+            <a:r>
+              <a:rPr lang="fr-FR" dirty="0" err="1"/>
+              <a:t>lab</a:t>
+            </a:r>
+            <a:r>
+              <a:rPr lang="fr-FR" dirty="0"/>
+              <a:t>)</a:t>
+            </a:r>
           </a:p>
         </p:txBody>
       </p:sp>
@@ -10746,6 +12715,5045 @@
     <p:extLst>
       <p:ext uri="{BB962C8B-B14F-4D97-AF65-F5344CB8AC3E}">
         <p14:creationId xmlns:p14="http://schemas.microsoft.com/office/powerpoint/2010/main" val="1580335000"/>
+      </p:ext>
+    </p:extLst>
+  </p:cSld>
+  <p:clrMapOvr>
+    <a:masterClrMapping/>
+  </p:clrMapOvr>
+</p:sld>
+</file>
+
+<file path=ppt/slides/slide3.xml><?xml version="1.0" encoding="utf-8"?>
+<p:sld xmlns:a="http://schemas.openxmlformats.org/drawingml/2006/main" xmlns:r="http://schemas.openxmlformats.org/officeDocument/2006/relationships" xmlns:p="http://schemas.openxmlformats.org/presentationml/2006/main">
+  <p:cSld>
+    <p:spTree>
+      <p:nvGrpSpPr>
+        <p:cNvPr id="1" name=""/>
+        <p:cNvGrpSpPr/>
+        <p:nvPr/>
+      </p:nvGrpSpPr>
+      <p:grpSpPr>
+        <a:xfrm>
+          <a:off x="0" y="0"/>
+          <a:ext cx="0" cy="0"/>
+          <a:chOff x="0" y="0"/>
+          <a:chExt cx="0" cy="0"/>
+        </a:xfrm>
+      </p:grpSpPr>
+      <p:sp>
+        <p:nvSpPr>
+          <p:cNvPr id="2" name="Rectangle 1">
+            <a:extLst>
+              <a:ext uri="{FF2B5EF4-FFF2-40B4-BE49-F238E27FC236}">
+                <a16:creationId xmlns:a16="http://schemas.microsoft.com/office/drawing/2014/main" id="{7E64C758-C98D-41F0-9515-78741A728945}"/>
+              </a:ext>
+            </a:extLst>
+          </p:cNvPr>
+          <p:cNvSpPr/>
+          <p:nvPr/>
+        </p:nvSpPr>
+        <p:spPr>
+          <a:xfrm>
+            <a:off x="618309" y="783772"/>
+            <a:ext cx="10946674" cy="5730240"/>
+          </a:xfrm>
+          <a:prstGeom prst="rect">
+            <a:avLst/>
+          </a:prstGeom>
+          <a:solidFill>
+            <a:schemeClr val="accent6">
+              <a:lumMod val="20000"/>
+              <a:lumOff val="80000"/>
+            </a:schemeClr>
+          </a:solidFill>
+        </p:spPr>
+        <p:style>
+          <a:lnRef idx="2">
+            <a:schemeClr val="accent1">
+              <a:shade val="50000"/>
+            </a:schemeClr>
+          </a:lnRef>
+          <a:fillRef idx="1">
+            <a:schemeClr val="accent1"/>
+          </a:fillRef>
+          <a:effectRef idx="0">
+            <a:schemeClr val="accent1"/>
+          </a:effectRef>
+          <a:fontRef idx="minor">
+            <a:schemeClr val="lt1"/>
+          </a:fontRef>
+        </p:style>
+        <p:txBody>
+          <a:bodyPr rtlCol="0" anchor="ctr"/>
+          <a:lstStyle/>
+          <a:p>
+            <a:pPr algn="ctr"/>
+            <a:endParaRPr lang="fr-FR"/>
+          </a:p>
+        </p:txBody>
+      </p:sp>
+      <p:sp>
+        <p:nvSpPr>
+          <p:cNvPr id="3" name="Rectangle 2">
+            <a:extLst>
+              <a:ext uri="{FF2B5EF4-FFF2-40B4-BE49-F238E27FC236}">
+                <a16:creationId xmlns:a16="http://schemas.microsoft.com/office/drawing/2014/main" id="{0F0B21E4-FBB5-44C2-8E74-97BB8B9438F6}"/>
+              </a:ext>
+            </a:extLst>
+          </p:cNvPr>
+          <p:cNvSpPr/>
+          <p:nvPr/>
+        </p:nvSpPr>
+        <p:spPr>
+          <a:xfrm>
+            <a:off x="714103" y="888274"/>
+            <a:ext cx="10737668" cy="391886"/>
+          </a:xfrm>
+          <a:prstGeom prst="rect">
+            <a:avLst/>
+          </a:prstGeom>
+        </p:spPr>
+        <p:style>
+          <a:lnRef idx="2">
+            <a:schemeClr val="accent1">
+              <a:shade val="50000"/>
+            </a:schemeClr>
+          </a:lnRef>
+          <a:fillRef idx="1">
+            <a:schemeClr val="accent1"/>
+          </a:fillRef>
+          <a:effectRef idx="0">
+            <a:schemeClr val="accent1"/>
+          </a:effectRef>
+          <a:fontRef idx="minor">
+            <a:schemeClr val="lt1"/>
+          </a:fontRef>
+        </p:style>
+        <p:txBody>
+          <a:bodyPr rtlCol="0" anchor="ctr"/>
+          <a:lstStyle/>
+          <a:p>
+            <a:pPr algn="ctr"/>
+            <a:endParaRPr lang="fr-FR" dirty="0"/>
+          </a:p>
+        </p:txBody>
+      </p:sp>
+      <p:sp>
+        <p:nvSpPr>
+          <p:cNvPr id="4" name="Rectangle 3">
+            <a:extLst>
+              <a:ext uri="{FF2B5EF4-FFF2-40B4-BE49-F238E27FC236}">
+                <a16:creationId xmlns:a16="http://schemas.microsoft.com/office/drawing/2014/main" id="{29F077FC-8615-44E1-B491-92FCFCC3BA41}"/>
+              </a:ext>
+            </a:extLst>
+          </p:cNvPr>
+          <p:cNvSpPr/>
+          <p:nvPr/>
+        </p:nvSpPr>
+        <p:spPr>
+          <a:xfrm>
+            <a:off x="9039497" y="949234"/>
+            <a:ext cx="1018903" cy="269965"/>
+          </a:xfrm>
+          <a:prstGeom prst="rect">
+            <a:avLst/>
+          </a:prstGeom>
+          <a:solidFill>
+            <a:schemeClr val="accent2"/>
+          </a:solidFill>
+        </p:spPr>
+        <p:style>
+          <a:lnRef idx="2">
+            <a:schemeClr val="accent1">
+              <a:shade val="50000"/>
+            </a:schemeClr>
+          </a:lnRef>
+          <a:fillRef idx="1">
+            <a:schemeClr val="accent1"/>
+          </a:fillRef>
+          <a:effectRef idx="0">
+            <a:schemeClr val="accent1"/>
+          </a:effectRef>
+          <a:fontRef idx="minor">
+            <a:schemeClr val="lt1"/>
+          </a:fontRef>
+        </p:style>
+        <p:txBody>
+          <a:bodyPr rtlCol="0" anchor="ctr"/>
+          <a:lstStyle/>
+          <a:p>
+            <a:pPr algn="ctr"/>
+            <a:r>
+              <a:rPr lang="fr-FR" dirty="0" err="1"/>
+              <a:t>Signup</a:t>
+            </a:r>
+            <a:endParaRPr lang="fr-FR" dirty="0"/>
+          </a:p>
+        </p:txBody>
+      </p:sp>
+      <p:sp>
+        <p:nvSpPr>
+          <p:cNvPr id="5" name="Rectangle 4">
+            <a:extLst>
+              <a:ext uri="{FF2B5EF4-FFF2-40B4-BE49-F238E27FC236}">
+                <a16:creationId xmlns:a16="http://schemas.microsoft.com/office/drawing/2014/main" id="{AB16307F-6937-4D2C-BF36-64D295717153}"/>
+              </a:ext>
+            </a:extLst>
+          </p:cNvPr>
+          <p:cNvSpPr/>
+          <p:nvPr/>
+        </p:nvSpPr>
+        <p:spPr>
+          <a:xfrm>
+            <a:off x="10245634" y="949234"/>
+            <a:ext cx="1018903" cy="269965"/>
+          </a:xfrm>
+          <a:prstGeom prst="rect">
+            <a:avLst/>
+          </a:prstGeom>
+          <a:solidFill>
+            <a:schemeClr val="accent2"/>
+          </a:solidFill>
+        </p:spPr>
+        <p:style>
+          <a:lnRef idx="2">
+            <a:schemeClr val="accent1">
+              <a:shade val="50000"/>
+            </a:schemeClr>
+          </a:lnRef>
+          <a:fillRef idx="1">
+            <a:schemeClr val="accent1"/>
+          </a:fillRef>
+          <a:effectRef idx="0">
+            <a:schemeClr val="accent1"/>
+          </a:effectRef>
+          <a:fontRef idx="minor">
+            <a:schemeClr val="lt1"/>
+          </a:fontRef>
+        </p:style>
+        <p:txBody>
+          <a:bodyPr rtlCol="0" anchor="ctr"/>
+          <a:lstStyle/>
+          <a:p>
+            <a:pPr algn="ctr"/>
+            <a:r>
+              <a:rPr lang="fr-FR" dirty="0"/>
+              <a:t>Login</a:t>
+            </a:r>
+          </a:p>
+        </p:txBody>
+      </p:sp>
+      <p:pic>
+        <p:nvPicPr>
+          <p:cNvPr id="1026" name="Picture 2" descr="à l'intérieur, aliments, amis">
+            <a:extLst>
+              <a:ext uri="{FF2B5EF4-FFF2-40B4-BE49-F238E27FC236}">
+                <a16:creationId xmlns:a16="http://schemas.microsoft.com/office/drawing/2014/main" id="{29DF4193-A56E-4CD2-9BCA-8B68E086CE20}"/>
+              </a:ext>
+            </a:extLst>
+          </p:cNvPr>
+          <p:cNvPicPr>
+            <a:picLocks noChangeAspect="1" noChangeArrowheads="1"/>
+          </p:cNvPicPr>
+          <p:nvPr/>
+        </p:nvPicPr>
+        <p:blipFill rotWithShape="1">
+          <a:blip r:embed="rId2">
+            <a:extLst>
+              <a:ext uri="{28A0092B-C50C-407E-A947-70E740481C1C}">
+                <a14:useLocalDpi xmlns:a14="http://schemas.microsoft.com/office/drawing/2010/main" val="0"/>
+              </a:ext>
+            </a:extLst>
+          </a:blip>
+          <a:srcRect b="31852"/>
+          <a:stretch/>
+        </p:blipFill>
+        <p:spPr bwMode="auto">
+          <a:xfrm>
+            <a:off x="787785" y="1489165"/>
+            <a:ext cx="10590303" cy="4815841"/>
+          </a:xfrm>
+          <a:prstGeom prst="rect">
+            <a:avLst/>
+          </a:prstGeom>
+          <a:noFill/>
+          <a:extLst>
+            <a:ext uri="{909E8E84-426E-40DD-AFC4-6F175D3DCCD1}">
+              <a14:hiddenFill xmlns:a14="http://schemas.microsoft.com/office/drawing/2010/main">
+                <a:solidFill>
+                  <a:srgbClr val="FFFFFF"/>
+                </a:solidFill>
+              </a14:hiddenFill>
+            </a:ext>
+          </a:extLst>
+        </p:spPr>
+      </p:pic>
+      <p:sp>
+        <p:nvSpPr>
+          <p:cNvPr id="6" name="Rectangle 5">
+            <a:extLst>
+              <a:ext uri="{FF2B5EF4-FFF2-40B4-BE49-F238E27FC236}">
+                <a16:creationId xmlns:a16="http://schemas.microsoft.com/office/drawing/2014/main" id="{DD63BED5-653C-4238-AADE-9093C152C9A9}"/>
+              </a:ext>
+            </a:extLst>
+          </p:cNvPr>
+          <p:cNvSpPr/>
+          <p:nvPr/>
+        </p:nvSpPr>
+        <p:spPr>
+          <a:xfrm>
+            <a:off x="5029201" y="4015740"/>
+            <a:ext cx="2194560" cy="733697"/>
+          </a:xfrm>
+          <a:prstGeom prst="rect">
+            <a:avLst/>
+          </a:prstGeom>
+          <a:solidFill>
+            <a:schemeClr val="accent2"/>
+          </a:solidFill>
+        </p:spPr>
+        <p:style>
+          <a:lnRef idx="2">
+            <a:schemeClr val="accent1">
+              <a:shade val="50000"/>
+            </a:schemeClr>
+          </a:lnRef>
+          <a:fillRef idx="1">
+            <a:schemeClr val="accent1"/>
+          </a:fillRef>
+          <a:effectRef idx="0">
+            <a:schemeClr val="accent1"/>
+          </a:effectRef>
+          <a:fontRef idx="minor">
+            <a:schemeClr val="lt1"/>
+          </a:fontRef>
+        </p:style>
+        <p:txBody>
+          <a:bodyPr rtlCol="0" anchor="ctr"/>
+          <a:lstStyle/>
+          <a:p>
+            <a:pPr algn="ctr"/>
+            <a:r>
+              <a:rPr lang="fr-FR" dirty="0" err="1"/>
+              <a:t>See</a:t>
+            </a:r>
+            <a:r>
+              <a:rPr lang="fr-FR" dirty="0"/>
+              <a:t> all the </a:t>
+            </a:r>
+            <a:r>
+              <a:rPr lang="fr-FR" dirty="0" err="1"/>
+              <a:t>events</a:t>
+            </a:r>
+            <a:endParaRPr lang="fr-FR" dirty="0"/>
+          </a:p>
+        </p:txBody>
+      </p:sp>
+      <p:sp>
+        <p:nvSpPr>
+          <p:cNvPr id="8" name="Rectangle 7">
+            <a:extLst>
+              <a:ext uri="{FF2B5EF4-FFF2-40B4-BE49-F238E27FC236}">
+                <a16:creationId xmlns:a16="http://schemas.microsoft.com/office/drawing/2014/main" id="{77EDF413-E083-463C-8DA6-9F5DC133DACE}"/>
+              </a:ext>
+            </a:extLst>
+          </p:cNvPr>
+          <p:cNvSpPr/>
+          <p:nvPr/>
+        </p:nvSpPr>
+        <p:spPr>
+          <a:xfrm>
+            <a:off x="4994366" y="1726476"/>
+            <a:ext cx="2194560" cy="485502"/>
+          </a:xfrm>
+          <a:prstGeom prst="rect">
+            <a:avLst/>
+          </a:prstGeom>
+          <a:solidFill>
+            <a:schemeClr val="tx2"/>
+          </a:solidFill>
+        </p:spPr>
+        <p:style>
+          <a:lnRef idx="2">
+            <a:schemeClr val="accent1">
+              <a:shade val="50000"/>
+            </a:schemeClr>
+          </a:lnRef>
+          <a:fillRef idx="1">
+            <a:schemeClr val="accent1"/>
+          </a:fillRef>
+          <a:effectRef idx="0">
+            <a:schemeClr val="accent1"/>
+          </a:effectRef>
+          <a:fontRef idx="minor">
+            <a:schemeClr val="lt1"/>
+          </a:fontRef>
+        </p:style>
+        <p:txBody>
+          <a:bodyPr rtlCol="0" anchor="ctr"/>
+          <a:lstStyle/>
+          <a:p>
+            <a:pPr algn="ctr"/>
+            <a:r>
+              <a:rPr lang="fr-FR" dirty="0"/>
+              <a:t>TITLE</a:t>
+            </a:r>
+          </a:p>
+        </p:txBody>
+      </p:sp>
+      <p:sp>
+        <p:nvSpPr>
+          <p:cNvPr id="9" name="Rectangle 8">
+            <a:extLst>
+              <a:ext uri="{FF2B5EF4-FFF2-40B4-BE49-F238E27FC236}">
+                <a16:creationId xmlns:a16="http://schemas.microsoft.com/office/drawing/2014/main" id="{D8D23C83-5543-46DC-BDFE-ADE0C5FC53E4}"/>
+              </a:ext>
+            </a:extLst>
+          </p:cNvPr>
+          <p:cNvSpPr/>
+          <p:nvPr/>
+        </p:nvSpPr>
+        <p:spPr>
+          <a:xfrm>
+            <a:off x="1602377" y="2943498"/>
+            <a:ext cx="9074332" cy="485502"/>
+          </a:xfrm>
+          <a:prstGeom prst="rect">
+            <a:avLst/>
+          </a:prstGeom>
+          <a:solidFill>
+            <a:schemeClr val="tx2"/>
+          </a:solidFill>
+        </p:spPr>
+        <p:style>
+          <a:lnRef idx="2">
+            <a:schemeClr val="accent1">
+              <a:shade val="50000"/>
+            </a:schemeClr>
+          </a:lnRef>
+          <a:fillRef idx="1">
+            <a:schemeClr val="accent1"/>
+          </a:fillRef>
+          <a:effectRef idx="0">
+            <a:schemeClr val="accent1"/>
+          </a:effectRef>
+          <a:fontRef idx="minor">
+            <a:schemeClr val="lt1"/>
+          </a:fontRef>
+        </p:style>
+        <p:txBody>
+          <a:bodyPr rtlCol="0" anchor="ctr"/>
+          <a:lstStyle/>
+          <a:p>
+            <a:pPr algn="ctr"/>
+            <a:r>
+              <a:rPr lang="fr-FR" dirty="0"/>
+              <a:t>« in </a:t>
+            </a:r>
+            <a:r>
+              <a:rPr lang="fr-FR" dirty="0" err="1"/>
+              <a:t>typing</a:t>
+            </a:r>
+            <a:r>
+              <a:rPr lang="fr-FR" dirty="0"/>
+              <a:t> » description</a:t>
+            </a:r>
+          </a:p>
+        </p:txBody>
+      </p:sp>
+      <p:sp>
+        <p:nvSpPr>
+          <p:cNvPr id="7" name="Rectangle 6">
+            <a:extLst>
+              <a:ext uri="{FF2B5EF4-FFF2-40B4-BE49-F238E27FC236}">
+                <a16:creationId xmlns:a16="http://schemas.microsoft.com/office/drawing/2014/main" id="{22434126-0D0B-465F-ABDD-2EEA8355D1C1}"/>
+              </a:ext>
+            </a:extLst>
+          </p:cNvPr>
+          <p:cNvSpPr/>
+          <p:nvPr/>
+        </p:nvSpPr>
+        <p:spPr>
+          <a:xfrm>
+            <a:off x="974680" y="200297"/>
+            <a:ext cx="1838189" cy="252549"/>
+          </a:xfrm>
+          <a:prstGeom prst="rect">
+            <a:avLst/>
+          </a:prstGeom>
+        </p:spPr>
+        <p:style>
+          <a:lnRef idx="2">
+            <a:schemeClr val="accent1">
+              <a:shade val="50000"/>
+            </a:schemeClr>
+          </a:lnRef>
+          <a:fillRef idx="1">
+            <a:schemeClr val="accent1"/>
+          </a:fillRef>
+          <a:effectRef idx="0">
+            <a:schemeClr val="accent1"/>
+          </a:effectRef>
+          <a:fontRef idx="minor">
+            <a:schemeClr val="lt1"/>
+          </a:fontRef>
+        </p:style>
+        <p:txBody>
+          <a:bodyPr rtlCol="0" anchor="ctr"/>
+          <a:lstStyle/>
+          <a:p>
+            <a:pPr algn="ctr"/>
+            <a:r>
+              <a:rPr lang="fr-FR" dirty="0" err="1"/>
+              <a:t>Index.hbs</a:t>
+            </a:r>
+            <a:endParaRPr lang="fr-FR" dirty="0"/>
+          </a:p>
+        </p:txBody>
+      </p:sp>
+    </p:spTree>
+    <p:extLst>
+      <p:ext uri="{BB962C8B-B14F-4D97-AF65-F5344CB8AC3E}">
+        <p14:creationId xmlns:p14="http://schemas.microsoft.com/office/powerpoint/2010/main" val="197830518"/>
+      </p:ext>
+    </p:extLst>
+  </p:cSld>
+  <p:clrMapOvr>
+    <a:masterClrMapping/>
+  </p:clrMapOvr>
+</p:sld>
+</file>
+
+<file path=ppt/slides/slide4.xml><?xml version="1.0" encoding="utf-8"?>
+<p:sld xmlns:a="http://schemas.openxmlformats.org/drawingml/2006/main" xmlns:r="http://schemas.openxmlformats.org/officeDocument/2006/relationships" xmlns:p="http://schemas.openxmlformats.org/presentationml/2006/main">
+  <p:cSld>
+    <p:spTree>
+      <p:nvGrpSpPr>
+        <p:cNvPr id="1" name=""/>
+        <p:cNvGrpSpPr/>
+        <p:nvPr/>
+      </p:nvGrpSpPr>
+      <p:grpSpPr>
+        <a:xfrm>
+          <a:off x="0" y="0"/>
+          <a:ext cx="0" cy="0"/>
+          <a:chOff x="0" y="0"/>
+          <a:chExt cx="0" cy="0"/>
+        </a:xfrm>
+      </p:grpSpPr>
+      <p:sp>
+        <p:nvSpPr>
+          <p:cNvPr id="2" name="Rectangle 1">
+            <a:extLst>
+              <a:ext uri="{FF2B5EF4-FFF2-40B4-BE49-F238E27FC236}">
+                <a16:creationId xmlns:a16="http://schemas.microsoft.com/office/drawing/2014/main" id="{7E64C758-C98D-41F0-9515-78741A728945}"/>
+              </a:ext>
+            </a:extLst>
+          </p:cNvPr>
+          <p:cNvSpPr/>
+          <p:nvPr/>
+        </p:nvSpPr>
+        <p:spPr>
+          <a:xfrm>
+            <a:off x="622663" y="783772"/>
+            <a:ext cx="10946674" cy="5730240"/>
+          </a:xfrm>
+          <a:prstGeom prst="rect">
+            <a:avLst/>
+          </a:prstGeom>
+          <a:solidFill>
+            <a:schemeClr val="accent6">
+              <a:lumMod val="20000"/>
+              <a:lumOff val="80000"/>
+            </a:schemeClr>
+          </a:solidFill>
+        </p:spPr>
+        <p:style>
+          <a:lnRef idx="2">
+            <a:schemeClr val="accent1">
+              <a:shade val="50000"/>
+            </a:schemeClr>
+          </a:lnRef>
+          <a:fillRef idx="1">
+            <a:schemeClr val="accent1"/>
+          </a:fillRef>
+          <a:effectRef idx="0">
+            <a:schemeClr val="accent1"/>
+          </a:effectRef>
+          <a:fontRef idx="minor">
+            <a:schemeClr val="lt1"/>
+          </a:fontRef>
+        </p:style>
+        <p:txBody>
+          <a:bodyPr rtlCol="0" anchor="ctr"/>
+          <a:lstStyle/>
+          <a:p>
+            <a:pPr algn="ctr"/>
+            <a:endParaRPr lang="fr-FR"/>
+          </a:p>
+        </p:txBody>
+      </p:sp>
+      <p:sp>
+        <p:nvSpPr>
+          <p:cNvPr id="3" name="Rectangle 2">
+            <a:extLst>
+              <a:ext uri="{FF2B5EF4-FFF2-40B4-BE49-F238E27FC236}">
+                <a16:creationId xmlns:a16="http://schemas.microsoft.com/office/drawing/2014/main" id="{0F0B21E4-FBB5-44C2-8E74-97BB8B9438F6}"/>
+              </a:ext>
+            </a:extLst>
+          </p:cNvPr>
+          <p:cNvSpPr/>
+          <p:nvPr/>
+        </p:nvSpPr>
+        <p:spPr>
+          <a:xfrm>
+            <a:off x="714103" y="888274"/>
+            <a:ext cx="10737668" cy="391886"/>
+          </a:xfrm>
+          <a:prstGeom prst="rect">
+            <a:avLst/>
+          </a:prstGeom>
+        </p:spPr>
+        <p:style>
+          <a:lnRef idx="2">
+            <a:schemeClr val="accent1">
+              <a:shade val="50000"/>
+            </a:schemeClr>
+          </a:lnRef>
+          <a:fillRef idx="1">
+            <a:schemeClr val="accent1"/>
+          </a:fillRef>
+          <a:effectRef idx="0">
+            <a:schemeClr val="accent1"/>
+          </a:effectRef>
+          <a:fontRef idx="minor">
+            <a:schemeClr val="lt1"/>
+          </a:fontRef>
+        </p:style>
+        <p:txBody>
+          <a:bodyPr rtlCol="0" anchor="ctr"/>
+          <a:lstStyle/>
+          <a:p>
+            <a:pPr algn="ctr"/>
+            <a:endParaRPr lang="fr-FR" dirty="0"/>
+          </a:p>
+        </p:txBody>
+      </p:sp>
+      <p:sp>
+        <p:nvSpPr>
+          <p:cNvPr id="4" name="Rectangle 3">
+            <a:extLst>
+              <a:ext uri="{FF2B5EF4-FFF2-40B4-BE49-F238E27FC236}">
+                <a16:creationId xmlns:a16="http://schemas.microsoft.com/office/drawing/2014/main" id="{29F077FC-8615-44E1-B491-92FCFCC3BA41}"/>
+              </a:ext>
+            </a:extLst>
+          </p:cNvPr>
+          <p:cNvSpPr/>
+          <p:nvPr/>
+        </p:nvSpPr>
+        <p:spPr>
+          <a:xfrm>
+            <a:off x="9039497" y="949234"/>
+            <a:ext cx="1018903" cy="269965"/>
+          </a:xfrm>
+          <a:prstGeom prst="rect">
+            <a:avLst/>
+          </a:prstGeom>
+          <a:solidFill>
+            <a:schemeClr val="accent2"/>
+          </a:solidFill>
+        </p:spPr>
+        <p:style>
+          <a:lnRef idx="2">
+            <a:schemeClr val="accent1">
+              <a:shade val="50000"/>
+            </a:schemeClr>
+          </a:lnRef>
+          <a:fillRef idx="1">
+            <a:schemeClr val="accent1"/>
+          </a:fillRef>
+          <a:effectRef idx="0">
+            <a:schemeClr val="accent1"/>
+          </a:effectRef>
+          <a:fontRef idx="minor">
+            <a:schemeClr val="lt1"/>
+          </a:fontRef>
+        </p:style>
+        <p:txBody>
+          <a:bodyPr rtlCol="0" anchor="ctr"/>
+          <a:lstStyle/>
+          <a:p>
+            <a:pPr algn="ctr"/>
+            <a:r>
+              <a:rPr lang="fr-FR" dirty="0" err="1"/>
+              <a:t>Signup</a:t>
+            </a:r>
+            <a:endParaRPr lang="fr-FR" dirty="0"/>
+          </a:p>
+        </p:txBody>
+      </p:sp>
+      <p:sp>
+        <p:nvSpPr>
+          <p:cNvPr id="5" name="Rectangle 4">
+            <a:extLst>
+              <a:ext uri="{FF2B5EF4-FFF2-40B4-BE49-F238E27FC236}">
+                <a16:creationId xmlns:a16="http://schemas.microsoft.com/office/drawing/2014/main" id="{AB16307F-6937-4D2C-BF36-64D295717153}"/>
+              </a:ext>
+            </a:extLst>
+          </p:cNvPr>
+          <p:cNvSpPr/>
+          <p:nvPr/>
+        </p:nvSpPr>
+        <p:spPr>
+          <a:xfrm>
+            <a:off x="10245634" y="949234"/>
+            <a:ext cx="1018903" cy="269965"/>
+          </a:xfrm>
+          <a:prstGeom prst="rect">
+            <a:avLst/>
+          </a:prstGeom>
+          <a:solidFill>
+            <a:schemeClr val="accent2"/>
+          </a:solidFill>
+        </p:spPr>
+        <p:style>
+          <a:lnRef idx="2">
+            <a:schemeClr val="accent1">
+              <a:shade val="50000"/>
+            </a:schemeClr>
+          </a:lnRef>
+          <a:fillRef idx="1">
+            <a:schemeClr val="accent1"/>
+          </a:fillRef>
+          <a:effectRef idx="0">
+            <a:schemeClr val="accent1"/>
+          </a:effectRef>
+          <a:fontRef idx="minor">
+            <a:schemeClr val="lt1"/>
+          </a:fontRef>
+        </p:style>
+        <p:txBody>
+          <a:bodyPr rtlCol="0" anchor="ctr"/>
+          <a:lstStyle/>
+          <a:p>
+            <a:pPr algn="ctr"/>
+            <a:r>
+              <a:rPr lang="fr-FR" dirty="0"/>
+              <a:t>Login</a:t>
+            </a:r>
+          </a:p>
+        </p:txBody>
+      </p:sp>
+      <p:sp>
+        <p:nvSpPr>
+          <p:cNvPr id="9" name="Rectangle 8">
+            <a:extLst>
+              <a:ext uri="{FF2B5EF4-FFF2-40B4-BE49-F238E27FC236}">
+                <a16:creationId xmlns:a16="http://schemas.microsoft.com/office/drawing/2014/main" id="{D8D23C83-5543-46DC-BDFE-ADE0C5FC53E4}"/>
+              </a:ext>
+            </a:extLst>
+          </p:cNvPr>
+          <p:cNvSpPr/>
+          <p:nvPr/>
+        </p:nvSpPr>
+        <p:spPr>
+          <a:xfrm>
+            <a:off x="1545771" y="1341120"/>
+            <a:ext cx="9074332" cy="485502"/>
+          </a:xfrm>
+          <a:prstGeom prst="rect">
+            <a:avLst/>
+          </a:prstGeom>
+          <a:solidFill>
+            <a:schemeClr val="tx2"/>
+          </a:solidFill>
+        </p:spPr>
+        <p:style>
+          <a:lnRef idx="2">
+            <a:schemeClr val="accent1">
+              <a:shade val="50000"/>
+            </a:schemeClr>
+          </a:lnRef>
+          <a:fillRef idx="1">
+            <a:schemeClr val="accent1"/>
+          </a:fillRef>
+          <a:effectRef idx="0">
+            <a:schemeClr val="accent1"/>
+          </a:effectRef>
+          <a:fontRef idx="minor">
+            <a:schemeClr val="lt1"/>
+          </a:fontRef>
+        </p:style>
+        <p:txBody>
+          <a:bodyPr rtlCol="0" anchor="ctr"/>
+          <a:lstStyle/>
+          <a:p>
+            <a:pPr algn="ctr"/>
+            <a:r>
+              <a:rPr lang="fr-FR" dirty="0"/>
+              <a:t>Description ?</a:t>
+            </a:r>
+          </a:p>
+        </p:txBody>
+      </p:sp>
+      <p:sp>
+        <p:nvSpPr>
+          <p:cNvPr id="7" name="Rectangle 6">
+            <a:extLst>
+              <a:ext uri="{FF2B5EF4-FFF2-40B4-BE49-F238E27FC236}">
+                <a16:creationId xmlns:a16="http://schemas.microsoft.com/office/drawing/2014/main" id="{22434126-0D0B-465F-ABDD-2EEA8355D1C1}"/>
+              </a:ext>
+            </a:extLst>
+          </p:cNvPr>
+          <p:cNvSpPr/>
+          <p:nvPr/>
+        </p:nvSpPr>
+        <p:spPr>
+          <a:xfrm>
+            <a:off x="974680" y="200297"/>
+            <a:ext cx="1838189" cy="252549"/>
+          </a:xfrm>
+          <a:prstGeom prst="rect">
+            <a:avLst/>
+          </a:prstGeom>
+        </p:spPr>
+        <p:style>
+          <a:lnRef idx="2">
+            <a:schemeClr val="accent1">
+              <a:shade val="50000"/>
+            </a:schemeClr>
+          </a:lnRef>
+          <a:fillRef idx="1">
+            <a:schemeClr val="accent1"/>
+          </a:fillRef>
+          <a:effectRef idx="0">
+            <a:schemeClr val="accent1"/>
+          </a:effectRef>
+          <a:fontRef idx="minor">
+            <a:schemeClr val="lt1"/>
+          </a:fontRef>
+        </p:style>
+        <p:txBody>
+          <a:bodyPr rtlCol="0" anchor="ctr"/>
+          <a:lstStyle/>
+          <a:p>
+            <a:pPr algn="ctr"/>
+            <a:r>
+              <a:rPr lang="fr-FR" dirty="0"/>
+              <a:t>All-</a:t>
+            </a:r>
+            <a:r>
+              <a:rPr lang="fr-FR" dirty="0" err="1"/>
+              <a:t>events.hbs</a:t>
+            </a:r>
+            <a:endParaRPr lang="fr-FR" dirty="0"/>
+          </a:p>
+        </p:txBody>
+      </p:sp>
+      <p:grpSp>
+        <p:nvGrpSpPr>
+          <p:cNvPr id="26" name="Groupe 25">
+            <a:extLst>
+              <a:ext uri="{FF2B5EF4-FFF2-40B4-BE49-F238E27FC236}">
+                <a16:creationId xmlns:a16="http://schemas.microsoft.com/office/drawing/2014/main" id="{B130B0C6-D56F-401B-81F6-1CB94469AD9E}"/>
+              </a:ext>
+            </a:extLst>
+          </p:cNvPr>
+          <p:cNvGrpSpPr/>
+          <p:nvPr/>
+        </p:nvGrpSpPr>
+        <p:grpSpPr>
+          <a:xfrm>
+            <a:off x="901337" y="2187482"/>
+            <a:ext cx="1911532" cy="3038205"/>
+            <a:chOff x="1545771" y="2221771"/>
+            <a:chExt cx="1911532" cy="3038205"/>
+          </a:xfrm>
+          <a:solidFill>
+            <a:srgbClr val="7030A0"/>
+          </a:solidFill>
+        </p:grpSpPr>
+        <p:sp>
+          <p:nvSpPr>
+            <p:cNvPr id="22" name="Rectangle 21">
+              <a:extLst>
+                <a:ext uri="{FF2B5EF4-FFF2-40B4-BE49-F238E27FC236}">
+                  <a16:creationId xmlns:a16="http://schemas.microsoft.com/office/drawing/2014/main" id="{16472782-CDCD-4887-8EF6-82939BC64FD3}"/>
+                </a:ext>
+              </a:extLst>
+            </p:cNvPr>
+            <p:cNvSpPr/>
+            <p:nvPr/>
+          </p:nvSpPr>
+          <p:spPr>
+            <a:xfrm>
+              <a:off x="1545771" y="2221771"/>
+              <a:ext cx="1911532" cy="3038205"/>
+            </a:xfrm>
+            <a:prstGeom prst="rect">
+              <a:avLst/>
+            </a:prstGeom>
+            <a:grpFill/>
+          </p:spPr>
+          <p:style>
+            <a:lnRef idx="2">
+              <a:schemeClr val="accent1">
+                <a:shade val="50000"/>
+              </a:schemeClr>
+            </a:lnRef>
+            <a:fillRef idx="1">
+              <a:schemeClr val="accent1"/>
+            </a:fillRef>
+            <a:effectRef idx="0">
+              <a:schemeClr val="accent1"/>
+            </a:effectRef>
+            <a:fontRef idx="minor">
+              <a:schemeClr val="lt1"/>
+            </a:fontRef>
+          </p:style>
+          <p:txBody>
+            <a:bodyPr rtlCol="0" anchor="b"/>
+            <a:lstStyle/>
+            <a:p>
+              <a:pPr algn="ctr"/>
+              <a:r>
+                <a:rPr lang="fr-FR" dirty="0" err="1"/>
+                <a:t>Event_name</a:t>
+              </a:r>
+              <a:endParaRPr lang="fr-FR" dirty="0"/>
+            </a:p>
+            <a:p>
+              <a:pPr algn="ctr"/>
+              <a:r>
+                <a:rPr lang="fr-FR" dirty="0"/>
+                <a:t>Type </a:t>
+              </a:r>
+            </a:p>
+            <a:p>
+              <a:pPr algn="ctr"/>
+              <a:r>
+                <a:rPr lang="fr-FR" dirty="0"/>
+                <a:t>Date</a:t>
+              </a:r>
+            </a:p>
+            <a:p>
+              <a:pPr algn="ctr"/>
+              <a:r>
+                <a:rPr lang="fr-FR" dirty="0"/>
+                <a:t>Diet</a:t>
+              </a:r>
+            </a:p>
+            <a:p>
+              <a:pPr algn="ctr"/>
+              <a:r>
+                <a:rPr lang="fr-FR" u="sng" dirty="0" err="1"/>
+                <a:t>See</a:t>
+              </a:r>
+              <a:r>
+                <a:rPr lang="fr-FR" u="sng" dirty="0"/>
+                <a:t> more..</a:t>
+              </a:r>
+              <a:endParaRPr lang="fr-FR" dirty="0"/>
+            </a:p>
+          </p:txBody>
+        </p:sp>
+        <p:sp>
+          <p:nvSpPr>
+            <p:cNvPr id="10" name="Rectangle 9">
+              <a:extLst>
+                <a:ext uri="{FF2B5EF4-FFF2-40B4-BE49-F238E27FC236}">
+                  <a16:creationId xmlns:a16="http://schemas.microsoft.com/office/drawing/2014/main" id="{AA990DE7-26E0-4BD1-827D-E1FEAEB3E601}"/>
+                </a:ext>
+              </a:extLst>
+            </p:cNvPr>
+            <p:cNvSpPr/>
+            <p:nvPr/>
+          </p:nvSpPr>
+          <p:spPr>
+            <a:xfrm>
+              <a:off x="1893774" y="2412275"/>
+              <a:ext cx="1105989" cy="1314993"/>
+            </a:xfrm>
+            <a:prstGeom prst="rect">
+              <a:avLst/>
+            </a:prstGeom>
+            <a:solidFill>
+              <a:schemeClr val="accent1"/>
+            </a:solidFill>
+          </p:spPr>
+          <p:style>
+            <a:lnRef idx="2">
+              <a:schemeClr val="accent1">
+                <a:shade val="50000"/>
+              </a:schemeClr>
+            </a:lnRef>
+            <a:fillRef idx="1">
+              <a:schemeClr val="accent1"/>
+            </a:fillRef>
+            <a:effectRef idx="0">
+              <a:schemeClr val="accent1"/>
+            </a:effectRef>
+            <a:fontRef idx="minor">
+              <a:schemeClr val="lt1"/>
+            </a:fontRef>
+          </p:style>
+          <p:txBody>
+            <a:bodyPr rtlCol="0" anchor="ctr"/>
+            <a:lstStyle/>
+            <a:p>
+              <a:pPr algn="ctr"/>
+              <a:r>
+                <a:rPr lang="fr-FR" dirty="0"/>
+                <a:t>Picture of </a:t>
+              </a:r>
+              <a:r>
+                <a:rPr lang="fr-FR" dirty="0" err="1"/>
+                <a:t>meal</a:t>
+              </a:r>
+              <a:endParaRPr lang="fr-FR" dirty="0"/>
+            </a:p>
+          </p:txBody>
+        </p:sp>
+      </p:grpSp>
+      <p:grpSp>
+        <p:nvGrpSpPr>
+          <p:cNvPr id="28" name="Groupe 27">
+            <a:extLst>
+              <a:ext uri="{FF2B5EF4-FFF2-40B4-BE49-F238E27FC236}">
+                <a16:creationId xmlns:a16="http://schemas.microsoft.com/office/drawing/2014/main" id="{47EA8535-901C-4C0D-A57F-F5990E2E7360}"/>
+              </a:ext>
+            </a:extLst>
+          </p:cNvPr>
+          <p:cNvGrpSpPr/>
+          <p:nvPr/>
+        </p:nvGrpSpPr>
+        <p:grpSpPr>
+          <a:xfrm>
+            <a:off x="2987083" y="2187482"/>
+            <a:ext cx="1911532" cy="3038205"/>
+            <a:chOff x="1545771" y="2221771"/>
+            <a:chExt cx="1911532" cy="3038205"/>
+          </a:xfrm>
+          <a:solidFill>
+            <a:srgbClr val="7030A0"/>
+          </a:solidFill>
+        </p:grpSpPr>
+        <p:sp>
+          <p:nvSpPr>
+            <p:cNvPr id="29" name="Rectangle 28">
+              <a:extLst>
+                <a:ext uri="{FF2B5EF4-FFF2-40B4-BE49-F238E27FC236}">
+                  <a16:creationId xmlns:a16="http://schemas.microsoft.com/office/drawing/2014/main" id="{F345E5B5-AFC3-4801-A2F9-A1F3709C7B00}"/>
+                </a:ext>
+              </a:extLst>
+            </p:cNvPr>
+            <p:cNvSpPr/>
+            <p:nvPr/>
+          </p:nvSpPr>
+          <p:spPr>
+            <a:xfrm>
+              <a:off x="1545771" y="2221771"/>
+              <a:ext cx="1911532" cy="3038205"/>
+            </a:xfrm>
+            <a:prstGeom prst="rect">
+              <a:avLst/>
+            </a:prstGeom>
+            <a:grpFill/>
+          </p:spPr>
+          <p:style>
+            <a:lnRef idx="2">
+              <a:schemeClr val="accent1">
+                <a:shade val="50000"/>
+              </a:schemeClr>
+            </a:lnRef>
+            <a:fillRef idx="1">
+              <a:schemeClr val="accent1"/>
+            </a:fillRef>
+            <a:effectRef idx="0">
+              <a:schemeClr val="accent1"/>
+            </a:effectRef>
+            <a:fontRef idx="minor">
+              <a:schemeClr val="lt1"/>
+            </a:fontRef>
+          </p:style>
+          <p:txBody>
+            <a:bodyPr rtlCol="0" anchor="b"/>
+            <a:lstStyle/>
+            <a:p>
+              <a:pPr algn="ctr"/>
+              <a:r>
+                <a:rPr lang="fr-FR" dirty="0" err="1"/>
+                <a:t>Event_name</a:t>
+              </a:r>
+              <a:endParaRPr lang="fr-FR" dirty="0"/>
+            </a:p>
+            <a:p>
+              <a:pPr algn="ctr"/>
+              <a:r>
+                <a:rPr lang="fr-FR" dirty="0"/>
+                <a:t>Type </a:t>
+              </a:r>
+            </a:p>
+            <a:p>
+              <a:pPr algn="ctr"/>
+              <a:r>
+                <a:rPr lang="fr-FR" dirty="0"/>
+                <a:t>Date</a:t>
+              </a:r>
+            </a:p>
+            <a:p>
+              <a:pPr algn="ctr"/>
+              <a:r>
+                <a:rPr lang="fr-FR" dirty="0"/>
+                <a:t>Diet</a:t>
+              </a:r>
+            </a:p>
+            <a:p>
+              <a:pPr algn="ctr"/>
+              <a:r>
+                <a:rPr lang="fr-FR" u="sng" dirty="0" err="1"/>
+                <a:t>See</a:t>
+              </a:r>
+              <a:r>
+                <a:rPr lang="fr-FR" u="sng" dirty="0"/>
+                <a:t> more..</a:t>
+              </a:r>
+              <a:endParaRPr lang="fr-FR" dirty="0"/>
+            </a:p>
+          </p:txBody>
+        </p:sp>
+        <p:sp>
+          <p:nvSpPr>
+            <p:cNvPr id="30" name="Rectangle 29">
+              <a:extLst>
+                <a:ext uri="{FF2B5EF4-FFF2-40B4-BE49-F238E27FC236}">
+                  <a16:creationId xmlns:a16="http://schemas.microsoft.com/office/drawing/2014/main" id="{05CD3BDF-80A6-4D1D-85B6-BFA5BAF0A773}"/>
+                </a:ext>
+              </a:extLst>
+            </p:cNvPr>
+            <p:cNvSpPr/>
+            <p:nvPr/>
+          </p:nvSpPr>
+          <p:spPr>
+            <a:xfrm>
+              <a:off x="1893774" y="2412275"/>
+              <a:ext cx="1105989" cy="1314993"/>
+            </a:xfrm>
+            <a:prstGeom prst="rect">
+              <a:avLst/>
+            </a:prstGeom>
+            <a:solidFill>
+              <a:schemeClr val="accent1"/>
+            </a:solidFill>
+          </p:spPr>
+          <p:style>
+            <a:lnRef idx="2">
+              <a:schemeClr val="accent1">
+                <a:shade val="50000"/>
+              </a:schemeClr>
+            </a:lnRef>
+            <a:fillRef idx="1">
+              <a:schemeClr val="accent1"/>
+            </a:fillRef>
+            <a:effectRef idx="0">
+              <a:schemeClr val="accent1"/>
+            </a:effectRef>
+            <a:fontRef idx="minor">
+              <a:schemeClr val="lt1"/>
+            </a:fontRef>
+          </p:style>
+          <p:txBody>
+            <a:bodyPr rtlCol="0" anchor="ctr"/>
+            <a:lstStyle/>
+            <a:p>
+              <a:pPr algn="ctr"/>
+              <a:r>
+                <a:rPr lang="fr-FR" dirty="0"/>
+                <a:t>Picture of </a:t>
+              </a:r>
+              <a:r>
+                <a:rPr lang="fr-FR" dirty="0" err="1"/>
+                <a:t>meal</a:t>
+              </a:r>
+              <a:endParaRPr lang="fr-FR" dirty="0"/>
+            </a:p>
+          </p:txBody>
+        </p:sp>
+      </p:grpSp>
+      <p:grpSp>
+        <p:nvGrpSpPr>
+          <p:cNvPr id="31" name="Groupe 30">
+            <a:extLst>
+              <a:ext uri="{FF2B5EF4-FFF2-40B4-BE49-F238E27FC236}">
+                <a16:creationId xmlns:a16="http://schemas.microsoft.com/office/drawing/2014/main" id="{18E470D8-81B3-47D1-9787-3578496233B2}"/>
+              </a:ext>
+            </a:extLst>
+          </p:cNvPr>
+          <p:cNvGrpSpPr/>
+          <p:nvPr/>
+        </p:nvGrpSpPr>
+        <p:grpSpPr>
+          <a:xfrm>
+            <a:off x="5072829" y="2187482"/>
+            <a:ext cx="1911532" cy="3038205"/>
+            <a:chOff x="1545771" y="2221771"/>
+            <a:chExt cx="1911532" cy="3038205"/>
+          </a:xfrm>
+          <a:solidFill>
+            <a:srgbClr val="7030A0"/>
+          </a:solidFill>
+        </p:grpSpPr>
+        <p:sp>
+          <p:nvSpPr>
+            <p:cNvPr id="32" name="Rectangle 31">
+              <a:extLst>
+                <a:ext uri="{FF2B5EF4-FFF2-40B4-BE49-F238E27FC236}">
+                  <a16:creationId xmlns:a16="http://schemas.microsoft.com/office/drawing/2014/main" id="{8546FAE0-AC8A-4324-8BB0-448BF4FBD56E}"/>
+                </a:ext>
+              </a:extLst>
+            </p:cNvPr>
+            <p:cNvSpPr/>
+            <p:nvPr/>
+          </p:nvSpPr>
+          <p:spPr>
+            <a:xfrm>
+              <a:off x="1545771" y="2221771"/>
+              <a:ext cx="1911532" cy="3038205"/>
+            </a:xfrm>
+            <a:prstGeom prst="rect">
+              <a:avLst/>
+            </a:prstGeom>
+            <a:grpFill/>
+          </p:spPr>
+          <p:style>
+            <a:lnRef idx="2">
+              <a:schemeClr val="accent1">
+                <a:shade val="50000"/>
+              </a:schemeClr>
+            </a:lnRef>
+            <a:fillRef idx="1">
+              <a:schemeClr val="accent1"/>
+            </a:fillRef>
+            <a:effectRef idx="0">
+              <a:schemeClr val="accent1"/>
+            </a:effectRef>
+            <a:fontRef idx="minor">
+              <a:schemeClr val="lt1"/>
+            </a:fontRef>
+          </p:style>
+          <p:txBody>
+            <a:bodyPr rtlCol="0" anchor="b"/>
+            <a:lstStyle/>
+            <a:p>
+              <a:pPr algn="ctr"/>
+              <a:r>
+                <a:rPr lang="fr-FR" dirty="0" err="1"/>
+                <a:t>Event_name</a:t>
+              </a:r>
+              <a:endParaRPr lang="fr-FR" dirty="0"/>
+            </a:p>
+            <a:p>
+              <a:pPr algn="ctr"/>
+              <a:r>
+                <a:rPr lang="fr-FR" dirty="0"/>
+                <a:t>Type </a:t>
+              </a:r>
+            </a:p>
+            <a:p>
+              <a:pPr algn="ctr"/>
+              <a:r>
+                <a:rPr lang="fr-FR" dirty="0"/>
+                <a:t>Date</a:t>
+              </a:r>
+            </a:p>
+            <a:p>
+              <a:pPr algn="ctr"/>
+              <a:r>
+                <a:rPr lang="fr-FR" dirty="0"/>
+                <a:t>Diet</a:t>
+              </a:r>
+            </a:p>
+            <a:p>
+              <a:pPr algn="ctr"/>
+              <a:r>
+                <a:rPr lang="fr-FR" u="sng" dirty="0" err="1"/>
+                <a:t>See</a:t>
+              </a:r>
+              <a:r>
+                <a:rPr lang="fr-FR" u="sng" dirty="0"/>
+                <a:t> more..</a:t>
+              </a:r>
+              <a:endParaRPr lang="fr-FR" dirty="0"/>
+            </a:p>
+          </p:txBody>
+        </p:sp>
+        <p:sp>
+          <p:nvSpPr>
+            <p:cNvPr id="33" name="Rectangle 32">
+              <a:extLst>
+                <a:ext uri="{FF2B5EF4-FFF2-40B4-BE49-F238E27FC236}">
+                  <a16:creationId xmlns:a16="http://schemas.microsoft.com/office/drawing/2014/main" id="{F769428C-8784-493D-B021-4633F8E14D39}"/>
+                </a:ext>
+              </a:extLst>
+            </p:cNvPr>
+            <p:cNvSpPr/>
+            <p:nvPr/>
+          </p:nvSpPr>
+          <p:spPr>
+            <a:xfrm>
+              <a:off x="1893774" y="2412275"/>
+              <a:ext cx="1105989" cy="1314993"/>
+            </a:xfrm>
+            <a:prstGeom prst="rect">
+              <a:avLst/>
+            </a:prstGeom>
+            <a:solidFill>
+              <a:schemeClr val="accent1"/>
+            </a:solidFill>
+          </p:spPr>
+          <p:style>
+            <a:lnRef idx="2">
+              <a:schemeClr val="accent1">
+                <a:shade val="50000"/>
+              </a:schemeClr>
+            </a:lnRef>
+            <a:fillRef idx="1">
+              <a:schemeClr val="accent1"/>
+            </a:fillRef>
+            <a:effectRef idx="0">
+              <a:schemeClr val="accent1"/>
+            </a:effectRef>
+            <a:fontRef idx="minor">
+              <a:schemeClr val="lt1"/>
+            </a:fontRef>
+          </p:style>
+          <p:txBody>
+            <a:bodyPr rtlCol="0" anchor="ctr"/>
+            <a:lstStyle/>
+            <a:p>
+              <a:pPr algn="ctr"/>
+              <a:r>
+                <a:rPr lang="fr-FR" dirty="0"/>
+                <a:t>Picture of </a:t>
+              </a:r>
+              <a:r>
+                <a:rPr lang="fr-FR" dirty="0" err="1"/>
+                <a:t>meal</a:t>
+              </a:r>
+              <a:endParaRPr lang="fr-FR" dirty="0"/>
+            </a:p>
+          </p:txBody>
+        </p:sp>
+      </p:grpSp>
+      <p:grpSp>
+        <p:nvGrpSpPr>
+          <p:cNvPr id="34" name="Groupe 33">
+            <a:extLst>
+              <a:ext uri="{FF2B5EF4-FFF2-40B4-BE49-F238E27FC236}">
+                <a16:creationId xmlns:a16="http://schemas.microsoft.com/office/drawing/2014/main" id="{D3B24F69-B79D-42C2-AEEF-4D14A9DD089A}"/>
+              </a:ext>
+            </a:extLst>
+          </p:cNvPr>
+          <p:cNvGrpSpPr/>
+          <p:nvPr/>
+        </p:nvGrpSpPr>
+        <p:grpSpPr>
+          <a:xfrm>
+            <a:off x="7158575" y="2187482"/>
+            <a:ext cx="1911532" cy="3038205"/>
+            <a:chOff x="1545771" y="2221771"/>
+            <a:chExt cx="1911532" cy="3038205"/>
+          </a:xfrm>
+          <a:solidFill>
+            <a:srgbClr val="7030A0"/>
+          </a:solidFill>
+        </p:grpSpPr>
+        <p:sp>
+          <p:nvSpPr>
+            <p:cNvPr id="35" name="Rectangle 34">
+              <a:extLst>
+                <a:ext uri="{FF2B5EF4-FFF2-40B4-BE49-F238E27FC236}">
+                  <a16:creationId xmlns:a16="http://schemas.microsoft.com/office/drawing/2014/main" id="{B39EF26D-450C-4B58-8874-52AD2F2D2D50}"/>
+                </a:ext>
+              </a:extLst>
+            </p:cNvPr>
+            <p:cNvSpPr/>
+            <p:nvPr/>
+          </p:nvSpPr>
+          <p:spPr>
+            <a:xfrm>
+              <a:off x="1545771" y="2221771"/>
+              <a:ext cx="1911532" cy="3038205"/>
+            </a:xfrm>
+            <a:prstGeom prst="rect">
+              <a:avLst/>
+            </a:prstGeom>
+            <a:grpFill/>
+          </p:spPr>
+          <p:style>
+            <a:lnRef idx="2">
+              <a:schemeClr val="accent1">
+                <a:shade val="50000"/>
+              </a:schemeClr>
+            </a:lnRef>
+            <a:fillRef idx="1">
+              <a:schemeClr val="accent1"/>
+            </a:fillRef>
+            <a:effectRef idx="0">
+              <a:schemeClr val="accent1"/>
+            </a:effectRef>
+            <a:fontRef idx="minor">
+              <a:schemeClr val="lt1"/>
+            </a:fontRef>
+          </p:style>
+          <p:txBody>
+            <a:bodyPr rtlCol="0" anchor="b"/>
+            <a:lstStyle/>
+            <a:p>
+              <a:pPr algn="ctr"/>
+              <a:r>
+                <a:rPr lang="fr-FR" dirty="0" err="1"/>
+                <a:t>Event_name</a:t>
+              </a:r>
+              <a:endParaRPr lang="fr-FR" dirty="0"/>
+            </a:p>
+            <a:p>
+              <a:pPr algn="ctr"/>
+              <a:r>
+                <a:rPr lang="fr-FR" dirty="0"/>
+                <a:t>Type </a:t>
+              </a:r>
+            </a:p>
+            <a:p>
+              <a:pPr algn="ctr"/>
+              <a:r>
+                <a:rPr lang="fr-FR" dirty="0"/>
+                <a:t>Date</a:t>
+              </a:r>
+            </a:p>
+            <a:p>
+              <a:pPr algn="ctr"/>
+              <a:r>
+                <a:rPr lang="fr-FR" dirty="0"/>
+                <a:t>Diet</a:t>
+              </a:r>
+            </a:p>
+            <a:p>
+              <a:pPr algn="ctr"/>
+              <a:r>
+                <a:rPr lang="fr-FR" u="sng" dirty="0" err="1"/>
+                <a:t>See</a:t>
+              </a:r>
+              <a:r>
+                <a:rPr lang="fr-FR" u="sng" dirty="0"/>
+                <a:t> more..</a:t>
+              </a:r>
+              <a:endParaRPr lang="fr-FR" dirty="0"/>
+            </a:p>
+          </p:txBody>
+        </p:sp>
+        <p:sp>
+          <p:nvSpPr>
+            <p:cNvPr id="36" name="Rectangle 35">
+              <a:extLst>
+                <a:ext uri="{FF2B5EF4-FFF2-40B4-BE49-F238E27FC236}">
+                  <a16:creationId xmlns:a16="http://schemas.microsoft.com/office/drawing/2014/main" id="{3371B21B-E956-4EFD-87B3-7BFC019C460E}"/>
+                </a:ext>
+              </a:extLst>
+            </p:cNvPr>
+            <p:cNvSpPr/>
+            <p:nvPr/>
+          </p:nvSpPr>
+          <p:spPr>
+            <a:xfrm>
+              <a:off x="1893774" y="2412275"/>
+              <a:ext cx="1105989" cy="1314993"/>
+            </a:xfrm>
+            <a:prstGeom prst="rect">
+              <a:avLst/>
+            </a:prstGeom>
+            <a:solidFill>
+              <a:schemeClr val="accent1"/>
+            </a:solidFill>
+          </p:spPr>
+          <p:style>
+            <a:lnRef idx="2">
+              <a:schemeClr val="accent1">
+                <a:shade val="50000"/>
+              </a:schemeClr>
+            </a:lnRef>
+            <a:fillRef idx="1">
+              <a:schemeClr val="accent1"/>
+            </a:fillRef>
+            <a:effectRef idx="0">
+              <a:schemeClr val="accent1"/>
+            </a:effectRef>
+            <a:fontRef idx="minor">
+              <a:schemeClr val="lt1"/>
+            </a:fontRef>
+          </p:style>
+          <p:txBody>
+            <a:bodyPr rtlCol="0" anchor="ctr"/>
+            <a:lstStyle/>
+            <a:p>
+              <a:pPr algn="ctr"/>
+              <a:r>
+                <a:rPr lang="fr-FR" dirty="0"/>
+                <a:t>Picture of </a:t>
+              </a:r>
+              <a:r>
+                <a:rPr lang="fr-FR" dirty="0" err="1"/>
+                <a:t>meal</a:t>
+              </a:r>
+              <a:endParaRPr lang="fr-FR" dirty="0"/>
+            </a:p>
+          </p:txBody>
+        </p:sp>
+      </p:grpSp>
+      <p:grpSp>
+        <p:nvGrpSpPr>
+          <p:cNvPr id="40" name="Groupe 39">
+            <a:extLst>
+              <a:ext uri="{FF2B5EF4-FFF2-40B4-BE49-F238E27FC236}">
+                <a16:creationId xmlns:a16="http://schemas.microsoft.com/office/drawing/2014/main" id="{53431916-F244-4713-87C7-88F500D55D1D}"/>
+              </a:ext>
+            </a:extLst>
+          </p:cNvPr>
+          <p:cNvGrpSpPr/>
+          <p:nvPr/>
+        </p:nvGrpSpPr>
+        <p:grpSpPr>
+          <a:xfrm>
+            <a:off x="9244321" y="2187482"/>
+            <a:ext cx="1911532" cy="3038205"/>
+            <a:chOff x="1545771" y="2221771"/>
+            <a:chExt cx="1911532" cy="3038205"/>
+          </a:xfrm>
+          <a:solidFill>
+            <a:srgbClr val="7030A0"/>
+          </a:solidFill>
+        </p:grpSpPr>
+        <p:sp>
+          <p:nvSpPr>
+            <p:cNvPr id="41" name="Rectangle 40">
+              <a:extLst>
+                <a:ext uri="{FF2B5EF4-FFF2-40B4-BE49-F238E27FC236}">
+                  <a16:creationId xmlns:a16="http://schemas.microsoft.com/office/drawing/2014/main" id="{50044720-9233-4176-B8AE-AF23E3083223}"/>
+                </a:ext>
+              </a:extLst>
+            </p:cNvPr>
+            <p:cNvSpPr/>
+            <p:nvPr/>
+          </p:nvSpPr>
+          <p:spPr>
+            <a:xfrm>
+              <a:off x="1545771" y="2221771"/>
+              <a:ext cx="1911532" cy="3038205"/>
+            </a:xfrm>
+            <a:prstGeom prst="rect">
+              <a:avLst/>
+            </a:prstGeom>
+            <a:grpFill/>
+          </p:spPr>
+          <p:style>
+            <a:lnRef idx="2">
+              <a:schemeClr val="accent1">
+                <a:shade val="50000"/>
+              </a:schemeClr>
+            </a:lnRef>
+            <a:fillRef idx="1">
+              <a:schemeClr val="accent1"/>
+            </a:fillRef>
+            <a:effectRef idx="0">
+              <a:schemeClr val="accent1"/>
+            </a:effectRef>
+            <a:fontRef idx="minor">
+              <a:schemeClr val="lt1"/>
+            </a:fontRef>
+          </p:style>
+          <p:txBody>
+            <a:bodyPr rtlCol="0" anchor="b"/>
+            <a:lstStyle/>
+            <a:p>
+              <a:pPr algn="ctr"/>
+              <a:r>
+                <a:rPr lang="fr-FR" dirty="0" err="1"/>
+                <a:t>Event_name</a:t>
+              </a:r>
+              <a:endParaRPr lang="fr-FR" dirty="0"/>
+            </a:p>
+            <a:p>
+              <a:pPr algn="ctr"/>
+              <a:r>
+                <a:rPr lang="fr-FR" dirty="0"/>
+                <a:t>Type </a:t>
+              </a:r>
+            </a:p>
+            <a:p>
+              <a:pPr algn="ctr"/>
+              <a:r>
+                <a:rPr lang="fr-FR" dirty="0"/>
+                <a:t>Date</a:t>
+              </a:r>
+            </a:p>
+            <a:p>
+              <a:pPr algn="ctr"/>
+              <a:r>
+                <a:rPr lang="fr-FR" dirty="0"/>
+                <a:t>Diet</a:t>
+              </a:r>
+            </a:p>
+            <a:p>
+              <a:pPr algn="ctr"/>
+              <a:r>
+                <a:rPr lang="fr-FR" u="sng" dirty="0" err="1"/>
+                <a:t>See</a:t>
+              </a:r>
+              <a:r>
+                <a:rPr lang="fr-FR" u="sng" dirty="0"/>
+                <a:t> more..</a:t>
+              </a:r>
+              <a:endParaRPr lang="fr-FR" dirty="0"/>
+            </a:p>
+          </p:txBody>
+        </p:sp>
+        <p:sp>
+          <p:nvSpPr>
+            <p:cNvPr id="42" name="Rectangle 41">
+              <a:extLst>
+                <a:ext uri="{FF2B5EF4-FFF2-40B4-BE49-F238E27FC236}">
+                  <a16:creationId xmlns:a16="http://schemas.microsoft.com/office/drawing/2014/main" id="{407752B0-0B06-48BD-9585-372F02DF3EF7}"/>
+                </a:ext>
+              </a:extLst>
+            </p:cNvPr>
+            <p:cNvSpPr/>
+            <p:nvPr/>
+          </p:nvSpPr>
+          <p:spPr>
+            <a:xfrm>
+              <a:off x="1893774" y="2412275"/>
+              <a:ext cx="1105989" cy="1314993"/>
+            </a:xfrm>
+            <a:prstGeom prst="rect">
+              <a:avLst/>
+            </a:prstGeom>
+            <a:solidFill>
+              <a:schemeClr val="accent1"/>
+            </a:solidFill>
+          </p:spPr>
+          <p:style>
+            <a:lnRef idx="2">
+              <a:schemeClr val="accent1">
+                <a:shade val="50000"/>
+              </a:schemeClr>
+            </a:lnRef>
+            <a:fillRef idx="1">
+              <a:schemeClr val="accent1"/>
+            </a:fillRef>
+            <a:effectRef idx="0">
+              <a:schemeClr val="accent1"/>
+            </a:effectRef>
+            <a:fontRef idx="minor">
+              <a:schemeClr val="lt1"/>
+            </a:fontRef>
+          </p:style>
+          <p:txBody>
+            <a:bodyPr rtlCol="0" anchor="ctr"/>
+            <a:lstStyle/>
+            <a:p>
+              <a:pPr algn="ctr"/>
+              <a:r>
+                <a:rPr lang="fr-FR" dirty="0"/>
+                <a:t>Picture of </a:t>
+              </a:r>
+              <a:r>
+                <a:rPr lang="fr-FR" dirty="0" err="1"/>
+                <a:t>meal</a:t>
+              </a:r>
+              <a:endParaRPr lang="fr-FR" dirty="0"/>
+            </a:p>
+          </p:txBody>
+        </p:sp>
+      </p:grpSp>
+      <p:sp>
+        <p:nvSpPr>
+          <p:cNvPr id="43" name="Rectangle 42">
+            <a:extLst>
+              <a:ext uri="{FF2B5EF4-FFF2-40B4-BE49-F238E27FC236}">
+                <a16:creationId xmlns:a16="http://schemas.microsoft.com/office/drawing/2014/main" id="{DD64CE4B-E1DE-4AE0-BBBF-1818E0509DB6}"/>
+              </a:ext>
+            </a:extLst>
+          </p:cNvPr>
+          <p:cNvSpPr/>
+          <p:nvPr/>
+        </p:nvSpPr>
+        <p:spPr>
+          <a:xfrm>
+            <a:off x="1079501" y="5368566"/>
+            <a:ext cx="1628546" cy="966651"/>
+          </a:xfrm>
+          <a:prstGeom prst="rect">
+            <a:avLst/>
+          </a:prstGeom>
+        </p:spPr>
+        <p:style>
+          <a:lnRef idx="2">
+            <a:schemeClr val="accent1">
+              <a:shade val="50000"/>
+            </a:schemeClr>
+          </a:lnRef>
+          <a:fillRef idx="1">
+            <a:schemeClr val="accent1"/>
+          </a:fillRef>
+          <a:effectRef idx="0">
+            <a:schemeClr val="accent1"/>
+          </a:effectRef>
+          <a:fontRef idx="minor">
+            <a:schemeClr val="lt1"/>
+          </a:fontRef>
+        </p:style>
+        <p:txBody>
+          <a:bodyPr rtlCol="0" anchor="ctr"/>
+          <a:lstStyle/>
+          <a:p>
+            <a:pPr algn="ctr"/>
+            <a:r>
+              <a:rPr lang="fr-FR" dirty="0"/>
+              <a:t>If time + host profile </a:t>
+            </a:r>
+            <a:r>
+              <a:rPr lang="fr-FR" dirty="0" err="1"/>
+              <a:t>picture</a:t>
+            </a:r>
+            <a:endParaRPr lang="fr-FR" dirty="0"/>
+          </a:p>
+        </p:txBody>
+      </p:sp>
+    </p:spTree>
+    <p:extLst>
+      <p:ext uri="{BB962C8B-B14F-4D97-AF65-F5344CB8AC3E}">
+        <p14:creationId xmlns:p14="http://schemas.microsoft.com/office/powerpoint/2010/main" val="452126959"/>
+      </p:ext>
+    </p:extLst>
+  </p:cSld>
+  <p:clrMapOvr>
+    <a:masterClrMapping/>
+  </p:clrMapOvr>
+</p:sld>
+</file>
+
+<file path=ppt/slides/slide5.xml><?xml version="1.0" encoding="utf-8"?>
+<p:sld xmlns:a="http://schemas.openxmlformats.org/drawingml/2006/main" xmlns:r="http://schemas.openxmlformats.org/officeDocument/2006/relationships" xmlns:p="http://schemas.openxmlformats.org/presentationml/2006/main">
+  <p:cSld>
+    <p:spTree>
+      <p:nvGrpSpPr>
+        <p:cNvPr id="1" name=""/>
+        <p:cNvGrpSpPr/>
+        <p:nvPr/>
+      </p:nvGrpSpPr>
+      <p:grpSpPr>
+        <a:xfrm>
+          <a:off x="0" y="0"/>
+          <a:ext cx="0" cy="0"/>
+          <a:chOff x="0" y="0"/>
+          <a:chExt cx="0" cy="0"/>
+        </a:xfrm>
+      </p:grpSpPr>
+      <p:sp>
+        <p:nvSpPr>
+          <p:cNvPr id="2" name="Rectangle 1">
+            <a:extLst>
+              <a:ext uri="{FF2B5EF4-FFF2-40B4-BE49-F238E27FC236}">
+                <a16:creationId xmlns:a16="http://schemas.microsoft.com/office/drawing/2014/main" id="{7E64C758-C98D-41F0-9515-78741A728945}"/>
+              </a:ext>
+            </a:extLst>
+          </p:cNvPr>
+          <p:cNvSpPr/>
+          <p:nvPr/>
+        </p:nvSpPr>
+        <p:spPr>
+          <a:xfrm>
+            <a:off x="622663" y="748938"/>
+            <a:ext cx="10946674" cy="5730240"/>
+          </a:xfrm>
+          <a:prstGeom prst="rect">
+            <a:avLst/>
+          </a:prstGeom>
+          <a:solidFill>
+            <a:schemeClr val="accent6">
+              <a:lumMod val="20000"/>
+              <a:lumOff val="80000"/>
+            </a:schemeClr>
+          </a:solidFill>
+        </p:spPr>
+        <p:style>
+          <a:lnRef idx="2">
+            <a:schemeClr val="accent1">
+              <a:shade val="50000"/>
+            </a:schemeClr>
+          </a:lnRef>
+          <a:fillRef idx="1">
+            <a:schemeClr val="accent1"/>
+          </a:fillRef>
+          <a:effectRef idx="0">
+            <a:schemeClr val="accent1"/>
+          </a:effectRef>
+          <a:fontRef idx="minor">
+            <a:schemeClr val="lt1"/>
+          </a:fontRef>
+        </p:style>
+        <p:txBody>
+          <a:bodyPr rtlCol="0" anchor="ctr"/>
+          <a:lstStyle/>
+          <a:p>
+            <a:pPr algn="ctr"/>
+            <a:endParaRPr lang="fr-FR" dirty="0"/>
+          </a:p>
+        </p:txBody>
+      </p:sp>
+      <p:sp>
+        <p:nvSpPr>
+          <p:cNvPr id="3" name="Rectangle 2">
+            <a:extLst>
+              <a:ext uri="{FF2B5EF4-FFF2-40B4-BE49-F238E27FC236}">
+                <a16:creationId xmlns:a16="http://schemas.microsoft.com/office/drawing/2014/main" id="{0F0B21E4-FBB5-44C2-8E74-97BB8B9438F6}"/>
+              </a:ext>
+            </a:extLst>
+          </p:cNvPr>
+          <p:cNvSpPr/>
+          <p:nvPr/>
+        </p:nvSpPr>
+        <p:spPr>
+          <a:xfrm>
+            <a:off x="714103" y="888274"/>
+            <a:ext cx="10737668" cy="391886"/>
+          </a:xfrm>
+          <a:prstGeom prst="rect">
+            <a:avLst/>
+          </a:prstGeom>
+        </p:spPr>
+        <p:style>
+          <a:lnRef idx="2">
+            <a:schemeClr val="accent1">
+              <a:shade val="50000"/>
+            </a:schemeClr>
+          </a:lnRef>
+          <a:fillRef idx="1">
+            <a:schemeClr val="accent1"/>
+          </a:fillRef>
+          <a:effectRef idx="0">
+            <a:schemeClr val="accent1"/>
+          </a:effectRef>
+          <a:fontRef idx="minor">
+            <a:schemeClr val="lt1"/>
+          </a:fontRef>
+        </p:style>
+        <p:txBody>
+          <a:bodyPr rtlCol="0" anchor="ctr"/>
+          <a:lstStyle/>
+          <a:p>
+            <a:pPr algn="ctr"/>
+            <a:endParaRPr lang="fr-FR" dirty="0"/>
+          </a:p>
+        </p:txBody>
+      </p:sp>
+      <p:sp>
+        <p:nvSpPr>
+          <p:cNvPr id="4" name="Rectangle 3">
+            <a:extLst>
+              <a:ext uri="{FF2B5EF4-FFF2-40B4-BE49-F238E27FC236}">
+                <a16:creationId xmlns:a16="http://schemas.microsoft.com/office/drawing/2014/main" id="{29F077FC-8615-44E1-B491-92FCFCC3BA41}"/>
+              </a:ext>
+            </a:extLst>
+          </p:cNvPr>
+          <p:cNvSpPr/>
+          <p:nvPr/>
+        </p:nvSpPr>
+        <p:spPr>
+          <a:xfrm>
+            <a:off x="9039497" y="949234"/>
+            <a:ext cx="1018903" cy="269965"/>
+          </a:xfrm>
+          <a:prstGeom prst="rect">
+            <a:avLst/>
+          </a:prstGeom>
+          <a:solidFill>
+            <a:schemeClr val="accent2"/>
+          </a:solidFill>
+        </p:spPr>
+        <p:style>
+          <a:lnRef idx="2">
+            <a:schemeClr val="accent1">
+              <a:shade val="50000"/>
+            </a:schemeClr>
+          </a:lnRef>
+          <a:fillRef idx="1">
+            <a:schemeClr val="accent1"/>
+          </a:fillRef>
+          <a:effectRef idx="0">
+            <a:schemeClr val="accent1"/>
+          </a:effectRef>
+          <a:fontRef idx="minor">
+            <a:schemeClr val="lt1"/>
+          </a:fontRef>
+        </p:style>
+        <p:txBody>
+          <a:bodyPr rtlCol="0" anchor="ctr"/>
+          <a:lstStyle/>
+          <a:p>
+            <a:pPr algn="ctr"/>
+            <a:r>
+              <a:rPr lang="fr-FR" dirty="0" err="1"/>
+              <a:t>Signup</a:t>
+            </a:r>
+            <a:endParaRPr lang="fr-FR" dirty="0"/>
+          </a:p>
+        </p:txBody>
+      </p:sp>
+      <p:sp>
+        <p:nvSpPr>
+          <p:cNvPr id="5" name="Rectangle 4">
+            <a:extLst>
+              <a:ext uri="{FF2B5EF4-FFF2-40B4-BE49-F238E27FC236}">
+                <a16:creationId xmlns:a16="http://schemas.microsoft.com/office/drawing/2014/main" id="{AB16307F-6937-4D2C-BF36-64D295717153}"/>
+              </a:ext>
+            </a:extLst>
+          </p:cNvPr>
+          <p:cNvSpPr/>
+          <p:nvPr/>
+        </p:nvSpPr>
+        <p:spPr>
+          <a:xfrm>
+            <a:off x="10245634" y="949234"/>
+            <a:ext cx="1018903" cy="269965"/>
+          </a:xfrm>
+          <a:prstGeom prst="rect">
+            <a:avLst/>
+          </a:prstGeom>
+          <a:solidFill>
+            <a:schemeClr val="accent2"/>
+          </a:solidFill>
+        </p:spPr>
+        <p:style>
+          <a:lnRef idx="2">
+            <a:schemeClr val="accent1">
+              <a:shade val="50000"/>
+            </a:schemeClr>
+          </a:lnRef>
+          <a:fillRef idx="1">
+            <a:schemeClr val="accent1"/>
+          </a:fillRef>
+          <a:effectRef idx="0">
+            <a:schemeClr val="accent1"/>
+          </a:effectRef>
+          <a:fontRef idx="minor">
+            <a:schemeClr val="lt1"/>
+          </a:fontRef>
+        </p:style>
+        <p:txBody>
+          <a:bodyPr rtlCol="0" anchor="ctr"/>
+          <a:lstStyle/>
+          <a:p>
+            <a:pPr algn="ctr"/>
+            <a:r>
+              <a:rPr lang="fr-FR" dirty="0"/>
+              <a:t>Login</a:t>
+            </a:r>
+          </a:p>
+        </p:txBody>
+      </p:sp>
+      <p:sp>
+        <p:nvSpPr>
+          <p:cNvPr id="9" name="Rectangle 8">
+            <a:extLst>
+              <a:ext uri="{FF2B5EF4-FFF2-40B4-BE49-F238E27FC236}">
+                <a16:creationId xmlns:a16="http://schemas.microsoft.com/office/drawing/2014/main" id="{D8D23C83-5543-46DC-BDFE-ADE0C5FC53E4}"/>
+              </a:ext>
+            </a:extLst>
+          </p:cNvPr>
+          <p:cNvSpPr/>
+          <p:nvPr/>
+        </p:nvSpPr>
+        <p:spPr>
+          <a:xfrm>
+            <a:off x="1545771" y="1341120"/>
+            <a:ext cx="9074332" cy="485502"/>
+          </a:xfrm>
+          <a:prstGeom prst="rect">
+            <a:avLst/>
+          </a:prstGeom>
+          <a:solidFill>
+            <a:schemeClr val="tx2"/>
+          </a:solidFill>
+        </p:spPr>
+        <p:style>
+          <a:lnRef idx="2">
+            <a:schemeClr val="accent1">
+              <a:shade val="50000"/>
+            </a:schemeClr>
+          </a:lnRef>
+          <a:fillRef idx="1">
+            <a:schemeClr val="accent1"/>
+          </a:fillRef>
+          <a:effectRef idx="0">
+            <a:schemeClr val="accent1"/>
+          </a:effectRef>
+          <a:fontRef idx="minor">
+            <a:schemeClr val="lt1"/>
+          </a:fontRef>
+        </p:style>
+        <p:txBody>
+          <a:bodyPr rtlCol="0" anchor="ctr"/>
+          <a:lstStyle/>
+          <a:p>
+            <a:pPr algn="ctr"/>
+            <a:r>
+              <a:rPr lang="fr-FR" dirty="0"/>
+              <a:t>description</a:t>
+            </a:r>
+          </a:p>
+        </p:txBody>
+      </p:sp>
+      <p:sp>
+        <p:nvSpPr>
+          <p:cNvPr id="7" name="Rectangle 6">
+            <a:extLst>
+              <a:ext uri="{FF2B5EF4-FFF2-40B4-BE49-F238E27FC236}">
+                <a16:creationId xmlns:a16="http://schemas.microsoft.com/office/drawing/2014/main" id="{22434126-0D0B-465F-ABDD-2EEA8355D1C1}"/>
+              </a:ext>
+            </a:extLst>
+          </p:cNvPr>
+          <p:cNvSpPr/>
+          <p:nvPr/>
+        </p:nvSpPr>
+        <p:spPr>
+          <a:xfrm>
+            <a:off x="974680" y="200297"/>
+            <a:ext cx="1838189" cy="252549"/>
+          </a:xfrm>
+          <a:prstGeom prst="rect">
+            <a:avLst/>
+          </a:prstGeom>
+        </p:spPr>
+        <p:style>
+          <a:lnRef idx="2">
+            <a:schemeClr val="accent1">
+              <a:shade val="50000"/>
+            </a:schemeClr>
+          </a:lnRef>
+          <a:fillRef idx="1">
+            <a:schemeClr val="accent1"/>
+          </a:fillRef>
+          <a:effectRef idx="0">
+            <a:schemeClr val="accent1"/>
+          </a:effectRef>
+          <a:fontRef idx="minor">
+            <a:schemeClr val="lt1"/>
+          </a:fontRef>
+        </p:style>
+        <p:txBody>
+          <a:bodyPr rtlCol="0" anchor="ctr"/>
+          <a:lstStyle/>
+          <a:p>
+            <a:pPr algn="ctr"/>
+            <a:r>
+              <a:rPr lang="fr-FR" dirty="0"/>
+              <a:t>one-</a:t>
+            </a:r>
+            <a:r>
+              <a:rPr lang="fr-FR" dirty="0" err="1"/>
+              <a:t>event.hbs</a:t>
+            </a:r>
+            <a:endParaRPr lang="fr-FR" dirty="0"/>
+          </a:p>
+        </p:txBody>
+      </p:sp>
+      <p:sp>
+        <p:nvSpPr>
+          <p:cNvPr id="6" name="Rectangle 5">
+            <a:extLst>
+              <a:ext uri="{FF2B5EF4-FFF2-40B4-BE49-F238E27FC236}">
+                <a16:creationId xmlns:a16="http://schemas.microsoft.com/office/drawing/2014/main" id="{37E2504A-3A6E-44CD-A1A8-ECCB74C2716F}"/>
+              </a:ext>
+            </a:extLst>
+          </p:cNvPr>
+          <p:cNvSpPr/>
+          <p:nvPr/>
+        </p:nvSpPr>
+        <p:spPr>
+          <a:xfrm>
+            <a:off x="1545771" y="2085704"/>
+            <a:ext cx="2333897" cy="2763972"/>
+          </a:xfrm>
+          <a:prstGeom prst="rect">
+            <a:avLst/>
+          </a:prstGeom>
+        </p:spPr>
+        <p:style>
+          <a:lnRef idx="2">
+            <a:schemeClr val="accent1">
+              <a:shade val="50000"/>
+            </a:schemeClr>
+          </a:lnRef>
+          <a:fillRef idx="1">
+            <a:schemeClr val="accent1"/>
+          </a:fillRef>
+          <a:effectRef idx="0">
+            <a:schemeClr val="accent1"/>
+          </a:effectRef>
+          <a:fontRef idx="minor">
+            <a:schemeClr val="lt1"/>
+          </a:fontRef>
+        </p:style>
+        <p:txBody>
+          <a:bodyPr rtlCol="0" anchor="ctr"/>
+          <a:lstStyle/>
+          <a:p>
+            <a:pPr algn="ctr"/>
+            <a:r>
+              <a:rPr lang="fr-FR" dirty="0" err="1"/>
+              <a:t>Meal</a:t>
+            </a:r>
+            <a:endParaRPr lang="fr-FR" dirty="0"/>
+          </a:p>
+        </p:txBody>
+      </p:sp>
+      <p:sp>
+        <p:nvSpPr>
+          <p:cNvPr id="24" name="Rectangle 23">
+            <a:extLst>
+              <a:ext uri="{FF2B5EF4-FFF2-40B4-BE49-F238E27FC236}">
+                <a16:creationId xmlns:a16="http://schemas.microsoft.com/office/drawing/2014/main" id="{92C961B8-03A6-4AF6-948C-24A2D4935283}"/>
+              </a:ext>
+            </a:extLst>
+          </p:cNvPr>
+          <p:cNvSpPr/>
+          <p:nvPr/>
+        </p:nvSpPr>
+        <p:spPr>
+          <a:xfrm>
+            <a:off x="1545771" y="5110842"/>
+            <a:ext cx="1066799" cy="812076"/>
+          </a:xfrm>
+          <a:prstGeom prst="rect">
+            <a:avLst/>
+          </a:prstGeom>
+        </p:spPr>
+        <p:style>
+          <a:lnRef idx="2">
+            <a:schemeClr val="accent1">
+              <a:shade val="50000"/>
+            </a:schemeClr>
+          </a:lnRef>
+          <a:fillRef idx="1">
+            <a:schemeClr val="accent1"/>
+          </a:fillRef>
+          <a:effectRef idx="0">
+            <a:schemeClr val="accent1"/>
+          </a:effectRef>
+          <a:fontRef idx="minor">
+            <a:schemeClr val="lt1"/>
+          </a:fontRef>
+        </p:style>
+        <p:txBody>
+          <a:bodyPr rtlCol="0" anchor="ctr"/>
+          <a:lstStyle/>
+          <a:p>
+            <a:pPr algn="ctr"/>
+            <a:r>
+              <a:rPr lang="fr-FR" dirty="0"/>
+              <a:t>host</a:t>
+            </a:r>
+          </a:p>
+        </p:txBody>
+      </p:sp>
+      <p:sp>
+        <p:nvSpPr>
+          <p:cNvPr id="25" name="Rectangle 24">
+            <a:extLst>
+              <a:ext uri="{FF2B5EF4-FFF2-40B4-BE49-F238E27FC236}">
+                <a16:creationId xmlns:a16="http://schemas.microsoft.com/office/drawing/2014/main" id="{9FE3F697-1FBE-4686-9C26-B8D6792215C3}"/>
+              </a:ext>
+            </a:extLst>
+          </p:cNvPr>
+          <p:cNvSpPr/>
+          <p:nvPr/>
+        </p:nvSpPr>
+        <p:spPr>
+          <a:xfrm>
+            <a:off x="2812869" y="5110842"/>
+            <a:ext cx="1066799" cy="812076"/>
+          </a:xfrm>
+          <a:prstGeom prst="rect">
+            <a:avLst/>
+          </a:prstGeom>
+        </p:spPr>
+        <p:style>
+          <a:lnRef idx="2">
+            <a:schemeClr val="accent1">
+              <a:shade val="50000"/>
+            </a:schemeClr>
+          </a:lnRef>
+          <a:fillRef idx="1">
+            <a:schemeClr val="accent1"/>
+          </a:fillRef>
+          <a:effectRef idx="0">
+            <a:schemeClr val="accent1"/>
+          </a:effectRef>
+          <a:fontRef idx="minor">
+            <a:schemeClr val="lt1"/>
+          </a:fontRef>
+        </p:style>
+        <p:txBody>
+          <a:bodyPr rtlCol="0" anchor="ctr"/>
+          <a:lstStyle/>
+          <a:p>
+            <a:pPr algn="ctr"/>
+            <a:r>
+              <a:rPr lang="fr-FR" dirty="0"/>
+              <a:t>place</a:t>
+            </a:r>
+          </a:p>
+        </p:txBody>
+      </p:sp>
+      <p:sp>
+        <p:nvSpPr>
+          <p:cNvPr id="27" name="Rectangle 26">
+            <a:extLst>
+              <a:ext uri="{FF2B5EF4-FFF2-40B4-BE49-F238E27FC236}">
+                <a16:creationId xmlns:a16="http://schemas.microsoft.com/office/drawing/2014/main" id="{99471791-3BB2-4C4A-B0E1-03413B5973DC}"/>
+              </a:ext>
+            </a:extLst>
+          </p:cNvPr>
+          <p:cNvSpPr/>
+          <p:nvPr/>
+        </p:nvSpPr>
+        <p:spPr>
+          <a:xfrm>
+            <a:off x="4598126" y="1743178"/>
+            <a:ext cx="2002972" cy="4247317"/>
+          </a:xfrm>
+          <a:prstGeom prst="rect">
+            <a:avLst/>
+          </a:prstGeom>
+          <a:ln>
+            <a:noFill/>
+          </a:ln>
+        </p:spPr>
+        <p:txBody>
+          <a:bodyPr wrap="square">
+            <a:spAutoFit/>
+          </a:bodyPr>
+          <a:lstStyle/>
+          <a:p>
+            <a:br>
+              <a:rPr lang="fr-FR" dirty="0"/>
+            </a:br>
+            <a:r>
+              <a:rPr lang="fr-FR" u="sng" dirty="0">
+                <a:solidFill>
+                  <a:srgbClr val="000000"/>
+                </a:solidFill>
+                <a:latin typeface="Arial" panose="020B0604020202020204" pitchFamily="34" charset="0"/>
+              </a:rPr>
+              <a:t>Event :</a:t>
+            </a:r>
+          </a:p>
+          <a:p>
+            <a:r>
+              <a:rPr lang="fr-FR" dirty="0" err="1">
+                <a:solidFill>
+                  <a:srgbClr val="000000"/>
+                </a:solidFill>
+                <a:latin typeface="Arial" panose="020B0604020202020204" pitchFamily="34" charset="0"/>
+              </a:rPr>
+              <a:t>Event_name</a:t>
+            </a:r>
+            <a:r>
+              <a:rPr lang="fr-FR" dirty="0">
+                <a:solidFill>
+                  <a:srgbClr val="000000"/>
+                </a:solidFill>
+                <a:latin typeface="Arial" panose="020B0604020202020204" pitchFamily="34" charset="0"/>
+              </a:rPr>
+              <a:t>:</a:t>
+            </a:r>
+          </a:p>
+          <a:p>
+            <a:r>
+              <a:rPr lang="fr-FR" dirty="0">
+                <a:solidFill>
+                  <a:srgbClr val="000000"/>
+                </a:solidFill>
+                <a:latin typeface="Arial" panose="020B0604020202020204" pitchFamily="34" charset="0"/>
+              </a:rPr>
+              <a:t>Date:</a:t>
+            </a:r>
+            <a:endParaRPr lang="fr-FR" dirty="0"/>
+          </a:p>
+          <a:p>
+            <a:r>
+              <a:rPr lang="fr-FR" dirty="0">
+                <a:solidFill>
+                  <a:srgbClr val="000000"/>
+                </a:solidFill>
+                <a:latin typeface="Arial" panose="020B0604020202020204" pitchFamily="34" charset="0"/>
+              </a:rPr>
+              <a:t>Chef :</a:t>
+            </a:r>
+            <a:endParaRPr lang="fr-FR" dirty="0"/>
+          </a:p>
+          <a:p>
+            <a:r>
+              <a:rPr lang="fr-FR" dirty="0">
+                <a:solidFill>
+                  <a:srgbClr val="000000"/>
+                </a:solidFill>
+                <a:latin typeface="Arial" panose="020B0604020202020204" pitchFamily="34" charset="0"/>
+              </a:rPr>
+              <a:t>Menu :</a:t>
+            </a:r>
+            <a:endParaRPr lang="fr-FR" dirty="0"/>
+          </a:p>
+          <a:p>
+            <a:r>
+              <a:rPr lang="fr-FR" dirty="0">
+                <a:solidFill>
+                  <a:srgbClr val="000000"/>
+                </a:solidFill>
+                <a:latin typeface="Arial" panose="020B0604020202020204" pitchFamily="34" charset="0"/>
+              </a:rPr>
+              <a:t>Starter:</a:t>
+            </a:r>
+            <a:endParaRPr lang="fr-FR" dirty="0"/>
+          </a:p>
+          <a:p>
+            <a:r>
+              <a:rPr lang="fr-FR" dirty="0">
+                <a:solidFill>
+                  <a:srgbClr val="000000"/>
+                </a:solidFill>
+                <a:latin typeface="Arial" panose="020B0604020202020204" pitchFamily="34" charset="0"/>
+              </a:rPr>
+              <a:t>Main:</a:t>
+            </a:r>
+            <a:endParaRPr lang="fr-FR" dirty="0"/>
+          </a:p>
+          <a:p>
+            <a:r>
+              <a:rPr lang="fr-FR" dirty="0">
+                <a:solidFill>
+                  <a:srgbClr val="000000"/>
+                </a:solidFill>
+                <a:latin typeface="Arial" panose="020B0604020202020204" pitchFamily="34" charset="0"/>
+              </a:rPr>
+              <a:t>Dessert:</a:t>
+            </a:r>
+            <a:endParaRPr lang="fr-FR" dirty="0"/>
+          </a:p>
+          <a:p>
+            <a:r>
+              <a:rPr lang="fr-FR" dirty="0">
+                <a:solidFill>
+                  <a:srgbClr val="000000"/>
+                </a:solidFill>
+                <a:latin typeface="Arial" panose="020B0604020202020204" pitchFamily="34" charset="0"/>
+              </a:rPr>
+              <a:t>Type :</a:t>
+            </a:r>
+            <a:endParaRPr lang="fr-FR" dirty="0"/>
+          </a:p>
+          <a:p>
+            <a:r>
+              <a:rPr lang="fr-FR" dirty="0">
+                <a:solidFill>
+                  <a:srgbClr val="000000"/>
+                </a:solidFill>
+                <a:latin typeface="Arial" panose="020B0604020202020204" pitchFamily="34" charset="0"/>
+              </a:rPr>
+              <a:t>location:</a:t>
+            </a:r>
+            <a:endParaRPr lang="fr-FR" dirty="0"/>
+          </a:p>
+          <a:p>
+            <a:r>
+              <a:rPr lang="fr-FR" dirty="0" err="1">
+                <a:solidFill>
+                  <a:srgbClr val="000000"/>
+                </a:solidFill>
+                <a:latin typeface="Arial" panose="020B0604020202020204" pitchFamily="34" charset="0"/>
+              </a:rPr>
+              <a:t>MaxPeople</a:t>
+            </a:r>
+            <a:r>
+              <a:rPr lang="fr-FR" dirty="0">
+                <a:solidFill>
+                  <a:srgbClr val="000000"/>
+                </a:solidFill>
+                <a:latin typeface="Arial" panose="020B0604020202020204" pitchFamily="34" charset="0"/>
+              </a:rPr>
+              <a:t>:</a:t>
+            </a:r>
+            <a:endParaRPr lang="fr-FR" dirty="0"/>
+          </a:p>
+          <a:p>
+            <a:r>
+              <a:rPr lang="fr-FR" dirty="0" err="1">
+                <a:solidFill>
+                  <a:srgbClr val="000000"/>
+                </a:solidFill>
+                <a:latin typeface="Arial" panose="020B0604020202020204" pitchFamily="34" charset="0"/>
+              </a:rPr>
+              <a:t>Theme</a:t>
+            </a:r>
+            <a:r>
+              <a:rPr lang="fr-FR" dirty="0">
+                <a:solidFill>
+                  <a:srgbClr val="000000"/>
+                </a:solidFill>
+                <a:latin typeface="Arial" panose="020B0604020202020204" pitchFamily="34" charset="0"/>
+              </a:rPr>
+              <a:t>:</a:t>
+            </a:r>
+            <a:endParaRPr lang="fr-FR" dirty="0"/>
+          </a:p>
+          <a:p>
+            <a:r>
+              <a:rPr lang="fr-FR" dirty="0">
+                <a:solidFill>
+                  <a:srgbClr val="000000"/>
+                </a:solidFill>
+                <a:latin typeface="Arial" panose="020B0604020202020204" pitchFamily="34" charset="0"/>
+              </a:rPr>
+              <a:t>Price:</a:t>
+            </a:r>
+            <a:endParaRPr lang="fr-FR" dirty="0"/>
+          </a:p>
+          <a:p>
+            <a:r>
+              <a:rPr lang="fr-FR" dirty="0">
+                <a:solidFill>
+                  <a:srgbClr val="000000"/>
+                </a:solidFill>
+                <a:latin typeface="Arial" panose="020B0604020202020204" pitchFamily="34" charset="0"/>
+              </a:rPr>
+              <a:t>Diet:*tag</a:t>
+            </a:r>
+          </a:p>
+        </p:txBody>
+      </p:sp>
+      <p:sp>
+        <p:nvSpPr>
+          <p:cNvPr id="37" name="Rectangle 36">
+            <a:extLst>
+              <a:ext uri="{FF2B5EF4-FFF2-40B4-BE49-F238E27FC236}">
+                <a16:creationId xmlns:a16="http://schemas.microsoft.com/office/drawing/2014/main" id="{520A23CA-954F-4DCD-A955-0B85D1C3108F}"/>
+              </a:ext>
+            </a:extLst>
+          </p:cNvPr>
+          <p:cNvSpPr/>
+          <p:nvPr/>
+        </p:nvSpPr>
+        <p:spPr>
+          <a:xfrm>
+            <a:off x="5482045" y="2850967"/>
+            <a:ext cx="2068286" cy="269965"/>
+          </a:xfrm>
+          <a:prstGeom prst="rect">
+            <a:avLst/>
+          </a:prstGeom>
+          <a:solidFill>
+            <a:schemeClr val="accent2"/>
+          </a:solidFill>
+        </p:spPr>
+        <p:style>
+          <a:lnRef idx="2">
+            <a:schemeClr val="accent1">
+              <a:shade val="50000"/>
+            </a:schemeClr>
+          </a:lnRef>
+          <a:fillRef idx="1">
+            <a:schemeClr val="accent1"/>
+          </a:fillRef>
+          <a:effectRef idx="0">
+            <a:schemeClr val="accent1"/>
+          </a:effectRef>
+          <a:fontRef idx="minor">
+            <a:schemeClr val="lt1"/>
+          </a:fontRef>
+        </p:style>
+        <p:txBody>
+          <a:bodyPr rtlCol="0" anchor="ctr"/>
+          <a:lstStyle/>
+          <a:p>
+            <a:pPr algn="ctr"/>
+            <a:r>
+              <a:rPr lang="fr-FR" sz="1600" dirty="0"/>
+              <a:t>Details about the chef</a:t>
+            </a:r>
+          </a:p>
+        </p:txBody>
+      </p:sp>
+      <p:sp>
+        <p:nvSpPr>
+          <p:cNvPr id="38" name="Rectangle 37">
+            <a:extLst>
+              <a:ext uri="{FF2B5EF4-FFF2-40B4-BE49-F238E27FC236}">
+                <a16:creationId xmlns:a16="http://schemas.microsoft.com/office/drawing/2014/main" id="{CB992917-6639-4C67-8103-4AE155CF72D8}"/>
+              </a:ext>
+            </a:extLst>
+          </p:cNvPr>
+          <p:cNvSpPr/>
+          <p:nvPr/>
+        </p:nvSpPr>
+        <p:spPr>
+          <a:xfrm>
+            <a:off x="7754983" y="4849676"/>
+            <a:ext cx="1482633" cy="620483"/>
+          </a:xfrm>
+          <a:prstGeom prst="rect">
+            <a:avLst/>
+          </a:prstGeom>
+          <a:solidFill>
+            <a:schemeClr val="accent2"/>
+          </a:solidFill>
+        </p:spPr>
+        <p:style>
+          <a:lnRef idx="2">
+            <a:schemeClr val="accent1">
+              <a:shade val="50000"/>
+            </a:schemeClr>
+          </a:lnRef>
+          <a:fillRef idx="1">
+            <a:schemeClr val="accent1"/>
+          </a:fillRef>
+          <a:effectRef idx="0">
+            <a:schemeClr val="accent1"/>
+          </a:effectRef>
+          <a:fontRef idx="minor">
+            <a:schemeClr val="lt1"/>
+          </a:fontRef>
+        </p:style>
+        <p:txBody>
+          <a:bodyPr rtlCol="0" anchor="ctr"/>
+          <a:lstStyle/>
+          <a:p>
+            <a:pPr algn="ctr"/>
+            <a:r>
+              <a:rPr lang="fr-FR" sz="1600" dirty="0" err="1"/>
+              <a:t>Join</a:t>
+            </a:r>
+            <a:r>
+              <a:rPr lang="fr-FR" sz="1600" dirty="0"/>
+              <a:t> the </a:t>
+            </a:r>
+            <a:r>
+              <a:rPr lang="fr-FR" sz="1600" dirty="0" err="1"/>
+              <a:t>event</a:t>
+            </a:r>
+            <a:endParaRPr lang="fr-FR" sz="1600" dirty="0"/>
+          </a:p>
+        </p:txBody>
+      </p:sp>
+      <p:sp>
+        <p:nvSpPr>
+          <p:cNvPr id="8" name="Rectangle 7">
+            <a:extLst>
+              <a:ext uri="{FF2B5EF4-FFF2-40B4-BE49-F238E27FC236}">
+                <a16:creationId xmlns:a16="http://schemas.microsoft.com/office/drawing/2014/main" id="{BBDA1129-81BF-4337-9941-AD488F7288BD}"/>
+              </a:ext>
+            </a:extLst>
+          </p:cNvPr>
+          <p:cNvSpPr/>
+          <p:nvPr/>
+        </p:nvSpPr>
+        <p:spPr>
+          <a:xfrm>
+            <a:off x="6244047" y="5681340"/>
+            <a:ext cx="4767942" cy="402058"/>
+          </a:xfrm>
+          <a:prstGeom prst="rect">
+            <a:avLst/>
+          </a:prstGeom>
+          <a:solidFill>
+            <a:srgbClr val="FF0000"/>
+          </a:solidFill>
+        </p:spPr>
+        <p:style>
+          <a:lnRef idx="2">
+            <a:schemeClr val="accent1">
+              <a:shade val="50000"/>
+            </a:schemeClr>
+          </a:lnRef>
+          <a:fillRef idx="1">
+            <a:schemeClr val="accent1"/>
+          </a:fillRef>
+          <a:effectRef idx="0">
+            <a:schemeClr val="accent1"/>
+          </a:effectRef>
+          <a:fontRef idx="minor">
+            <a:schemeClr val="lt1"/>
+          </a:fontRef>
+        </p:style>
+        <p:txBody>
+          <a:bodyPr rtlCol="0" anchor="ctr"/>
+          <a:lstStyle/>
+          <a:p>
+            <a:pPr algn="ctr"/>
+            <a:r>
+              <a:rPr lang="fr-FR" dirty="0"/>
+              <a:t>You </a:t>
+            </a:r>
+            <a:r>
+              <a:rPr lang="fr-FR" dirty="0" err="1"/>
+              <a:t>need</a:t>
+            </a:r>
+            <a:r>
+              <a:rPr lang="fr-FR" dirty="0"/>
+              <a:t> to </a:t>
+            </a:r>
+            <a:r>
+              <a:rPr lang="fr-FR" dirty="0" err="1"/>
+              <a:t>be</a:t>
+            </a:r>
+            <a:r>
+              <a:rPr lang="fr-FR" dirty="0"/>
+              <a:t> </a:t>
+            </a:r>
+            <a:r>
+              <a:rPr lang="fr-FR" dirty="0" err="1"/>
+              <a:t>logged</a:t>
+            </a:r>
+            <a:r>
+              <a:rPr lang="fr-FR" dirty="0"/>
+              <a:t> in</a:t>
+            </a:r>
+          </a:p>
+        </p:txBody>
+      </p:sp>
+    </p:spTree>
+    <p:extLst>
+      <p:ext uri="{BB962C8B-B14F-4D97-AF65-F5344CB8AC3E}">
+        <p14:creationId xmlns:p14="http://schemas.microsoft.com/office/powerpoint/2010/main" val="939534875"/>
+      </p:ext>
+    </p:extLst>
+  </p:cSld>
+  <p:clrMapOvr>
+    <a:masterClrMapping/>
+  </p:clrMapOvr>
+</p:sld>
+</file>
+
+<file path=ppt/slides/slide6.xml><?xml version="1.0" encoding="utf-8"?>
+<p:sld xmlns:a="http://schemas.openxmlformats.org/drawingml/2006/main" xmlns:r="http://schemas.openxmlformats.org/officeDocument/2006/relationships" xmlns:p="http://schemas.openxmlformats.org/presentationml/2006/main">
+  <p:cSld>
+    <p:spTree>
+      <p:nvGrpSpPr>
+        <p:cNvPr id="1" name=""/>
+        <p:cNvGrpSpPr/>
+        <p:nvPr/>
+      </p:nvGrpSpPr>
+      <p:grpSpPr>
+        <a:xfrm>
+          <a:off x="0" y="0"/>
+          <a:ext cx="0" cy="0"/>
+          <a:chOff x="0" y="0"/>
+          <a:chExt cx="0" cy="0"/>
+        </a:xfrm>
+      </p:grpSpPr>
+      <p:sp>
+        <p:nvSpPr>
+          <p:cNvPr id="2" name="Rectangle 1">
+            <a:extLst>
+              <a:ext uri="{FF2B5EF4-FFF2-40B4-BE49-F238E27FC236}">
+                <a16:creationId xmlns:a16="http://schemas.microsoft.com/office/drawing/2014/main" id="{7E64C758-C98D-41F0-9515-78741A728945}"/>
+              </a:ext>
+            </a:extLst>
+          </p:cNvPr>
+          <p:cNvSpPr/>
+          <p:nvPr/>
+        </p:nvSpPr>
+        <p:spPr>
+          <a:xfrm>
+            <a:off x="622663" y="748938"/>
+            <a:ext cx="10946674" cy="5730240"/>
+          </a:xfrm>
+          <a:prstGeom prst="rect">
+            <a:avLst/>
+          </a:prstGeom>
+          <a:solidFill>
+            <a:schemeClr val="accent6">
+              <a:lumMod val="20000"/>
+              <a:lumOff val="80000"/>
+            </a:schemeClr>
+          </a:solidFill>
+        </p:spPr>
+        <p:style>
+          <a:lnRef idx="2">
+            <a:schemeClr val="accent1">
+              <a:shade val="50000"/>
+            </a:schemeClr>
+          </a:lnRef>
+          <a:fillRef idx="1">
+            <a:schemeClr val="accent1"/>
+          </a:fillRef>
+          <a:effectRef idx="0">
+            <a:schemeClr val="accent1"/>
+          </a:effectRef>
+          <a:fontRef idx="minor">
+            <a:schemeClr val="lt1"/>
+          </a:fontRef>
+        </p:style>
+        <p:txBody>
+          <a:bodyPr rtlCol="0" anchor="ctr"/>
+          <a:lstStyle/>
+          <a:p>
+            <a:pPr algn="ctr"/>
+            <a:endParaRPr lang="fr-FR" dirty="0"/>
+          </a:p>
+        </p:txBody>
+      </p:sp>
+      <p:sp>
+        <p:nvSpPr>
+          <p:cNvPr id="7" name="Rectangle 6">
+            <a:extLst>
+              <a:ext uri="{FF2B5EF4-FFF2-40B4-BE49-F238E27FC236}">
+                <a16:creationId xmlns:a16="http://schemas.microsoft.com/office/drawing/2014/main" id="{22434126-0D0B-465F-ABDD-2EEA8355D1C1}"/>
+              </a:ext>
+            </a:extLst>
+          </p:cNvPr>
+          <p:cNvSpPr/>
+          <p:nvPr/>
+        </p:nvSpPr>
+        <p:spPr>
+          <a:xfrm>
+            <a:off x="974680" y="200297"/>
+            <a:ext cx="1838189" cy="252549"/>
+          </a:xfrm>
+          <a:prstGeom prst="rect">
+            <a:avLst/>
+          </a:prstGeom>
+        </p:spPr>
+        <p:style>
+          <a:lnRef idx="2">
+            <a:schemeClr val="accent1">
+              <a:shade val="50000"/>
+            </a:schemeClr>
+          </a:lnRef>
+          <a:fillRef idx="1">
+            <a:schemeClr val="accent1"/>
+          </a:fillRef>
+          <a:effectRef idx="0">
+            <a:schemeClr val="accent1"/>
+          </a:effectRef>
+          <a:fontRef idx="minor">
+            <a:schemeClr val="lt1"/>
+          </a:fontRef>
+        </p:style>
+        <p:txBody>
+          <a:bodyPr rtlCol="0" anchor="ctr"/>
+          <a:lstStyle/>
+          <a:p>
+            <a:pPr algn="ctr"/>
+            <a:r>
+              <a:rPr lang="fr-FR" dirty="0" err="1"/>
+              <a:t>signup.hbs</a:t>
+            </a:r>
+            <a:endParaRPr lang="fr-FR" dirty="0"/>
+          </a:p>
+        </p:txBody>
+      </p:sp>
+      <p:sp>
+        <p:nvSpPr>
+          <p:cNvPr id="15" name="Rectangle 14">
+            <a:extLst>
+              <a:ext uri="{FF2B5EF4-FFF2-40B4-BE49-F238E27FC236}">
+                <a16:creationId xmlns:a16="http://schemas.microsoft.com/office/drawing/2014/main" id="{9B72C46D-8812-484E-A64B-564402EC19AE}"/>
+              </a:ext>
+            </a:extLst>
+          </p:cNvPr>
+          <p:cNvSpPr/>
+          <p:nvPr/>
+        </p:nvSpPr>
+        <p:spPr>
+          <a:xfrm>
+            <a:off x="4632960" y="1519595"/>
+            <a:ext cx="2638697" cy="1477328"/>
+          </a:xfrm>
+          <a:prstGeom prst="rect">
+            <a:avLst/>
+          </a:prstGeom>
+          <a:ln>
+            <a:solidFill>
+              <a:schemeClr val="tx1">
+                <a:lumMod val="50000"/>
+                <a:lumOff val="50000"/>
+              </a:schemeClr>
+            </a:solidFill>
+          </a:ln>
+        </p:spPr>
+        <p:txBody>
+          <a:bodyPr wrap="square">
+            <a:spAutoFit/>
+          </a:bodyPr>
+          <a:lstStyle/>
+          <a:p>
+            <a:r>
+              <a:rPr lang="fr-FR" dirty="0" err="1">
+                <a:solidFill>
+                  <a:srgbClr val="000000"/>
+                </a:solidFill>
+                <a:latin typeface="Arial" panose="020B0604020202020204" pitchFamily="34" charset="0"/>
+              </a:rPr>
+              <a:t>Firstname</a:t>
+            </a:r>
+            <a:r>
+              <a:rPr lang="fr-FR" dirty="0">
+                <a:solidFill>
+                  <a:srgbClr val="000000"/>
+                </a:solidFill>
+                <a:latin typeface="Arial" panose="020B0604020202020204" pitchFamily="34" charset="0"/>
+              </a:rPr>
+              <a:t>:</a:t>
+            </a:r>
+            <a:endParaRPr lang="fr-FR" dirty="0"/>
+          </a:p>
+          <a:p>
+            <a:r>
+              <a:rPr lang="fr-FR" dirty="0">
+                <a:solidFill>
+                  <a:srgbClr val="000000"/>
+                </a:solidFill>
+                <a:latin typeface="Arial" panose="020B0604020202020204" pitchFamily="34" charset="0"/>
+              </a:rPr>
+              <a:t>Last Name:</a:t>
+            </a:r>
+            <a:endParaRPr lang="fr-FR" dirty="0"/>
+          </a:p>
+          <a:p>
+            <a:r>
+              <a:rPr lang="fr-FR" dirty="0">
+                <a:solidFill>
+                  <a:srgbClr val="000000"/>
+                </a:solidFill>
+                <a:latin typeface="Arial" panose="020B0604020202020204" pitchFamily="34" charset="0"/>
+              </a:rPr>
+              <a:t>Email:</a:t>
+            </a:r>
+            <a:endParaRPr lang="fr-FR" dirty="0"/>
+          </a:p>
+          <a:p>
+            <a:r>
+              <a:rPr lang="fr-FR" dirty="0" err="1">
+                <a:solidFill>
+                  <a:srgbClr val="000000"/>
+                </a:solidFill>
+                <a:latin typeface="Arial" panose="020B0604020202020204" pitchFamily="34" charset="0"/>
+              </a:rPr>
+              <a:t>Password</a:t>
+            </a:r>
+            <a:r>
+              <a:rPr lang="fr-FR" dirty="0">
+                <a:solidFill>
+                  <a:srgbClr val="000000"/>
+                </a:solidFill>
+                <a:latin typeface="Arial" panose="020B0604020202020204" pitchFamily="34" charset="0"/>
+              </a:rPr>
+              <a:t>:</a:t>
+            </a:r>
+            <a:endParaRPr lang="fr-FR" dirty="0"/>
+          </a:p>
+          <a:p>
+            <a:endParaRPr lang="fr-FR" dirty="0"/>
+          </a:p>
+        </p:txBody>
+      </p:sp>
+      <p:sp>
+        <p:nvSpPr>
+          <p:cNvPr id="16" name="Rectangle 15">
+            <a:extLst>
+              <a:ext uri="{FF2B5EF4-FFF2-40B4-BE49-F238E27FC236}">
+                <a16:creationId xmlns:a16="http://schemas.microsoft.com/office/drawing/2014/main" id="{A8BAD099-0BDE-4DE6-B5CC-56A2AA92A895}"/>
+              </a:ext>
+            </a:extLst>
+          </p:cNvPr>
+          <p:cNvSpPr/>
+          <p:nvPr/>
+        </p:nvSpPr>
+        <p:spPr>
+          <a:xfrm>
+            <a:off x="5210991" y="3795939"/>
+            <a:ext cx="1482633" cy="620483"/>
+          </a:xfrm>
+          <a:prstGeom prst="rect">
+            <a:avLst/>
+          </a:prstGeom>
+          <a:solidFill>
+            <a:schemeClr val="accent2"/>
+          </a:solidFill>
+        </p:spPr>
+        <p:style>
+          <a:lnRef idx="2">
+            <a:schemeClr val="accent1">
+              <a:shade val="50000"/>
+            </a:schemeClr>
+          </a:lnRef>
+          <a:fillRef idx="1">
+            <a:schemeClr val="accent1"/>
+          </a:fillRef>
+          <a:effectRef idx="0">
+            <a:schemeClr val="accent1"/>
+          </a:effectRef>
+          <a:fontRef idx="minor">
+            <a:schemeClr val="lt1"/>
+          </a:fontRef>
+        </p:style>
+        <p:txBody>
+          <a:bodyPr rtlCol="0" anchor="ctr"/>
+          <a:lstStyle/>
+          <a:p>
+            <a:pPr algn="ctr"/>
+            <a:r>
+              <a:rPr lang="fr-FR" sz="1600" dirty="0" err="1"/>
+              <a:t>Signup</a:t>
+            </a:r>
+            <a:r>
+              <a:rPr lang="fr-FR" sz="1600" dirty="0"/>
+              <a:t>!</a:t>
+            </a:r>
+          </a:p>
+        </p:txBody>
+      </p:sp>
+    </p:spTree>
+    <p:extLst>
+      <p:ext uri="{BB962C8B-B14F-4D97-AF65-F5344CB8AC3E}">
+        <p14:creationId xmlns:p14="http://schemas.microsoft.com/office/powerpoint/2010/main" val="3904763596"/>
+      </p:ext>
+    </p:extLst>
+  </p:cSld>
+  <p:clrMapOvr>
+    <a:masterClrMapping/>
+  </p:clrMapOvr>
+</p:sld>
+</file>
+
+<file path=ppt/slides/slide7.xml><?xml version="1.0" encoding="utf-8"?>
+<p:sld xmlns:a="http://schemas.openxmlformats.org/drawingml/2006/main" xmlns:r="http://schemas.openxmlformats.org/officeDocument/2006/relationships" xmlns:p="http://schemas.openxmlformats.org/presentationml/2006/main">
+  <p:cSld>
+    <p:spTree>
+      <p:nvGrpSpPr>
+        <p:cNvPr id="1" name=""/>
+        <p:cNvGrpSpPr/>
+        <p:nvPr/>
+      </p:nvGrpSpPr>
+      <p:grpSpPr>
+        <a:xfrm>
+          <a:off x="0" y="0"/>
+          <a:ext cx="0" cy="0"/>
+          <a:chOff x="0" y="0"/>
+          <a:chExt cx="0" cy="0"/>
+        </a:xfrm>
+      </p:grpSpPr>
+      <p:sp>
+        <p:nvSpPr>
+          <p:cNvPr id="2" name="Rectangle 1">
+            <a:extLst>
+              <a:ext uri="{FF2B5EF4-FFF2-40B4-BE49-F238E27FC236}">
+                <a16:creationId xmlns:a16="http://schemas.microsoft.com/office/drawing/2014/main" id="{7E64C758-C98D-41F0-9515-78741A728945}"/>
+              </a:ext>
+            </a:extLst>
+          </p:cNvPr>
+          <p:cNvSpPr/>
+          <p:nvPr/>
+        </p:nvSpPr>
+        <p:spPr>
+          <a:xfrm>
+            <a:off x="622663" y="748938"/>
+            <a:ext cx="10946674" cy="5730240"/>
+          </a:xfrm>
+          <a:prstGeom prst="rect">
+            <a:avLst/>
+          </a:prstGeom>
+          <a:solidFill>
+            <a:schemeClr val="accent6">
+              <a:lumMod val="20000"/>
+              <a:lumOff val="80000"/>
+            </a:schemeClr>
+          </a:solidFill>
+        </p:spPr>
+        <p:style>
+          <a:lnRef idx="2">
+            <a:schemeClr val="accent1">
+              <a:shade val="50000"/>
+            </a:schemeClr>
+          </a:lnRef>
+          <a:fillRef idx="1">
+            <a:schemeClr val="accent1"/>
+          </a:fillRef>
+          <a:effectRef idx="0">
+            <a:schemeClr val="accent1"/>
+          </a:effectRef>
+          <a:fontRef idx="minor">
+            <a:schemeClr val="lt1"/>
+          </a:fontRef>
+        </p:style>
+        <p:txBody>
+          <a:bodyPr rtlCol="0" anchor="ctr"/>
+          <a:lstStyle/>
+          <a:p>
+            <a:pPr algn="ctr"/>
+            <a:endParaRPr lang="fr-FR" dirty="0"/>
+          </a:p>
+        </p:txBody>
+      </p:sp>
+      <p:sp>
+        <p:nvSpPr>
+          <p:cNvPr id="7" name="Rectangle 6">
+            <a:extLst>
+              <a:ext uri="{FF2B5EF4-FFF2-40B4-BE49-F238E27FC236}">
+                <a16:creationId xmlns:a16="http://schemas.microsoft.com/office/drawing/2014/main" id="{22434126-0D0B-465F-ABDD-2EEA8355D1C1}"/>
+              </a:ext>
+            </a:extLst>
+          </p:cNvPr>
+          <p:cNvSpPr/>
+          <p:nvPr/>
+        </p:nvSpPr>
+        <p:spPr>
+          <a:xfrm>
+            <a:off x="974680" y="200297"/>
+            <a:ext cx="1838189" cy="252549"/>
+          </a:xfrm>
+          <a:prstGeom prst="rect">
+            <a:avLst/>
+          </a:prstGeom>
+        </p:spPr>
+        <p:style>
+          <a:lnRef idx="2">
+            <a:schemeClr val="accent1">
+              <a:shade val="50000"/>
+            </a:schemeClr>
+          </a:lnRef>
+          <a:fillRef idx="1">
+            <a:schemeClr val="accent1"/>
+          </a:fillRef>
+          <a:effectRef idx="0">
+            <a:schemeClr val="accent1"/>
+          </a:effectRef>
+          <a:fontRef idx="minor">
+            <a:schemeClr val="lt1"/>
+          </a:fontRef>
+        </p:style>
+        <p:txBody>
+          <a:bodyPr rtlCol="0" anchor="ctr"/>
+          <a:lstStyle/>
+          <a:p>
+            <a:pPr algn="ctr"/>
+            <a:r>
+              <a:rPr lang="fr-FR" dirty="0" err="1"/>
+              <a:t>loggin.hbs</a:t>
+            </a:r>
+            <a:endParaRPr lang="fr-FR" dirty="0"/>
+          </a:p>
+        </p:txBody>
+      </p:sp>
+      <p:sp>
+        <p:nvSpPr>
+          <p:cNvPr id="15" name="Rectangle 14">
+            <a:extLst>
+              <a:ext uri="{FF2B5EF4-FFF2-40B4-BE49-F238E27FC236}">
+                <a16:creationId xmlns:a16="http://schemas.microsoft.com/office/drawing/2014/main" id="{9B72C46D-8812-484E-A64B-564402EC19AE}"/>
+              </a:ext>
+            </a:extLst>
+          </p:cNvPr>
+          <p:cNvSpPr/>
+          <p:nvPr/>
+        </p:nvSpPr>
+        <p:spPr>
+          <a:xfrm>
+            <a:off x="4632958" y="2312075"/>
+            <a:ext cx="2638697" cy="646331"/>
+          </a:xfrm>
+          <a:prstGeom prst="rect">
+            <a:avLst/>
+          </a:prstGeom>
+          <a:ln>
+            <a:solidFill>
+              <a:schemeClr val="tx1">
+                <a:lumMod val="50000"/>
+                <a:lumOff val="50000"/>
+              </a:schemeClr>
+            </a:solidFill>
+          </a:ln>
+        </p:spPr>
+        <p:txBody>
+          <a:bodyPr wrap="square">
+            <a:spAutoFit/>
+          </a:bodyPr>
+          <a:lstStyle/>
+          <a:p>
+            <a:r>
+              <a:rPr lang="fr-FR" dirty="0">
+                <a:solidFill>
+                  <a:srgbClr val="000000"/>
+                </a:solidFill>
+                <a:latin typeface="Arial" panose="020B0604020202020204" pitchFamily="34" charset="0"/>
+              </a:rPr>
+              <a:t>Email:</a:t>
+            </a:r>
+            <a:endParaRPr lang="fr-FR" dirty="0"/>
+          </a:p>
+          <a:p>
+            <a:r>
+              <a:rPr lang="fr-FR" dirty="0" err="1">
+                <a:solidFill>
+                  <a:srgbClr val="000000"/>
+                </a:solidFill>
+                <a:latin typeface="Arial" panose="020B0604020202020204" pitchFamily="34" charset="0"/>
+              </a:rPr>
+              <a:t>Password</a:t>
+            </a:r>
+            <a:r>
+              <a:rPr lang="fr-FR" dirty="0">
+                <a:solidFill>
+                  <a:srgbClr val="000000"/>
+                </a:solidFill>
+                <a:latin typeface="Arial" panose="020B0604020202020204" pitchFamily="34" charset="0"/>
+              </a:rPr>
+              <a:t>:</a:t>
+            </a:r>
+            <a:endParaRPr lang="fr-FR" dirty="0"/>
+          </a:p>
+        </p:txBody>
+      </p:sp>
+      <p:sp>
+        <p:nvSpPr>
+          <p:cNvPr id="16" name="Rectangle 15">
+            <a:extLst>
+              <a:ext uri="{FF2B5EF4-FFF2-40B4-BE49-F238E27FC236}">
+                <a16:creationId xmlns:a16="http://schemas.microsoft.com/office/drawing/2014/main" id="{A8BAD099-0BDE-4DE6-B5CC-56A2AA92A895}"/>
+              </a:ext>
+            </a:extLst>
+          </p:cNvPr>
+          <p:cNvSpPr/>
+          <p:nvPr/>
+        </p:nvSpPr>
+        <p:spPr>
+          <a:xfrm>
+            <a:off x="5210991" y="3795939"/>
+            <a:ext cx="1482633" cy="620483"/>
+          </a:xfrm>
+          <a:prstGeom prst="rect">
+            <a:avLst/>
+          </a:prstGeom>
+          <a:solidFill>
+            <a:schemeClr val="accent2"/>
+          </a:solidFill>
+        </p:spPr>
+        <p:style>
+          <a:lnRef idx="2">
+            <a:schemeClr val="accent1">
+              <a:shade val="50000"/>
+            </a:schemeClr>
+          </a:lnRef>
+          <a:fillRef idx="1">
+            <a:schemeClr val="accent1"/>
+          </a:fillRef>
+          <a:effectRef idx="0">
+            <a:schemeClr val="accent1"/>
+          </a:effectRef>
+          <a:fontRef idx="minor">
+            <a:schemeClr val="lt1"/>
+          </a:fontRef>
+        </p:style>
+        <p:txBody>
+          <a:bodyPr rtlCol="0" anchor="ctr"/>
+          <a:lstStyle/>
+          <a:p>
+            <a:pPr algn="ctr"/>
+            <a:r>
+              <a:rPr lang="fr-FR" sz="1600" dirty="0"/>
+              <a:t>Log me in!</a:t>
+            </a:r>
+          </a:p>
+        </p:txBody>
+      </p:sp>
+      <p:sp>
+        <p:nvSpPr>
+          <p:cNvPr id="8" name="Rectangle 7">
+            <a:extLst>
+              <a:ext uri="{FF2B5EF4-FFF2-40B4-BE49-F238E27FC236}">
+                <a16:creationId xmlns:a16="http://schemas.microsoft.com/office/drawing/2014/main" id="{C84425D4-7184-41B2-8DC9-ABF9FBB54A50}"/>
+              </a:ext>
+            </a:extLst>
+          </p:cNvPr>
+          <p:cNvSpPr/>
+          <p:nvPr/>
+        </p:nvSpPr>
+        <p:spPr>
+          <a:xfrm>
+            <a:off x="5065667" y="4625275"/>
+            <a:ext cx="2060666" cy="620483"/>
+          </a:xfrm>
+          <a:prstGeom prst="rect">
+            <a:avLst/>
+          </a:prstGeom>
+          <a:solidFill>
+            <a:schemeClr val="accent2"/>
+          </a:solidFill>
+        </p:spPr>
+        <p:style>
+          <a:lnRef idx="2">
+            <a:schemeClr val="accent1">
+              <a:shade val="50000"/>
+            </a:schemeClr>
+          </a:lnRef>
+          <a:fillRef idx="1">
+            <a:schemeClr val="accent1"/>
+          </a:fillRef>
+          <a:effectRef idx="0">
+            <a:schemeClr val="accent1"/>
+          </a:effectRef>
+          <a:fontRef idx="minor">
+            <a:schemeClr val="lt1"/>
+          </a:fontRef>
+        </p:style>
+        <p:txBody>
+          <a:bodyPr rtlCol="0" anchor="ctr"/>
+          <a:lstStyle/>
+          <a:p>
+            <a:pPr algn="ctr"/>
+            <a:r>
+              <a:rPr lang="fr-FR" sz="1600" dirty="0"/>
+              <a:t>You dont have an </a:t>
+            </a:r>
+            <a:r>
+              <a:rPr lang="fr-FR" sz="1600" dirty="0" err="1"/>
+              <a:t>account</a:t>
+            </a:r>
+            <a:r>
+              <a:rPr lang="fr-FR" sz="1600" dirty="0"/>
+              <a:t>? </a:t>
+            </a:r>
+            <a:r>
+              <a:rPr lang="fr-FR" sz="1600" dirty="0" err="1"/>
+              <a:t>Signup</a:t>
+            </a:r>
+            <a:r>
+              <a:rPr lang="fr-FR" sz="1600" dirty="0"/>
+              <a:t> !</a:t>
+            </a:r>
+          </a:p>
+        </p:txBody>
+      </p:sp>
+    </p:spTree>
+    <p:extLst>
+      <p:ext uri="{BB962C8B-B14F-4D97-AF65-F5344CB8AC3E}">
+        <p14:creationId xmlns:p14="http://schemas.microsoft.com/office/powerpoint/2010/main" val="1404029374"/>
+      </p:ext>
+    </p:extLst>
+  </p:cSld>
+  <p:clrMapOvr>
+    <a:masterClrMapping/>
+  </p:clrMapOvr>
+</p:sld>
+</file>
+
+<file path=ppt/slides/slide8.xml><?xml version="1.0" encoding="utf-8"?>
+<p:sld xmlns:a="http://schemas.openxmlformats.org/drawingml/2006/main" xmlns:r="http://schemas.openxmlformats.org/officeDocument/2006/relationships" xmlns:p="http://schemas.openxmlformats.org/presentationml/2006/main">
+  <p:cSld>
+    <p:spTree>
+      <p:nvGrpSpPr>
+        <p:cNvPr id="1" name=""/>
+        <p:cNvGrpSpPr/>
+        <p:nvPr/>
+      </p:nvGrpSpPr>
+      <p:grpSpPr>
+        <a:xfrm>
+          <a:off x="0" y="0"/>
+          <a:ext cx="0" cy="0"/>
+          <a:chOff x="0" y="0"/>
+          <a:chExt cx="0" cy="0"/>
+        </a:xfrm>
+      </p:grpSpPr>
+      <p:sp>
+        <p:nvSpPr>
+          <p:cNvPr id="2" name="Rectangle 1">
+            <a:extLst>
+              <a:ext uri="{FF2B5EF4-FFF2-40B4-BE49-F238E27FC236}">
+                <a16:creationId xmlns:a16="http://schemas.microsoft.com/office/drawing/2014/main" id="{7E64C758-C98D-41F0-9515-78741A728945}"/>
+              </a:ext>
+            </a:extLst>
+          </p:cNvPr>
+          <p:cNvSpPr/>
+          <p:nvPr/>
+        </p:nvSpPr>
+        <p:spPr>
+          <a:xfrm>
+            <a:off x="622663" y="748938"/>
+            <a:ext cx="10946674" cy="5730240"/>
+          </a:xfrm>
+          <a:prstGeom prst="rect">
+            <a:avLst/>
+          </a:prstGeom>
+          <a:solidFill>
+            <a:schemeClr val="accent6">
+              <a:lumMod val="20000"/>
+              <a:lumOff val="80000"/>
+            </a:schemeClr>
+          </a:solidFill>
+        </p:spPr>
+        <p:style>
+          <a:lnRef idx="2">
+            <a:schemeClr val="accent1">
+              <a:shade val="50000"/>
+            </a:schemeClr>
+          </a:lnRef>
+          <a:fillRef idx="1">
+            <a:schemeClr val="accent1"/>
+          </a:fillRef>
+          <a:effectRef idx="0">
+            <a:schemeClr val="accent1"/>
+          </a:effectRef>
+          <a:fontRef idx="minor">
+            <a:schemeClr val="lt1"/>
+          </a:fontRef>
+        </p:style>
+        <p:txBody>
+          <a:bodyPr rtlCol="0" anchor="ctr"/>
+          <a:lstStyle/>
+          <a:p>
+            <a:pPr algn="ctr"/>
+            <a:endParaRPr lang="fr-FR" dirty="0"/>
+          </a:p>
+        </p:txBody>
+      </p:sp>
+      <p:sp>
+        <p:nvSpPr>
+          <p:cNvPr id="3" name="Rectangle 2">
+            <a:extLst>
+              <a:ext uri="{FF2B5EF4-FFF2-40B4-BE49-F238E27FC236}">
+                <a16:creationId xmlns:a16="http://schemas.microsoft.com/office/drawing/2014/main" id="{0F0B21E4-FBB5-44C2-8E74-97BB8B9438F6}"/>
+              </a:ext>
+            </a:extLst>
+          </p:cNvPr>
+          <p:cNvSpPr/>
+          <p:nvPr/>
+        </p:nvSpPr>
+        <p:spPr>
+          <a:xfrm>
+            <a:off x="714103" y="888274"/>
+            <a:ext cx="10737668" cy="391886"/>
+          </a:xfrm>
+          <a:prstGeom prst="rect">
+            <a:avLst/>
+          </a:prstGeom>
+        </p:spPr>
+        <p:style>
+          <a:lnRef idx="2">
+            <a:schemeClr val="accent1">
+              <a:shade val="50000"/>
+            </a:schemeClr>
+          </a:lnRef>
+          <a:fillRef idx="1">
+            <a:schemeClr val="accent1"/>
+          </a:fillRef>
+          <a:effectRef idx="0">
+            <a:schemeClr val="accent1"/>
+          </a:effectRef>
+          <a:fontRef idx="minor">
+            <a:schemeClr val="lt1"/>
+          </a:fontRef>
+        </p:style>
+        <p:txBody>
+          <a:bodyPr rtlCol="0" anchor="ctr"/>
+          <a:lstStyle/>
+          <a:p>
+            <a:pPr algn="ctr"/>
+            <a:endParaRPr lang="fr-FR" dirty="0"/>
+          </a:p>
+        </p:txBody>
+      </p:sp>
+      <p:sp>
+        <p:nvSpPr>
+          <p:cNvPr id="5" name="Rectangle 4">
+            <a:extLst>
+              <a:ext uri="{FF2B5EF4-FFF2-40B4-BE49-F238E27FC236}">
+                <a16:creationId xmlns:a16="http://schemas.microsoft.com/office/drawing/2014/main" id="{AB16307F-6937-4D2C-BF36-64D295717153}"/>
+              </a:ext>
+            </a:extLst>
+          </p:cNvPr>
+          <p:cNvSpPr/>
+          <p:nvPr/>
+        </p:nvSpPr>
+        <p:spPr>
+          <a:xfrm>
+            <a:off x="10245634" y="949234"/>
+            <a:ext cx="1018903" cy="269965"/>
+          </a:xfrm>
+          <a:prstGeom prst="rect">
+            <a:avLst/>
+          </a:prstGeom>
+          <a:solidFill>
+            <a:schemeClr val="accent2"/>
+          </a:solidFill>
+        </p:spPr>
+        <p:style>
+          <a:lnRef idx="2">
+            <a:schemeClr val="accent1">
+              <a:shade val="50000"/>
+            </a:schemeClr>
+          </a:lnRef>
+          <a:fillRef idx="1">
+            <a:schemeClr val="accent1"/>
+          </a:fillRef>
+          <a:effectRef idx="0">
+            <a:schemeClr val="accent1"/>
+          </a:effectRef>
+          <a:fontRef idx="minor">
+            <a:schemeClr val="lt1"/>
+          </a:fontRef>
+        </p:style>
+        <p:txBody>
+          <a:bodyPr rtlCol="0" anchor="ctr"/>
+          <a:lstStyle/>
+          <a:p>
+            <a:pPr algn="ctr"/>
+            <a:r>
+              <a:rPr lang="fr-FR" dirty="0"/>
+              <a:t>Log-out</a:t>
+            </a:r>
+          </a:p>
+        </p:txBody>
+      </p:sp>
+      <p:sp>
+        <p:nvSpPr>
+          <p:cNvPr id="7" name="Rectangle 6">
+            <a:extLst>
+              <a:ext uri="{FF2B5EF4-FFF2-40B4-BE49-F238E27FC236}">
+                <a16:creationId xmlns:a16="http://schemas.microsoft.com/office/drawing/2014/main" id="{22434126-0D0B-465F-ABDD-2EEA8355D1C1}"/>
+              </a:ext>
+            </a:extLst>
+          </p:cNvPr>
+          <p:cNvSpPr/>
+          <p:nvPr/>
+        </p:nvSpPr>
+        <p:spPr>
+          <a:xfrm>
+            <a:off x="974680" y="200297"/>
+            <a:ext cx="1838189" cy="252549"/>
+          </a:xfrm>
+          <a:prstGeom prst="rect">
+            <a:avLst/>
+          </a:prstGeom>
+        </p:spPr>
+        <p:style>
+          <a:lnRef idx="2">
+            <a:schemeClr val="accent1">
+              <a:shade val="50000"/>
+            </a:schemeClr>
+          </a:lnRef>
+          <a:fillRef idx="1">
+            <a:schemeClr val="accent1"/>
+          </a:fillRef>
+          <a:effectRef idx="0">
+            <a:schemeClr val="accent1"/>
+          </a:effectRef>
+          <a:fontRef idx="minor">
+            <a:schemeClr val="lt1"/>
+          </a:fontRef>
+        </p:style>
+        <p:txBody>
+          <a:bodyPr rtlCol="0" anchor="ctr"/>
+          <a:lstStyle/>
+          <a:p>
+            <a:pPr algn="ctr"/>
+            <a:r>
+              <a:rPr lang="fr-FR" dirty="0" err="1"/>
+              <a:t>create-event.hbs</a:t>
+            </a:r>
+            <a:endParaRPr lang="fr-FR" dirty="0"/>
+          </a:p>
+        </p:txBody>
+      </p:sp>
+      <p:sp>
+        <p:nvSpPr>
+          <p:cNvPr id="15" name="Rectangle 14">
+            <a:extLst>
+              <a:ext uri="{FF2B5EF4-FFF2-40B4-BE49-F238E27FC236}">
+                <a16:creationId xmlns:a16="http://schemas.microsoft.com/office/drawing/2014/main" id="{94B30F9A-2801-43EF-8E67-882CB17239C1}"/>
+              </a:ext>
+            </a:extLst>
+          </p:cNvPr>
+          <p:cNvSpPr/>
+          <p:nvPr/>
+        </p:nvSpPr>
+        <p:spPr>
+          <a:xfrm>
+            <a:off x="3300549" y="1540201"/>
+            <a:ext cx="4554582" cy="4801314"/>
+          </a:xfrm>
+          <a:prstGeom prst="rect">
+            <a:avLst/>
+          </a:prstGeom>
+          <a:ln>
+            <a:noFill/>
+          </a:ln>
+        </p:spPr>
+        <p:txBody>
+          <a:bodyPr wrap="square">
+            <a:spAutoFit/>
+          </a:bodyPr>
+          <a:lstStyle/>
+          <a:p>
+            <a:br>
+              <a:rPr lang="fr-FR" dirty="0"/>
+            </a:br>
+            <a:r>
+              <a:rPr lang="fr-FR" u="sng" dirty="0">
+                <a:solidFill>
+                  <a:srgbClr val="000000"/>
+                </a:solidFill>
+                <a:latin typeface="Arial" panose="020B0604020202020204" pitchFamily="34" charset="0"/>
+              </a:rPr>
+              <a:t>Event :</a:t>
+            </a:r>
+          </a:p>
+          <a:p>
+            <a:r>
+              <a:rPr lang="fr-FR" dirty="0" err="1">
+                <a:solidFill>
+                  <a:srgbClr val="000000"/>
+                </a:solidFill>
+                <a:latin typeface="Arial" panose="020B0604020202020204" pitchFamily="34" charset="0"/>
+              </a:rPr>
+              <a:t>Event_name</a:t>
+            </a:r>
+            <a:r>
+              <a:rPr lang="fr-FR" dirty="0">
+                <a:solidFill>
+                  <a:srgbClr val="000000"/>
+                </a:solidFill>
+                <a:latin typeface="Arial" panose="020B0604020202020204" pitchFamily="34" charset="0"/>
+              </a:rPr>
+              <a:t>:</a:t>
+            </a:r>
+            <a:endParaRPr lang="fr-FR" dirty="0"/>
+          </a:p>
+          <a:p>
+            <a:r>
+              <a:rPr lang="fr-FR" dirty="0">
+                <a:solidFill>
+                  <a:srgbClr val="000000"/>
+                </a:solidFill>
+                <a:latin typeface="Arial" panose="020B0604020202020204" pitchFamily="34" charset="0"/>
+              </a:rPr>
+              <a:t>Chef : *user</a:t>
+            </a:r>
+            <a:endParaRPr lang="fr-FR" dirty="0"/>
+          </a:p>
+          <a:p>
+            <a:r>
+              <a:rPr lang="fr-FR" dirty="0">
+                <a:solidFill>
+                  <a:srgbClr val="000000"/>
+                </a:solidFill>
+                <a:latin typeface="Arial" panose="020B0604020202020204" pitchFamily="34" charset="0"/>
+              </a:rPr>
+              <a:t>Menu :{</a:t>
+            </a:r>
+            <a:endParaRPr lang="fr-FR" dirty="0"/>
+          </a:p>
+          <a:p>
+            <a:r>
+              <a:rPr lang="fr-FR" dirty="0">
+                <a:solidFill>
+                  <a:srgbClr val="000000"/>
+                </a:solidFill>
+                <a:latin typeface="Arial" panose="020B0604020202020204" pitchFamily="34" charset="0"/>
+              </a:rPr>
+              <a:t>Starter:</a:t>
+            </a:r>
+            <a:endParaRPr lang="fr-FR" dirty="0"/>
+          </a:p>
+          <a:p>
+            <a:r>
+              <a:rPr lang="fr-FR" dirty="0">
+                <a:solidFill>
+                  <a:srgbClr val="000000"/>
+                </a:solidFill>
+                <a:latin typeface="Arial" panose="020B0604020202020204" pitchFamily="34" charset="0"/>
+              </a:rPr>
+              <a:t>Main:</a:t>
+            </a:r>
+            <a:endParaRPr lang="fr-FR" dirty="0"/>
+          </a:p>
+          <a:p>
+            <a:r>
+              <a:rPr lang="fr-FR" dirty="0">
+                <a:solidFill>
+                  <a:srgbClr val="000000"/>
+                </a:solidFill>
+                <a:latin typeface="Arial" panose="020B0604020202020204" pitchFamily="34" charset="0"/>
+              </a:rPr>
+              <a:t>Dessert:}</a:t>
+            </a:r>
+            <a:endParaRPr lang="fr-FR" dirty="0"/>
+          </a:p>
+          <a:p>
+            <a:r>
+              <a:rPr lang="fr-FR" dirty="0">
+                <a:solidFill>
+                  <a:srgbClr val="000000"/>
+                </a:solidFill>
+                <a:latin typeface="Arial" panose="020B0604020202020204" pitchFamily="34" charset="0"/>
+              </a:rPr>
+              <a:t>Type :[breakfast, </a:t>
+            </a:r>
+            <a:r>
+              <a:rPr lang="fr-FR" dirty="0" err="1">
+                <a:solidFill>
+                  <a:srgbClr val="000000"/>
+                </a:solidFill>
+                <a:latin typeface="Arial" panose="020B0604020202020204" pitchFamily="34" charset="0"/>
+              </a:rPr>
+              <a:t>brunch,lunch</a:t>
+            </a:r>
+            <a:r>
+              <a:rPr lang="fr-FR" dirty="0">
+                <a:solidFill>
+                  <a:srgbClr val="000000"/>
+                </a:solidFill>
+                <a:latin typeface="Arial" panose="020B0604020202020204" pitchFamily="34" charset="0"/>
+              </a:rPr>
+              <a:t>, </a:t>
+            </a:r>
+            <a:r>
+              <a:rPr lang="fr-FR" dirty="0" err="1">
+                <a:solidFill>
+                  <a:srgbClr val="000000"/>
+                </a:solidFill>
+                <a:latin typeface="Arial" panose="020B0604020202020204" pitchFamily="34" charset="0"/>
+              </a:rPr>
+              <a:t>dinner</a:t>
+            </a:r>
+            <a:r>
+              <a:rPr lang="fr-FR" dirty="0">
+                <a:solidFill>
+                  <a:srgbClr val="000000"/>
+                </a:solidFill>
+                <a:latin typeface="Arial" panose="020B0604020202020204" pitchFamily="34" charset="0"/>
+              </a:rPr>
+              <a:t>]</a:t>
+            </a:r>
+            <a:endParaRPr lang="fr-FR" dirty="0"/>
+          </a:p>
+          <a:p>
+            <a:r>
+              <a:rPr lang="fr-FR" dirty="0">
+                <a:solidFill>
+                  <a:srgbClr val="000000"/>
+                </a:solidFill>
+                <a:latin typeface="Arial" panose="020B0604020202020204" pitchFamily="34" charset="0"/>
+              </a:rPr>
+              <a:t>Date:</a:t>
+            </a:r>
+            <a:endParaRPr lang="fr-FR" dirty="0"/>
+          </a:p>
+          <a:p>
+            <a:r>
+              <a:rPr lang="fr-FR" dirty="0">
+                <a:solidFill>
+                  <a:srgbClr val="000000"/>
+                </a:solidFill>
+                <a:latin typeface="Arial" panose="020B0604020202020204" pitchFamily="34" charset="0"/>
+              </a:rPr>
+              <a:t>location:</a:t>
+            </a:r>
+            <a:endParaRPr lang="fr-FR" dirty="0"/>
+          </a:p>
+          <a:p>
+            <a:r>
+              <a:rPr lang="fr-FR" dirty="0" err="1">
+                <a:solidFill>
+                  <a:srgbClr val="000000"/>
+                </a:solidFill>
+                <a:latin typeface="Arial" panose="020B0604020202020204" pitchFamily="34" charset="0"/>
+              </a:rPr>
+              <a:t>MaxPeople</a:t>
+            </a:r>
+            <a:r>
+              <a:rPr lang="fr-FR" dirty="0">
+                <a:solidFill>
+                  <a:srgbClr val="000000"/>
+                </a:solidFill>
+                <a:latin typeface="Arial" panose="020B0604020202020204" pitchFamily="34" charset="0"/>
+              </a:rPr>
+              <a:t>:</a:t>
+            </a:r>
+            <a:endParaRPr lang="fr-FR" dirty="0"/>
+          </a:p>
+          <a:p>
+            <a:r>
+              <a:rPr lang="fr-FR" dirty="0" err="1">
+                <a:solidFill>
+                  <a:srgbClr val="000000"/>
+                </a:solidFill>
+                <a:latin typeface="Arial" panose="020B0604020202020204" pitchFamily="34" charset="0"/>
+              </a:rPr>
+              <a:t>Theme</a:t>
+            </a:r>
+            <a:r>
+              <a:rPr lang="fr-FR" dirty="0">
+                <a:solidFill>
+                  <a:srgbClr val="000000"/>
+                </a:solidFill>
+                <a:latin typeface="Arial" panose="020B0604020202020204" pitchFamily="34" charset="0"/>
+              </a:rPr>
+              <a:t>:</a:t>
+            </a:r>
+            <a:endParaRPr lang="fr-FR" dirty="0"/>
+          </a:p>
+          <a:p>
+            <a:r>
+              <a:rPr lang="fr-FR" dirty="0">
+                <a:solidFill>
+                  <a:srgbClr val="000000"/>
+                </a:solidFill>
+                <a:latin typeface="Arial" panose="020B0604020202020204" pitchFamily="34" charset="0"/>
+              </a:rPr>
+              <a:t>Price:</a:t>
+            </a:r>
+            <a:endParaRPr lang="fr-FR" dirty="0"/>
+          </a:p>
+          <a:p>
+            <a:r>
+              <a:rPr lang="fr-FR" dirty="0">
+                <a:solidFill>
+                  <a:srgbClr val="000000"/>
+                </a:solidFill>
+                <a:latin typeface="Arial" panose="020B0604020202020204" pitchFamily="34" charset="0"/>
+              </a:rPr>
+              <a:t>Restrictions :*tag</a:t>
+            </a:r>
+          </a:p>
+          <a:p>
+            <a:r>
+              <a:rPr lang="fr-FR" dirty="0">
+                <a:solidFill>
+                  <a:srgbClr val="000000"/>
+                </a:solidFill>
+                <a:latin typeface="Arial" panose="020B0604020202020204" pitchFamily="34" charset="0"/>
+              </a:rPr>
+              <a:t>Images :</a:t>
+            </a:r>
+          </a:p>
+          <a:p>
+            <a:r>
+              <a:rPr lang="fr-FR" dirty="0" err="1">
+                <a:solidFill>
+                  <a:srgbClr val="000000"/>
+                </a:solidFill>
+                <a:latin typeface="Arial" panose="020B0604020202020204" pitchFamily="34" charset="0"/>
+              </a:rPr>
+              <a:t>Guests</a:t>
+            </a:r>
+            <a:r>
+              <a:rPr lang="fr-FR" dirty="0">
+                <a:solidFill>
+                  <a:srgbClr val="000000"/>
+                </a:solidFill>
+                <a:latin typeface="Arial" panose="020B0604020202020204" pitchFamily="34" charset="0"/>
+              </a:rPr>
+              <a:t> [</a:t>
+            </a:r>
+            <a:r>
+              <a:rPr lang="fr-FR" dirty="0" err="1">
+                <a:solidFill>
+                  <a:srgbClr val="000000"/>
+                </a:solidFill>
+                <a:latin typeface="Arial" panose="020B0604020202020204" pitchFamily="34" charset="0"/>
+              </a:rPr>
+              <a:t>users</a:t>
+            </a:r>
+            <a:r>
+              <a:rPr lang="fr-FR" dirty="0">
+                <a:solidFill>
+                  <a:srgbClr val="000000"/>
+                </a:solidFill>
+                <a:latin typeface="Arial" panose="020B0604020202020204" pitchFamily="34" charset="0"/>
+              </a:rPr>
+              <a:t> ID,…]</a:t>
+            </a:r>
+            <a:endParaRPr lang="fr-FR" dirty="0"/>
+          </a:p>
+        </p:txBody>
+      </p:sp>
+      <p:sp>
+        <p:nvSpPr>
+          <p:cNvPr id="16" name="Rectangle 15">
+            <a:extLst>
+              <a:ext uri="{FF2B5EF4-FFF2-40B4-BE49-F238E27FC236}">
+                <a16:creationId xmlns:a16="http://schemas.microsoft.com/office/drawing/2014/main" id="{EEF24A88-98BD-4338-8A24-2791945EABA5}"/>
+              </a:ext>
+            </a:extLst>
+          </p:cNvPr>
+          <p:cNvSpPr/>
+          <p:nvPr/>
+        </p:nvSpPr>
+        <p:spPr>
+          <a:xfrm>
+            <a:off x="6548845" y="5934892"/>
+            <a:ext cx="1018903" cy="269965"/>
+          </a:xfrm>
+          <a:prstGeom prst="rect">
+            <a:avLst/>
+          </a:prstGeom>
+          <a:solidFill>
+            <a:schemeClr val="accent2"/>
+          </a:solidFill>
+        </p:spPr>
+        <p:style>
+          <a:lnRef idx="2">
+            <a:schemeClr val="accent1">
+              <a:shade val="50000"/>
+            </a:schemeClr>
+          </a:lnRef>
+          <a:fillRef idx="1">
+            <a:schemeClr val="accent1"/>
+          </a:fillRef>
+          <a:effectRef idx="0">
+            <a:schemeClr val="accent1"/>
+          </a:effectRef>
+          <a:fontRef idx="minor">
+            <a:schemeClr val="lt1"/>
+          </a:fontRef>
+        </p:style>
+        <p:txBody>
+          <a:bodyPr rtlCol="0" anchor="ctr"/>
+          <a:lstStyle/>
+          <a:p>
+            <a:pPr algn="ctr"/>
+            <a:r>
+              <a:rPr lang="fr-FR" dirty="0" err="1"/>
+              <a:t>Create</a:t>
+            </a:r>
+            <a:r>
+              <a:rPr lang="fr-FR" dirty="0"/>
+              <a:t> !</a:t>
+            </a:r>
+          </a:p>
+        </p:txBody>
+      </p:sp>
+      <p:sp>
+        <p:nvSpPr>
+          <p:cNvPr id="17" name="Rectangle 16">
+            <a:extLst>
+              <a:ext uri="{FF2B5EF4-FFF2-40B4-BE49-F238E27FC236}">
+                <a16:creationId xmlns:a16="http://schemas.microsoft.com/office/drawing/2014/main" id="{4835C298-B327-49D2-A281-4AE956F447B2}"/>
+              </a:ext>
+            </a:extLst>
+          </p:cNvPr>
+          <p:cNvSpPr/>
+          <p:nvPr/>
+        </p:nvSpPr>
+        <p:spPr>
+          <a:xfrm>
+            <a:off x="8778241" y="949234"/>
+            <a:ext cx="1349828" cy="269965"/>
+          </a:xfrm>
+          <a:prstGeom prst="rect">
+            <a:avLst/>
+          </a:prstGeom>
+          <a:solidFill>
+            <a:schemeClr val="accent2"/>
+          </a:solidFill>
+        </p:spPr>
+        <p:style>
+          <a:lnRef idx="2">
+            <a:schemeClr val="accent1">
+              <a:shade val="50000"/>
+            </a:schemeClr>
+          </a:lnRef>
+          <a:fillRef idx="1">
+            <a:schemeClr val="accent1"/>
+          </a:fillRef>
+          <a:effectRef idx="0">
+            <a:schemeClr val="accent1"/>
+          </a:effectRef>
+          <a:fontRef idx="minor">
+            <a:schemeClr val="lt1"/>
+          </a:fontRef>
+        </p:style>
+        <p:txBody>
+          <a:bodyPr rtlCol="0" anchor="ctr"/>
+          <a:lstStyle/>
+          <a:p>
+            <a:pPr algn="ctr"/>
+            <a:r>
+              <a:rPr lang="fr-FR" dirty="0" err="1"/>
+              <a:t>My</a:t>
+            </a:r>
+            <a:r>
+              <a:rPr lang="fr-FR" dirty="0"/>
+              <a:t> profile</a:t>
+            </a:r>
+          </a:p>
+        </p:txBody>
+      </p:sp>
+      <p:sp>
+        <p:nvSpPr>
+          <p:cNvPr id="18" name="Rectangle 17">
+            <a:extLst>
+              <a:ext uri="{FF2B5EF4-FFF2-40B4-BE49-F238E27FC236}">
+                <a16:creationId xmlns:a16="http://schemas.microsoft.com/office/drawing/2014/main" id="{3D80DC37-B1A7-4DA1-842C-53C8F97CE765}"/>
+              </a:ext>
+            </a:extLst>
+          </p:cNvPr>
+          <p:cNvSpPr/>
+          <p:nvPr/>
+        </p:nvSpPr>
+        <p:spPr>
+          <a:xfrm>
+            <a:off x="7327249" y="949234"/>
+            <a:ext cx="1349828" cy="269965"/>
+          </a:xfrm>
+          <a:prstGeom prst="rect">
+            <a:avLst/>
+          </a:prstGeom>
+          <a:solidFill>
+            <a:schemeClr val="accent2"/>
+          </a:solidFill>
+        </p:spPr>
+        <p:style>
+          <a:lnRef idx="2">
+            <a:schemeClr val="accent1">
+              <a:shade val="50000"/>
+            </a:schemeClr>
+          </a:lnRef>
+          <a:fillRef idx="1">
+            <a:schemeClr val="accent1"/>
+          </a:fillRef>
+          <a:effectRef idx="0">
+            <a:schemeClr val="accent1"/>
+          </a:effectRef>
+          <a:fontRef idx="minor">
+            <a:schemeClr val="lt1"/>
+          </a:fontRef>
+        </p:style>
+        <p:txBody>
+          <a:bodyPr rtlCol="0" anchor="ctr"/>
+          <a:lstStyle/>
+          <a:p>
+            <a:pPr algn="ctr"/>
+            <a:r>
+              <a:rPr lang="fr-FR" dirty="0" err="1"/>
+              <a:t>My</a:t>
+            </a:r>
+            <a:r>
+              <a:rPr lang="fr-FR" dirty="0"/>
+              <a:t> </a:t>
+            </a:r>
+            <a:r>
+              <a:rPr lang="fr-FR" dirty="0" err="1"/>
+              <a:t>events</a:t>
+            </a:r>
+            <a:endParaRPr lang="fr-FR" dirty="0"/>
+          </a:p>
+        </p:txBody>
+      </p:sp>
+    </p:spTree>
+    <p:extLst>
+      <p:ext uri="{BB962C8B-B14F-4D97-AF65-F5344CB8AC3E}">
+        <p14:creationId xmlns:p14="http://schemas.microsoft.com/office/powerpoint/2010/main" val="814124364"/>
+      </p:ext>
+    </p:extLst>
+  </p:cSld>
+  <p:clrMapOvr>
+    <a:masterClrMapping/>
+  </p:clrMapOvr>
+</p:sld>
+</file>
+
+<file path=ppt/slides/slide9.xml><?xml version="1.0" encoding="utf-8"?>
+<p:sld xmlns:a="http://schemas.openxmlformats.org/drawingml/2006/main" xmlns:r="http://schemas.openxmlformats.org/officeDocument/2006/relationships" xmlns:p="http://schemas.openxmlformats.org/presentationml/2006/main">
+  <p:cSld>
+    <p:spTree>
+      <p:nvGrpSpPr>
+        <p:cNvPr id="1" name=""/>
+        <p:cNvGrpSpPr/>
+        <p:nvPr/>
+      </p:nvGrpSpPr>
+      <p:grpSpPr>
+        <a:xfrm>
+          <a:off x="0" y="0"/>
+          <a:ext cx="0" cy="0"/>
+          <a:chOff x="0" y="0"/>
+          <a:chExt cx="0" cy="0"/>
+        </a:xfrm>
+      </p:grpSpPr>
+      <p:sp>
+        <p:nvSpPr>
+          <p:cNvPr id="2" name="Rectangle 1">
+            <a:extLst>
+              <a:ext uri="{FF2B5EF4-FFF2-40B4-BE49-F238E27FC236}">
+                <a16:creationId xmlns:a16="http://schemas.microsoft.com/office/drawing/2014/main" id="{7E64C758-C98D-41F0-9515-78741A728945}"/>
+              </a:ext>
+            </a:extLst>
+          </p:cNvPr>
+          <p:cNvSpPr/>
+          <p:nvPr/>
+        </p:nvSpPr>
+        <p:spPr>
+          <a:xfrm>
+            <a:off x="622663" y="748938"/>
+            <a:ext cx="10946674" cy="5730240"/>
+          </a:xfrm>
+          <a:prstGeom prst="rect">
+            <a:avLst/>
+          </a:prstGeom>
+          <a:solidFill>
+            <a:schemeClr val="accent6">
+              <a:lumMod val="20000"/>
+              <a:lumOff val="80000"/>
+            </a:schemeClr>
+          </a:solidFill>
+        </p:spPr>
+        <p:style>
+          <a:lnRef idx="2">
+            <a:schemeClr val="accent1">
+              <a:shade val="50000"/>
+            </a:schemeClr>
+          </a:lnRef>
+          <a:fillRef idx="1">
+            <a:schemeClr val="accent1"/>
+          </a:fillRef>
+          <a:effectRef idx="0">
+            <a:schemeClr val="accent1"/>
+          </a:effectRef>
+          <a:fontRef idx="minor">
+            <a:schemeClr val="lt1"/>
+          </a:fontRef>
+        </p:style>
+        <p:txBody>
+          <a:bodyPr rtlCol="0" anchor="ctr"/>
+          <a:lstStyle/>
+          <a:p>
+            <a:pPr algn="ctr"/>
+            <a:endParaRPr lang="fr-FR" dirty="0"/>
+          </a:p>
+        </p:txBody>
+      </p:sp>
+      <p:sp>
+        <p:nvSpPr>
+          <p:cNvPr id="3" name="Rectangle 2">
+            <a:extLst>
+              <a:ext uri="{FF2B5EF4-FFF2-40B4-BE49-F238E27FC236}">
+                <a16:creationId xmlns:a16="http://schemas.microsoft.com/office/drawing/2014/main" id="{0F0B21E4-FBB5-44C2-8E74-97BB8B9438F6}"/>
+              </a:ext>
+            </a:extLst>
+          </p:cNvPr>
+          <p:cNvSpPr/>
+          <p:nvPr/>
+        </p:nvSpPr>
+        <p:spPr>
+          <a:xfrm>
+            <a:off x="714103" y="888274"/>
+            <a:ext cx="10737668" cy="391886"/>
+          </a:xfrm>
+          <a:prstGeom prst="rect">
+            <a:avLst/>
+          </a:prstGeom>
+        </p:spPr>
+        <p:style>
+          <a:lnRef idx="2">
+            <a:schemeClr val="accent1">
+              <a:shade val="50000"/>
+            </a:schemeClr>
+          </a:lnRef>
+          <a:fillRef idx="1">
+            <a:schemeClr val="accent1"/>
+          </a:fillRef>
+          <a:effectRef idx="0">
+            <a:schemeClr val="accent1"/>
+          </a:effectRef>
+          <a:fontRef idx="minor">
+            <a:schemeClr val="lt1"/>
+          </a:fontRef>
+        </p:style>
+        <p:txBody>
+          <a:bodyPr rtlCol="0" anchor="ctr"/>
+          <a:lstStyle/>
+          <a:p>
+            <a:pPr algn="ctr"/>
+            <a:endParaRPr lang="fr-FR" dirty="0"/>
+          </a:p>
+        </p:txBody>
+      </p:sp>
+      <p:sp>
+        <p:nvSpPr>
+          <p:cNvPr id="5" name="Rectangle 4">
+            <a:extLst>
+              <a:ext uri="{FF2B5EF4-FFF2-40B4-BE49-F238E27FC236}">
+                <a16:creationId xmlns:a16="http://schemas.microsoft.com/office/drawing/2014/main" id="{AB16307F-6937-4D2C-BF36-64D295717153}"/>
+              </a:ext>
+            </a:extLst>
+          </p:cNvPr>
+          <p:cNvSpPr/>
+          <p:nvPr/>
+        </p:nvSpPr>
+        <p:spPr>
+          <a:xfrm>
+            <a:off x="10245634" y="949234"/>
+            <a:ext cx="1018903" cy="269965"/>
+          </a:xfrm>
+          <a:prstGeom prst="rect">
+            <a:avLst/>
+          </a:prstGeom>
+          <a:solidFill>
+            <a:schemeClr val="accent2"/>
+          </a:solidFill>
+        </p:spPr>
+        <p:style>
+          <a:lnRef idx="2">
+            <a:schemeClr val="accent1">
+              <a:shade val="50000"/>
+            </a:schemeClr>
+          </a:lnRef>
+          <a:fillRef idx="1">
+            <a:schemeClr val="accent1"/>
+          </a:fillRef>
+          <a:effectRef idx="0">
+            <a:schemeClr val="accent1"/>
+          </a:effectRef>
+          <a:fontRef idx="minor">
+            <a:schemeClr val="lt1"/>
+          </a:fontRef>
+        </p:style>
+        <p:txBody>
+          <a:bodyPr rtlCol="0" anchor="ctr"/>
+          <a:lstStyle/>
+          <a:p>
+            <a:pPr algn="ctr"/>
+            <a:r>
+              <a:rPr lang="fr-FR" dirty="0"/>
+              <a:t>Log-out</a:t>
+            </a:r>
+          </a:p>
+        </p:txBody>
+      </p:sp>
+      <p:sp>
+        <p:nvSpPr>
+          <p:cNvPr id="7" name="Rectangle 6">
+            <a:extLst>
+              <a:ext uri="{FF2B5EF4-FFF2-40B4-BE49-F238E27FC236}">
+                <a16:creationId xmlns:a16="http://schemas.microsoft.com/office/drawing/2014/main" id="{22434126-0D0B-465F-ABDD-2EEA8355D1C1}"/>
+              </a:ext>
+            </a:extLst>
+          </p:cNvPr>
+          <p:cNvSpPr/>
+          <p:nvPr/>
+        </p:nvSpPr>
+        <p:spPr>
+          <a:xfrm>
+            <a:off x="974680" y="200297"/>
+            <a:ext cx="2613250" cy="252549"/>
+          </a:xfrm>
+          <a:prstGeom prst="rect">
+            <a:avLst/>
+          </a:prstGeom>
+        </p:spPr>
+        <p:style>
+          <a:lnRef idx="2">
+            <a:schemeClr val="accent1">
+              <a:shade val="50000"/>
+            </a:schemeClr>
+          </a:lnRef>
+          <a:fillRef idx="1">
+            <a:schemeClr val="accent1"/>
+          </a:fillRef>
+          <a:effectRef idx="0">
+            <a:schemeClr val="accent1"/>
+          </a:effectRef>
+          <a:fontRef idx="minor">
+            <a:schemeClr val="lt1"/>
+          </a:fontRef>
+        </p:style>
+        <p:txBody>
+          <a:bodyPr rtlCol="0" anchor="ctr"/>
+          <a:lstStyle/>
+          <a:p>
+            <a:pPr algn="ctr"/>
+            <a:r>
+              <a:rPr lang="fr-FR" dirty="0"/>
+              <a:t>Manage-</a:t>
+            </a:r>
+            <a:r>
+              <a:rPr lang="fr-FR" dirty="0" err="1"/>
+              <a:t>page.hbs</a:t>
+            </a:r>
+            <a:endParaRPr lang="fr-FR" dirty="0"/>
+          </a:p>
+        </p:txBody>
+      </p:sp>
+      <p:sp>
+        <p:nvSpPr>
+          <p:cNvPr id="9" name="Rectangle 8">
+            <a:extLst>
+              <a:ext uri="{FF2B5EF4-FFF2-40B4-BE49-F238E27FC236}">
+                <a16:creationId xmlns:a16="http://schemas.microsoft.com/office/drawing/2014/main" id="{54EFCD71-9429-4093-A34D-609241E55723}"/>
+              </a:ext>
+            </a:extLst>
+          </p:cNvPr>
+          <p:cNvSpPr/>
+          <p:nvPr/>
+        </p:nvSpPr>
+        <p:spPr>
+          <a:xfrm>
+            <a:off x="1180098" y="2115640"/>
+            <a:ext cx="1911532" cy="1498418"/>
+          </a:xfrm>
+          <a:prstGeom prst="rect">
+            <a:avLst/>
+          </a:prstGeom>
+          <a:solidFill>
+            <a:srgbClr val="7030A0"/>
+          </a:solidFill>
+        </p:spPr>
+        <p:style>
+          <a:lnRef idx="2">
+            <a:schemeClr val="accent1">
+              <a:shade val="50000"/>
+            </a:schemeClr>
+          </a:lnRef>
+          <a:fillRef idx="1">
+            <a:schemeClr val="accent1"/>
+          </a:fillRef>
+          <a:effectRef idx="0">
+            <a:schemeClr val="accent1"/>
+          </a:effectRef>
+          <a:fontRef idx="minor">
+            <a:schemeClr val="lt1"/>
+          </a:fontRef>
+        </p:style>
+        <p:txBody>
+          <a:bodyPr rtlCol="0" anchor="b"/>
+          <a:lstStyle/>
+          <a:p>
+            <a:pPr algn="ctr"/>
+            <a:r>
+              <a:rPr lang="fr-FR" dirty="0" err="1"/>
+              <a:t>Event_name</a:t>
+            </a:r>
+            <a:endParaRPr lang="fr-FR" dirty="0"/>
+          </a:p>
+          <a:p>
+            <a:pPr algn="ctr"/>
+            <a:r>
+              <a:rPr lang="fr-FR" dirty="0"/>
+              <a:t>Type </a:t>
+            </a:r>
+          </a:p>
+          <a:p>
+            <a:pPr algn="ctr"/>
+            <a:r>
+              <a:rPr lang="fr-FR" dirty="0"/>
+              <a:t>Date</a:t>
+            </a:r>
+          </a:p>
+          <a:p>
+            <a:pPr algn="ctr"/>
+            <a:r>
+              <a:rPr lang="fr-FR" dirty="0"/>
+              <a:t>Diet</a:t>
+            </a:r>
+          </a:p>
+          <a:p>
+            <a:pPr algn="ctr"/>
+            <a:r>
+              <a:rPr lang="fr-FR" u="sng" dirty="0" err="1"/>
+              <a:t>See</a:t>
+            </a:r>
+            <a:r>
+              <a:rPr lang="fr-FR" u="sng" dirty="0"/>
+              <a:t> more..</a:t>
+            </a:r>
+            <a:endParaRPr lang="fr-FR" dirty="0"/>
+          </a:p>
+        </p:txBody>
+      </p:sp>
+      <p:sp>
+        <p:nvSpPr>
+          <p:cNvPr id="4" name="Rectangle 3">
+            <a:extLst>
+              <a:ext uri="{FF2B5EF4-FFF2-40B4-BE49-F238E27FC236}">
+                <a16:creationId xmlns:a16="http://schemas.microsoft.com/office/drawing/2014/main" id="{7F1D9A9D-F31C-4E7F-9FB6-5631020E8627}"/>
+              </a:ext>
+            </a:extLst>
+          </p:cNvPr>
+          <p:cNvSpPr/>
+          <p:nvPr/>
+        </p:nvSpPr>
+        <p:spPr>
+          <a:xfrm>
+            <a:off x="974680" y="1532709"/>
+            <a:ext cx="2613251" cy="278674"/>
+          </a:xfrm>
+          <a:prstGeom prst="rect">
+            <a:avLst/>
+          </a:prstGeom>
+        </p:spPr>
+        <p:style>
+          <a:lnRef idx="2">
+            <a:schemeClr val="accent1">
+              <a:shade val="50000"/>
+            </a:schemeClr>
+          </a:lnRef>
+          <a:fillRef idx="1">
+            <a:schemeClr val="accent1"/>
+          </a:fillRef>
+          <a:effectRef idx="0">
+            <a:schemeClr val="accent1"/>
+          </a:effectRef>
+          <a:fontRef idx="minor">
+            <a:schemeClr val="lt1"/>
+          </a:fontRef>
+        </p:style>
+        <p:txBody>
+          <a:bodyPr rtlCol="0" anchor="ctr"/>
+          <a:lstStyle/>
+          <a:p>
+            <a:pPr algn="ctr"/>
+            <a:r>
+              <a:rPr lang="fr-FR" dirty="0"/>
+              <a:t>As a host</a:t>
+            </a:r>
+          </a:p>
+        </p:txBody>
+      </p:sp>
+      <p:sp>
+        <p:nvSpPr>
+          <p:cNvPr id="19" name="Rectangle 18">
+            <a:extLst>
+              <a:ext uri="{FF2B5EF4-FFF2-40B4-BE49-F238E27FC236}">
+                <a16:creationId xmlns:a16="http://schemas.microsoft.com/office/drawing/2014/main" id="{49052D94-0320-45BF-AFD0-F4335FBE7B83}"/>
+              </a:ext>
+            </a:extLst>
+          </p:cNvPr>
+          <p:cNvSpPr/>
+          <p:nvPr/>
+        </p:nvSpPr>
+        <p:spPr>
+          <a:xfrm>
+            <a:off x="974679" y="4170864"/>
+            <a:ext cx="2613251" cy="278674"/>
+          </a:xfrm>
+          <a:prstGeom prst="rect">
+            <a:avLst/>
+          </a:prstGeom>
+        </p:spPr>
+        <p:style>
+          <a:lnRef idx="2">
+            <a:schemeClr val="accent1">
+              <a:shade val="50000"/>
+            </a:schemeClr>
+          </a:lnRef>
+          <a:fillRef idx="1">
+            <a:schemeClr val="accent1"/>
+          </a:fillRef>
+          <a:effectRef idx="0">
+            <a:schemeClr val="accent1"/>
+          </a:effectRef>
+          <a:fontRef idx="minor">
+            <a:schemeClr val="lt1"/>
+          </a:fontRef>
+        </p:style>
+        <p:txBody>
+          <a:bodyPr rtlCol="0" anchor="ctr"/>
+          <a:lstStyle/>
+          <a:p>
+            <a:pPr algn="ctr"/>
+            <a:r>
+              <a:rPr lang="fr-FR" dirty="0"/>
+              <a:t>As a </a:t>
+            </a:r>
+            <a:r>
+              <a:rPr lang="fr-FR" dirty="0" err="1"/>
+              <a:t>guest</a:t>
+            </a:r>
+            <a:r>
+              <a:rPr lang="fr-FR" dirty="0"/>
+              <a:t> </a:t>
+            </a:r>
+          </a:p>
+        </p:txBody>
+      </p:sp>
+      <p:sp>
+        <p:nvSpPr>
+          <p:cNvPr id="20" name="Rectangle 19">
+            <a:extLst>
+              <a:ext uri="{FF2B5EF4-FFF2-40B4-BE49-F238E27FC236}">
+                <a16:creationId xmlns:a16="http://schemas.microsoft.com/office/drawing/2014/main" id="{B99B22F2-2536-4DCA-A9C1-E8744D951655}"/>
+              </a:ext>
+            </a:extLst>
+          </p:cNvPr>
+          <p:cNvSpPr/>
+          <p:nvPr/>
+        </p:nvSpPr>
+        <p:spPr>
+          <a:xfrm>
+            <a:off x="3396429" y="2115640"/>
+            <a:ext cx="1911532" cy="1498418"/>
+          </a:xfrm>
+          <a:prstGeom prst="rect">
+            <a:avLst/>
+          </a:prstGeom>
+          <a:solidFill>
+            <a:srgbClr val="7030A0"/>
+          </a:solidFill>
+        </p:spPr>
+        <p:style>
+          <a:lnRef idx="2">
+            <a:schemeClr val="accent1">
+              <a:shade val="50000"/>
+            </a:schemeClr>
+          </a:lnRef>
+          <a:fillRef idx="1">
+            <a:schemeClr val="accent1"/>
+          </a:fillRef>
+          <a:effectRef idx="0">
+            <a:schemeClr val="accent1"/>
+          </a:effectRef>
+          <a:fontRef idx="minor">
+            <a:schemeClr val="lt1"/>
+          </a:fontRef>
+        </p:style>
+        <p:txBody>
+          <a:bodyPr rtlCol="0" anchor="b"/>
+          <a:lstStyle/>
+          <a:p>
+            <a:pPr algn="ctr"/>
+            <a:r>
+              <a:rPr lang="fr-FR" dirty="0" err="1"/>
+              <a:t>Event_name</a:t>
+            </a:r>
+            <a:endParaRPr lang="fr-FR" dirty="0"/>
+          </a:p>
+          <a:p>
+            <a:pPr algn="ctr"/>
+            <a:r>
+              <a:rPr lang="fr-FR" dirty="0"/>
+              <a:t>Type </a:t>
+            </a:r>
+          </a:p>
+          <a:p>
+            <a:pPr algn="ctr"/>
+            <a:r>
+              <a:rPr lang="fr-FR" dirty="0"/>
+              <a:t>Date</a:t>
+            </a:r>
+          </a:p>
+          <a:p>
+            <a:pPr algn="ctr"/>
+            <a:r>
+              <a:rPr lang="fr-FR" dirty="0"/>
+              <a:t>Diet</a:t>
+            </a:r>
+          </a:p>
+          <a:p>
+            <a:pPr algn="ctr"/>
+            <a:r>
+              <a:rPr lang="fr-FR" u="sng" dirty="0" err="1"/>
+              <a:t>See</a:t>
+            </a:r>
+            <a:r>
+              <a:rPr lang="fr-FR" u="sng" dirty="0"/>
+              <a:t> more..</a:t>
+            </a:r>
+            <a:endParaRPr lang="fr-FR" dirty="0"/>
+          </a:p>
+        </p:txBody>
+      </p:sp>
+      <p:sp>
+        <p:nvSpPr>
+          <p:cNvPr id="21" name="Rectangle 20">
+            <a:extLst>
+              <a:ext uri="{FF2B5EF4-FFF2-40B4-BE49-F238E27FC236}">
+                <a16:creationId xmlns:a16="http://schemas.microsoft.com/office/drawing/2014/main" id="{C83DE840-C8F9-4B0E-8CF3-23CAB5855F51}"/>
+              </a:ext>
+            </a:extLst>
+          </p:cNvPr>
+          <p:cNvSpPr/>
+          <p:nvPr/>
+        </p:nvSpPr>
+        <p:spPr>
+          <a:xfrm>
+            <a:off x="1180098" y="4576082"/>
+            <a:ext cx="1911532" cy="1498418"/>
+          </a:xfrm>
+          <a:prstGeom prst="rect">
+            <a:avLst/>
+          </a:prstGeom>
+          <a:solidFill>
+            <a:srgbClr val="7030A0"/>
+          </a:solidFill>
+        </p:spPr>
+        <p:style>
+          <a:lnRef idx="2">
+            <a:schemeClr val="accent1">
+              <a:shade val="50000"/>
+            </a:schemeClr>
+          </a:lnRef>
+          <a:fillRef idx="1">
+            <a:schemeClr val="accent1"/>
+          </a:fillRef>
+          <a:effectRef idx="0">
+            <a:schemeClr val="accent1"/>
+          </a:effectRef>
+          <a:fontRef idx="minor">
+            <a:schemeClr val="lt1"/>
+          </a:fontRef>
+        </p:style>
+        <p:txBody>
+          <a:bodyPr rtlCol="0" anchor="b"/>
+          <a:lstStyle/>
+          <a:p>
+            <a:pPr algn="ctr"/>
+            <a:r>
+              <a:rPr lang="fr-FR" dirty="0" err="1"/>
+              <a:t>Event_name</a:t>
+            </a:r>
+            <a:endParaRPr lang="fr-FR" dirty="0"/>
+          </a:p>
+          <a:p>
+            <a:pPr algn="ctr"/>
+            <a:r>
+              <a:rPr lang="fr-FR" dirty="0"/>
+              <a:t>Type </a:t>
+            </a:r>
+          </a:p>
+          <a:p>
+            <a:pPr algn="ctr"/>
+            <a:r>
+              <a:rPr lang="fr-FR" dirty="0"/>
+              <a:t>Date</a:t>
+            </a:r>
+          </a:p>
+          <a:p>
+            <a:pPr algn="ctr"/>
+            <a:r>
+              <a:rPr lang="fr-FR" dirty="0"/>
+              <a:t>Diet</a:t>
+            </a:r>
+          </a:p>
+          <a:p>
+            <a:pPr algn="ctr"/>
+            <a:r>
+              <a:rPr lang="fr-FR" u="sng" dirty="0" err="1"/>
+              <a:t>See</a:t>
+            </a:r>
+            <a:r>
+              <a:rPr lang="fr-FR" u="sng" dirty="0"/>
+              <a:t> more..</a:t>
+            </a:r>
+            <a:endParaRPr lang="fr-FR" dirty="0"/>
+          </a:p>
+        </p:txBody>
+      </p:sp>
+      <p:sp>
+        <p:nvSpPr>
+          <p:cNvPr id="22" name="Rectangle 21">
+            <a:extLst>
+              <a:ext uri="{FF2B5EF4-FFF2-40B4-BE49-F238E27FC236}">
+                <a16:creationId xmlns:a16="http://schemas.microsoft.com/office/drawing/2014/main" id="{D653591B-46FD-4AEC-A5F4-C2836439A50F}"/>
+              </a:ext>
+            </a:extLst>
+          </p:cNvPr>
+          <p:cNvSpPr/>
+          <p:nvPr/>
+        </p:nvSpPr>
+        <p:spPr>
+          <a:xfrm>
+            <a:off x="1173227" y="3696043"/>
+            <a:ext cx="812328" cy="269965"/>
+          </a:xfrm>
+          <a:prstGeom prst="rect">
+            <a:avLst/>
+          </a:prstGeom>
+          <a:solidFill>
+            <a:schemeClr val="accent2"/>
+          </a:solidFill>
+        </p:spPr>
+        <p:style>
+          <a:lnRef idx="2">
+            <a:schemeClr val="accent1">
+              <a:shade val="50000"/>
+            </a:schemeClr>
+          </a:lnRef>
+          <a:fillRef idx="1">
+            <a:schemeClr val="accent1"/>
+          </a:fillRef>
+          <a:effectRef idx="0">
+            <a:schemeClr val="accent1"/>
+          </a:effectRef>
+          <a:fontRef idx="minor">
+            <a:schemeClr val="lt1"/>
+          </a:fontRef>
+        </p:style>
+        <p:txBody>
+          <a:bodyPr rtlCol="0" anchor="ctr"/>
+          <a:lstStyle/>
+          <a:p>
+            <a:pPr algn="ctr"/>
+            <a:r>
+              <a:rPr lang="fr-FR" dirty="0"/>
+              <a:t>Cancel</a:t>
+            </a:r>
+          </a:p>
+        </p:txBody>
+      </p:sp>
+      <p:sp>
+        <p:nvSpPr>
+          <p:cNvPr id="23" name="Rectangle 22">
+            <a:extLst>
+              <a:ext uri="{FF2B5EF4-FFF2-40B4-BE49-F238E27FC236}">
+                <a16:creationId xmlns:a16="http://schemas.microsoft.com/office/drawing/2014/main" id="{C0A257B0-A5B5-4F1D-8FB0-E77DD0C1250A}"/>
+              </a:ext>
+            </a:extLst>
+          </p:cNvPr>
+          <p:cNvSpPr/>
+          <p:nvPr/>
+        </p:nvSpPr>
+        <p:spPr>
+          <a:xfrm>
+            <a:off x="2135864" y="3688661"/>
+            <a:ext cx="812328" cy="269965"/>
+          </a:xfrm>
+          <a:prstGeom prst="rect">
+            <a:avLst/>
+          </a:prstGeom>
+          <a:solidFill>
+            <a:schemeClr val="accent2"/>
+          </a:solidFill>
+        </p:spPr>
+        <p:style>
+          <a:lnRef idx="2">
+            <a:schemeClr val="accent1">
+              <a:shade val="50000"/>
+            </a:schemeClr>
+          </a:lnRef>
+          <a:fillRef idx="1">
+            <a:schemeClr val="accent1"/>
+          </a:fillRef>
+          <a:effectRef idx="0">
+            <a:schemeClr val="accent1"/>
+          </a:effectRef>
+          <a:fontRef idx="minor">
+            <a:schemeClr val="lt1"/>
+          </a:fontRef>
+        </p:style>
+        <p:txBody>
+          <a:bodyPr rtlCol="0" anchor="ctr"/>
+          <a:lstStyle/>
+          <a:p>
+            <a:pPr algn="ctr"/>
+            <a:r>
+              <a:rPr lang="fr-FR" dirty="0"/>
+              <a:t>Edit</a:t>
+            </a:r>
+          </a:p>
+        </p:txBody>
+      </p:sp>
+      <p:sp>
+        <p:nvSpPr>
+          <p:cNvPr id="24" name="Rectangle 23">
+            <a:extLst>
+              <a:ext uri="{FF2B5EF4-FFF2-40B4-BE49-F238E27FC236}">
+                <a16:creationId xmlns:a16="http://schemas.microsoft.com/office/drawing/2014/main" id="{9C61D6FA-08D1-4223-81CE-C78D6BEAEBD5}"/>
+              </a:ext>
+            </a:extLst>
+          </p:cNvPr>
+          <p:cNvSpPr/>
+          <p:nvPr/>
+        </p:nvSpPr>
+        <p:spPr>
+          <a:xfrm>
+            <a:off x="3370304" y="3718188"/>
+            <a:ext cx="812328" cy="269965"/>
+          </a:xfrm>
+          <a:prstGeom prst="rect">
+            <a:avLst/>
+          </a:prstGeom>
+          <a:solidFill>
+            <a:schemeClr val="accent2"/>
+          </a:solidFill>
+        </p:spPr>
+        <p:style>
+          <a:lnRef idx="2">
+            <a:schemeClr val="accent1">
+              <a:shade val="50000"/>
+            </a:schemeClr>
+          </a:lnRef>
+          <a:fillRef idx="1">
+            <a:schemeClr val="accent1"/>
+          </a:fillRef>
+          <a:effectRef idx="0">
+            <a:schemeClr val="accent1"/>
+          </a:effectRef>
+          <a:fontRef idx="minor">
+            <a:schemeClr val="lt1"/>
+          </a:fontRef>
+        </p:style>
+        <p:txBody>
+          <a:bodyPr rtlCol="0" anchor="ctr"/>
+          <a:lstStyle/>
+          <a:p>
+            <a:pPr algn="ctr"/>
+            <a:r>
+              <a:rPr lang="fr-FR" dirty="0"/>
+              <a:t>Cancel</a:t>
+            </a:r>
+          </a:p>
+        </p:txBody>
+      </p:sp>
+      <p:sp>
+        <p:nvSpPr>
+          <p:cNvPr id="25" name="Rectangle 24">
+            <a:extLst>
+              <a:ext uri="{FF2B5EF4-FFF2-40B4-BE49-F238E27FC236}">
+                <a16:creationId xmlns:a16="http://schemas.microsoft.com/office/drawing/2014/main" id="{482B1CF1-0AD1-4DA6-9607-020FA7767F2E}"/>
+              </a:ext>
+            </a:extLst>
+          </p:cNvPr>
+          <p:cNvSpPr/>
+          <p:nvPr/>
+        </p:nvSpPr>
+        <p:spPr>
+          <a:xfrm>
+            <a:off x="4461393" y="3718395"/>
+            <a:ext cx="812328" cy="269965"/>
+          </a:xfrm>
+          <a:prstGeom prst="rect">
+            <a:avLst/>
+          </a:prstGeom>
+          <a:solidFill>
+            <a:schemeClr val="accent2"/>
+          </a:solidFill>
+        </p:spPr>
+        <p:style>
+          <a:lnRef idx="2">
+            <a:schemeClr val="accent1">
+              <a:shade val="50000"/>
+            </a:schemeClr>
+          </a:lnRef>
+          <a:fillRef idx="1">
+            <a:schemeClr val="accent1"/>
+          </a:fillRef>
+          <a:effectRef idx="0">
+            <a:schemeClr val="accent1"/>
+          </a:effectRef>
+          <a:fontRef idx="minor">
+            <a:schemeClr val="lt1"/>
+          </a:fontRef>
+        </p:style>
+        <p:txBody>
+          <a:bodyPr rtlCol="0" anchor="ctr"/>
+          <a:lstStyle/>
+          <a:p>
+            <a:pPr algn="ctr"/>
+            <a:r>
+              <a:rPr lang="fr-FR" dirty="0"/>
+              <a:t>Edit</a:t>
+            </a:r>
+          </a:p>
+        </p:txBody>
+      </p:sp>
+      <p:sp>
+        <p:nvSpPr>
+          <p:cNvPr id="26" name="Rectangle 25">
+            <a:extLst>
+              <a:ext uri="{FF2B5EF4-FFF2-40B4-BE49-F238E27FC236}">
+                <a16:creationId xmlns:a16="http://schemas.microsoft.com/office/drawing/2014/main" id="{9F270E58-48B9-4DD4-BBAD-30D57E691C89}"/>
+              </a:ext>
+            </a:extLst>
+          </p:cNvPr>
+          <p:cNvSpPr/>
+          <p:nvPr/>
+        </p:nvSpPr>
+        <p:spPr>
+          <a:xfrm>
+            <a:off x="1738155" y="6141856"/>
+            <a:ext cx="812328" cy="269965"/>
+          </a:xfrm>
+          <a:prstGeom prst="rect">
+            <a:avLst/>
+          </a:prstGeom>
+          <a:solidFill>
+            <a:schemeClr val="accent2"/>
+          </a:solidFill>
+        </p:spPr>
+        <p:style>
+          <a:lnRef idx="2">
+            <a:schemeClr val="accent1">
+              <a:shade val="50000"/>
+            </a:schemeClr>
+          </a:lnRef>
+          <a:fillRef idx="1">
+            <a:schemeClr val="accent1"/>
+          </a:fillRef>
+          <a:effectRef idx="0">
+            <a:schemeClr val="accent1"/>
+          </a:effectRef>
+          <a:fontRef idx="minor">
+            <a:schemeClr val="lt1"/>
+          </a:fontRef>
+        </p:style>
+        <p:txBody>
+          <a:bodyPr rtlCol="0" anchor="ctr"/>
+          <a:lstStyle/>
+          <a:p>
+            <a:pPr algn="ctr"/>
+            <a:r>
+              <a:rPr lang="fr-FR" dirty="0"/>
+              <a:t>Cancel</a:t>
+            </a:r>
+          </a:p>
+        </p:txBody>
+      </p:sp>
+      <p:sp>
+        <p:nvSpPr>
+          <p:cNvPr id="27" name="Rectangle 26">
+            <a:extLst>
+              <a:ext uri="{FF2B5EF4-FFF2-40B4-BE49-F238E27FC236}">
+                <a16:creationId xmlns:a16="http://schemas.microsoft.com/office/drawing/2014/main" id="{A560587A-79B1-4F8B-8A5D-4F716054C1C1}"/>
+              </a:ext>
+            </a:extLst>
+          </p:cNvPr>
+          <p:cNvSpPr/>
+          <p:nvPr/>
+        </p:nvSpPr>
+        <p:spPr>
+          <a:xfrm>
+            <a:off x="8778241" y="949234"/>
+            <a:ext cx="1349828" cy="269965"/>
+          </a:xfrm>
+          <a:prstGeom prst="rect">
+            <a:avLst/>
+          </a:prstGeom>
+          <a:solidFill>
+            <a:schemeClr val="accent2"/>
+          </a:solidFill>
+        </p:spPr>
+        <p:style>
+          <a:lnRef idx="2">
+            <a:schemeClr val="accent1">
+              <a:shade val="50000"/>
+            </a:schemeClr>
+          </a:lnRef>
+          <a:fillRef idx="1">
+            <a:schemeClr val="accent1"/>
+          </a:fillRef>
+          <a:effectRef idx="0">
+            <a:schemeClr val="accent1"/>
+          </a:effectRef>
+          <a:fontRef idx="minor">
+            <a:schemeClr val="lt1"/>
+          </a:fontRef>
+        </p:style>
+        <p:txBody>
+          <a:bodyPr rtlCol="0" anchor="ctr"/>
+          <a:lstStyle/>
+          <a:p>
+            <a:pPr algn="ctr"/>
+            <a:r>
+              <a:rPr lang="fr-FR" dirty="0" err="1"/>
+              <a:t>My</a:t>
+            </a:r>
+            <a:r>
+              <a:rPr lang="fr-FR" dirty="0"/>
+              <a:t> profile</a:t>
+            </a:r>
+          </a:p>
+        </p:txBody>
+      </p:sp>
+      <p:sp>
+        <p:nvSpPr>
+          <p:cNvPr id="28" name="Rectangle 27">
+            <a:extLst>
+              <a:ext uri="{FF2B5EF4-FFF2-40B4-BE49-F238E27FC236}">
+                <a16:creationId xmlns:a16="http://schemas.microsoft.com/office/drawing/2014/main" id="{5A520B78-BAD3-4A6E-9C3B-948685181710}"/>
+              </a:ext>
+            </a:extLst>
+          </p:cNvPr>
+          <p:cNvSpPr/>
+          <p:nvPr/>
+        </p:nvSpPr>
+        <p:spPr>
+          <a:xfrm>
+            <a:off x="7327249" y="949234"/>
+            <a:ext cx="1349828" cy="269965"/>
+          </a:xfrm>
+          <a:prstGeom prst="rect">
+            <a:avLst/>
+          </a:prstGeom>
+          <a:solidFill>
+            <a:schemeClr val="accent2"/>
+          </a:solidFill>
+        </p:spPr>
+        <p:style>
+          <a:lnRef idx="2">
+            <a:schemeClr val="accent1">
+              <a:shade val="50000"/>
+            </a:schemeClr>
+          </a:lnRef>
+          <a:fillRef idx="1">
+            <a:schemeClr val="accent1"/>
+          </a:fillRef>
+          <a:effectRef idx="0">
+            <a:schemeClr val="accent1"/>
+          </a:effectRef>
+          <a:fontRef idx="minor">
+            <a:schemeClr val="lt1"/>
+          </a:fontRef>
+        </p:style>
+        <p:txBody>
+          <a:bodyPr rtlCol="0" anchor="ctr"/>
+          <a:lstStyle/>
+          <a:p>
+            <a:pPr algn="ctr"/>
+            <a:r>
+              <a:rPr lang="fr-FR" dirty="0" err="1"/>
+              <a:t>My</a:t>
+            </a:r>
+            <a:r>
+              <a:rPr lang="fr-FR" dirty="0"/>
+              <a:t> </a:t>
+            </a:r>
+            <a:r>
+              <a:rPr lang="fr-FR" dirty="0" err="1"/>
+              <a:t>events</a:t>
+            </a:r>
+            <a:endParaRPr lang="fr-FR" dirty="0"/>
+          </a:p>
+        </p:txBody>
+      </p:sp>
+      <p:sp>
+        <p:nvSpPr>
+          <p:cNvPr id="29" name="Rectangle 28">
+            <a:extLst>
+              <a:ext uri="{FF2B5EF4-FFF2-40B4-BE49-F238E27FC236}">
+                <a16:creationId xmlns:a16="http://schemas.microsoft.com/office/drawing/2014/main" id="{39A5FDD4-6476-46DE-848C-EFF841B5E078}"/>
+              </a:ext>
+            </a:extLst>
+          </p:cNvPr>
+          <p:cNvSpPr/>
+          <p:nvPr/>
+        </p:nvSpPr>
+        <p:spPr>
+          <a:xfrm>
+            <a:off x="3856884" y="1541418"/>
+            <a:ext cx="1349828" cy="269965"/>
+          </a:xfrm>
+          <a:prstGeom prst="rect">
+            <a:avLst/>
+          </a:prstGeom>
+          <a:solidFill>
+            <a:schemeClr val="accent2"/>
+          </a:solidFill>
+        </p:spPr>
+        <p:style>
+          <a:lnRef idx="2">
+            <a:schemeClr val="accent1">
+              <a:shade val="50000"/>
+            </a:schemeClr>
+          </a:lnRef>
+          <a:fillRef idx="1">
+            <a:schemeClr val="accent1"/>
+          </a:fillRef>
+          <a:effectRef idx="0">
+            <a:schemeClr val="accent1"/>
+          </a:effectRef>
+          <a:fontRef idx="minor">
+            <a:schemeClr val="lt1"/>
+          </a:fontRef>
+        </p:style>
+        <p:txBody>
+          <a:bodyPr rtlCol="0" anchor="ctr"/>
+          <a:lstStyle/>
+          <a:p>
+            <a:pPr algn="ctr"/>
+            <a:r>
+              <a:rPr lang="fr-FR" dirty="0"/>
+              <a:t>Host one !</a:t>
+            </a:r>
+          </a:p>
+        </p:txBody>
+      </p:sp>
+      <p:sp>
+        <p:nvSpPr>
+          <p:cNvPr id="30" name="Rectangle 29">
+            <a:extLst>
+              <a:ext uri="{FF2B5EF4-FFF2-40B4-BE49-F238E27FC236}">
+                <a16:creationId xmlns:a16="http://schemas.microsoft.com/office/drawing/2014/main" id="{D1E9A214-226E-4FC9-B4C8-D417F85B08D0}"/>
+              </a:ext>
+            </a:extLst>
+          </p:cNvPr>
+          <p:cNvSpPr/>
+          <p:nvPr/>
+        </p:nvSpPr>
+        <p:spPr>
+          <a:xfrm>
+            <a:off x="5050971" y="949233"/>
+            <a:ext cx="2089044" cy="269965"/>
+          </a:xfrm>
+          <a:prstGeom prst="rect">
+            <a:avLst/>
+          </a:prstGeom>
+          <a:solidFill>
+            <a:schemeClr val="accent2"/>
+          </a:solidFill>
+        </p:spPr>
+        <p:style>
+          <a:lnRef idx="2">
+            <a:schemeClr val="accent1">
+              <a:shade val="50000"/>
+            </a:schemeClr>
+          </a:lnRef>
+          <a:fillRef idx="1">
+            <a:schemeClr val="accent1"/>
+          </a:fillRef>
+          <a:effectRef idx="0">
+            <a:schemeClr val="accent1"/>
+          </a:effectRef>
+          <a:fontRef idx="minor">
+            <a:schemeClr val="lt1"/>
+          </a:fontRef>
+        </p:style>
+        <p:txBody>
+          <a:bodyPr rtlCol="0" anchor="ctr"/>
+          <a:lstStyle/>
+          <a:p>
+            <a:pPr algn="ctr"/>
+            <a:r>
+              <a:rPr lang="fr-FR" dirty="0" err="1"/>
+              <a:t>Create</a:t>
+            </a:r>
+            <a:r>
+              <a:rPr lang="fr-FR" dirty="0"/>
+              <a:t> an </a:t>
+            </a:r>
+            <a:r>
+              <a:rPr lang="fr-FR" dirty="0" err="1"/>
+              <a:t>event</a:t>
+            </a:r>
+            <a:endParaRPr lang="fr-FR" dirty="0"/>
+          </a:p>
+        </p:txBody>
+      </p:sp>
+    </p:spTree>
+    <p:extLst>
+      <p:ext uri="{BB962C8B-B14F-4D97-AF65-F5344CB8AC3E}">
+        <p14:creationId xmlns:p14="http://schemas.microsoft.com/office/powerpoint/2010/main" val="4065361703"/>
       </p:ext>
     </p:extLst>
   </p:cSld>

--- a/Working plan/Project plan.pptx
+++ b/Working plan/Project plan.pptx
@@ -16191,7 +16191,7 @@
         <p:spPr>
           <a:xfrm>
             <a:off x="3300549" y="1540201"/>
-            <a:ext cx="4554582" cy="4801314"/>
+            <a:ext cx="4554582" cy="4524315"/>
           </a:xfrm>
           <a:prstGeom prst="rect">
             <a:avLst/>
@@ -16260,11 +16260,12 @@
                 </a:solidFill>
                 <a:latin typeface="Arial" panose="020B0604020202020204" pitchFamily="34" charset="0"/>
               </a:rPr>
-              <a:t>Menu :{</a:t>
+              <a:t>Menu :</a:t>
             </a:r>
             <a:endParaRPr lang="fr-FR" dirty="0"/>
           </a:p>
           <a:p>
+            <a:pPr lvl="1"/>
             <a:r>
               <a:rPr lang="fr-FR" dirty="0">
                 <a:solidFill>
@@ -16277,6 +16278,7 @@
             <a:endParaRPr lang="fr-FR" dirty="0"/>
           </a:p>
           <a:p>
+            <a:pPr lvl="1"/>
             <a:r>
               <a:rPr lang="fr-FR" dirty="0">
                 <a:solidFill>
@@ -16289,6 +16291,7 @@
             <a:endParaRPr lang="fr-FR" dirty="0"/>
           </a:p>
           <a:p>
+            <a:pPr lvl="1"/>
             <a:r>
               <a:rPr lang="fr-FR" dirty="0">
                 <a:solidFill>
@@ -16296,7 +16299,7 @@
                 </a:solidFill>
                 <a:latin typeface="Arial" panose="020B0604020202020204" pitchFamily="34" charset="0"/>
               </a:rPr>
-              <a:t>Dessert:}</a:t>
+              <a:t>Dessert:</a:t>
             </a:r>
             <a:endParaRPr lang="fr-FR" dirty="0"/>
           </a:p>
@@ -16447,45 +16450,6 @@
               </a:rPr>
               <a:t>Images :</a:t>
             </a:r>
-          </a:p>
-          <a:p>
-            <a:r>
-              <a:rPr lang="fr-FR" dirty="0" err="1">
-                <a:solidFill>
-                  <a:srgbClr val="000000"/>
-                </a:solidFill>
-                <a:latin typeface="Arial" panose="020B0604020202020204" pitchFamily="34" charset="0"/>
-              </a:rPr>
-              <a:t>Guests</a:t>
-            </a:r>
-            <a:r>
-              <a:rPr lang="fr-FR" dirty="0">
-                <a:solidFill>
-                  <a:srgbClr val="000000"/>
-                </a:solidFill>
-                <a:latin typeface="Arial" panose="020B0604020202020204" pitchFamily="34" charset="0"/>
-              </a:rPr>
-              <a:t> [</a:t>
-            </a:r>
-            <a:r>
-              <a:rPr lang="fr-FR" dirty="0" err="1">
-                <a:solidFill>
-                  <a:srgbClr val="000000"/>
-                </a:solidFill>
-                <a:latin typeface="Arial" panose="020B0604020202020204" pitchFamily="34" charset="0"/>
-              </a:rPr>
-              <a:t>users</a:t>
-            </a:r>
-            <a:r>
-              <a:rPr lang="fr-FR" dirty="0">
-                <a:solidFill>
-                  <a:srgbClr val="000000"/>
-                </a:solidFill>
-                <a:latin typeface="Arial" panose="020B0604020202020204" pitchFamily="34" charset="0"/>
-              </a:rPr>
-              <a:t> ID,…]</a:t>
-            </a:r>
-            <a:endParaRPr lang="fr-FR" dirty="0"/>
           </a:p>
         </p:txBody>
       </p:sp>
